--- a/results/figures/pptx/priority_need_categories.pptx
+++ b/results/figures/pptx/priority_need_categories.pptx
@@ -2916,7 +2916,33 @@
           </p:nvSpPr>
           <p:spPr>
             <a:xfrm>
-              <a:off x="7814945" y="1816680"/>
+              <a:off x="8042356" y="4282762"/>
+              <a:ext cx="568527" cy="246608"/>
+            </a:xfrm>
+            <a:prstGeom prst="rect">
+              <a:avLst/>
+            </a:prstGeom>
+            <a:solidFill>
+              <a:srgbClr val="B0BEC5">
+                <a:alpha val="100000"/>
+              </a:srgbClr>
+            </a:solidFill>
+          </p:spPr>
+          <p:txBody>
+            <a:bodyPr/>
+            <a:lstStyle/>
+            <a:p/>
+          </p:txBody>
+        </p:sp>
+        <p:sp>
+          <p:nvSpPr>
+            <p:cNvPr id="20" name="rc20"/>
+            <p:cNvSpPr/>
+            <p:nvPr/>
+          </p:nvSpPr>
+          <p:spPr>
+            <a:xfrm>
+              <a:off x="7246417" y="4282762"/>
               <a:ext cx="795939" cy="246608"/>
             </a:xfrm>
             <a:prstGeom prst="rect">
@@ -2936,123 +2962,1813 @@
         </p:sp>
         <p:sp>
           <p:nvSpPr>
-            <p:cNvPr id="20" name="rc20"/>
-            <p:cNvSpPr/>
-            <p:nvPr/>
-          </p:nvSpPr>
-          <p:spPr>
-            <a:xfrm>
-              <a:off x="7094810" y="1816680"/>
+            <p:cNvPr id="21" name="rc21"/>
+            <p:cNvSpPr/>
+            <p:nvPr/>
+          </p:nvSpPr>
+          <p:spPr>
+            <a:xfrm>
+              <a:off x="6526282" y="4282762"/>
               <a:ext cx="720135" cy="246608"/>
             </a:xfrm>
             <a:prstGeom prst="rect">
               <a:avLst/>
             </a:prstGeom>
             <a:solidFill>
-              <a:srgbClr val="43AA70">
-                <a:alpha val="100000"/>
-              </a:srgbClr>
-            </a:solidFill>
-          </p:spPr>
-          <p:txBody>
-            <a:bodyPr/>
-            <a:lstStyle/>
-            <a:p/>
-          </p:txBody>
-        </p:sp>
-        <p:sp>
-          <p:nvSpPr>
-            <p:cNvPr id="21" name="rc21"/>
-            <p:cNvSpPr/>
-            <p:nvPr/>
-          </p:nvSpPr>
-          <p:spPr>
-            <a:xfrm>
-              <a:off x="6033557" y="1816680"/>
+              <a:srgbClr val="4CAF50">
+                <a:alpha val="100000"/>
+              </a:srgbClr>
+            </a:solidFill>
+          </p:spPr>
+          <p:txBody>
+            <a:bodyPr/>
+            <a:lstStyle/>
+            <a:p/>
+          </p:txBody>
+        </p:sp>
+        <p:sp>
+          <p:nvSpPr>
+            <p:cNvPr id="22" name="rc22"/>
+            <p:cNvSpPr/>
+            <p:nvPr/>
+          </p:nvSpPr>
+          <p:spPr>
+            <a:xfrm>
+              <a:off x="5465029" y="4282762"/>
               <a:ext cx="1061252" cy="246608"/>
             </a:xfrm>
             <a:prstGeom prst="rect">
               <a:avLst/>
             </a:prstGeom>
             <a:solidFill>
-              <a:srgbClr val="B7B924">
-                <a:alpha val="100000"/>
-              </a:srgbClr>
-            </a:solidFill>
-          </p:spPr>
-          <p:txBody>
-            <a:bodyPr/>
-            <a:lstStyle/>
-            <a:p/>
-          </p:txBody>
-        </p:sp>
-        <p:sp>
-          <p:nvSpPr>
-            <p:cNvPr id="22" name="rc22"/>
+              <a:srgbClr val="FFC107">
+                <a:alpha val="100000"/>
+              </a:srgbClr>
+            </a:solidFill>
+          </p:spPr>
+          <p:txBody>
+            <a:bodyPr/>
+            <a:lstStyle/>
+            <a:p/>
+          </p:txBody>
+        </p:sp>
+        <p:sp>
+          <p:nvSpPr>
+            <p:cNvPr id="23" name="rc23"/>
+            <p:cNvSpPr/>
+            <p:nvPr/>
+          </p:nvSpPr>
+          <p:spPr>
+            <a:xfrm>
+              <a:off x="4327973" y="4282762"/>
+              <a:ext cx="1137055" cy="246608"/>
+            </a:xfrm>
+            <a:prstGeom prst="rect">
+              <a:avLst/>
+            </a:prstGeom>
+            <a:solidFill>
+              <a:srgbClr val="FF9800">
+                <a:alpha val="100000"/>
+              </a:srgbClr>
+            </a:solidFill>
+          </p:spPr>
+          <p:txBody>
+            <a:bodyPr/>
+            <a:lstStyle/>
+            <a:p/>
+          </p:txBody>
+        </p:sp>
+        <p:sp>
+          <p:nvSpPr>
+            <p:cNvPr id="24" name="rc24"/>
+            <p:cNvSpPr/>
+            <p:nvPr/>
+          </p:nvSpPr>
+          <p:spPr>
+            <a:xfrm>
+              <a:off x="3077212" y="4282762"/>
+              <a:ext cx="1250761" cy="246608"/>
+            </a:xfrm>
+            <a:prstGeom prst="rect">
+              <a:avLst/>
+            </a:prstGeom>
+            <a:solidFill>
+              <a:srgbClr val="F44336">
+                <a:alpha val="100000"/>
+              </a:srgbClr>
+            </a:solidFill>
+          </p:spPr>
+          <p:txBody>
+            <a:bodyPr/>
+            <a:lstStyle/>
+            <a:p/>
+          </p:txBody>
+        </p:sp>
+        <p:sp>
+          <p:nvSpPr>
+            <p:cNvPr id="25" name="rc25"/>
+            <p:cNvSpPr/>
+            <p:nvPr/>
+          </p:nvSpPr>
+          <p:spPr>
+            <a:xfrm>
+              <a:off x="8193964" y="2364698"/>
+              <a:ext cx="416920" cy="246608"/>
+            </a:xfrm>
+            <a:prstGeom prst="rect">
+              <a:avLst/>
+            </a:prstGeom>
+            <a:solidFill>
+              <a:srgbClr val="B0BEC5">
+                <a:alpha val="100000"/>
+              </a:srgbClr>
+            </a:solidFill>
+          </p:spPr>
+          <p:txBody>
+            <a:bodyPr/>
+            <a:lstStyle/>
+            <a:p/>
+          </p:txBody>
+        </p:sp>
+        <p:sp>
+          <p:nvSpPr>
+            <p:cNvPr id="26" name="rc26"/>
+            <p:cNvSpPr/>
+            <p:nvPr/>
+          </p:nvSpPr>
+          <p:spPr>
+            <a:xfrm>
+              <a:off x="7663338" y="2364698"/>
+              <a:ext cx="530626" cy="246608"/>
+            </a:xfrm>
+            <a:prstGeom prst="rect">
+              <a:avLst/>
+            </a:prstGeom>
+            <a:solidFill>
+              <a:srgbClr val="2196F3">
+                <a:alpha val="100000"/>
+              </a:srgbClr>
+            </a:solidFill>
+          </p:spPr>
+          <p:txBody>
+            <a:bodyPr/>
+            <a:lstStyle/>
+            <a:p/>
+          </p:txBody>
+        </p:sp>
+        <p:sp>
+          <p:nvSpPr>
+            <p:cNvPr id="27" name="rc27"/>
+            <p:cNvSpPr/>
+            <p:nvPr/>
+          </p:nvSpPr>
+          <p:spPr>
+            <a:xfrm>
+              <a:off x="7170613" y="2364698"/>
+              <a:ext cx="492724" cy="246608"/>
+            </a:xfrm>
+            <a:prstGeom prst="rect">
+              <a:avLst/>
+            </a:prstGeom>
+            <a:solidFill>
+              <a:srgbClr val="4CAF50">
+                <a:alpha val="100000"/>
+              </a:srgbClr>
+            </a:solidFill>
+          </p:spPr>
+          <p:txBody>
+            <a:bodyPr/>
+            <a:lstStyle/>
+            <a:p/>
+          </p:txBody>
+        </p:sp>
+        <p:sp>
+          <p:nvSpPr>
+            <p:cNvPr id="28" name="rc28"/>
+            <p:cNvSpPr/>
+            <p:nvPr/>
+          </p:nvSpPr>
+          <p:spPr>
+            <a:xfrm>
+              <a:off x="6185165" y="2364698"/>
+              <a:ext cx="985448" cy="246608"/>
+            </a:xfrm>
+            <a:prstGeom prst="rect">
+              <a:avLst/>
+            </a:prstGeom>
+            <a:solidFill>
+              <a:srgbClr val="FFC107">
+                <a:alpha val="100000"/>
+              </a:srgbClr>
+            </a:solidFill>
+          </p:spPr>
+          <p:txBody>
+            <a:bodyPr/>
+            <a:lstStyle/>
+            <a:p/>
+          </p:txBody>
+        </p:sp>
+        <p:sp>
+          <p:nvSpPr>
+            <p:cNvPr id="29" name="rc29"/>
+            <p:cNvSpPr/>
+            <p:nvPr/>
+          </p:nvSpPr>
+          <p:spPr>
+            <a:xfrm>
+              <a:off x="4593287" y="2364698"/>
+              <a:ext cx="1591878" cy="246608"/>
+            </a:xfrm>
+            <a:prstGeom prst="rect">
+              <a:avLst/>
+            </a:prstGeom>
+            <a:solidFill>
+              <a:srgbClr val="FF9800">
+                <a:alpha val="100000"/>
+              </a:srgbClr>
+            </a:solidFill>
+          </p:spPr>
+          <p:txBody>
+            <a:bodyPr/>
+            <a:lstStyle/>
+            <a:p/>
+          </p:txBody>
+        </p:sp>
+        <p:sp>
+          <p:nvSpPr>
+            <p:cNvPr id="30" name="rc30"/>
+            <p:cNvSpPr/>
+            <p:nvPr/>
+          </p:nvSpPr>
+          <p:spPr>
+            <a:xfrm>
+              <a:off x="3077212" y="2364698"/>
+              <a:ext cx="1516074" cy="246608"/>
+            </a:xfrm>
+            <a:prstGeom prst="rect">
+              <a:avLst/>
+            </a:prstGeom>
+            <a:solidFill>
+              <a:srgbClr val="F44336">
+                <a:alpha val="100000"/>
+              </a:srgbClr>
+            </a:solidFill>
+          </p:spPr>
+          <p:txBody>
+            <a:bodyPr/>
+            <a:lstStyle/>
+            <a:p/>
+          </p:txBody>
+        </p:sp>
+        <p:sp>
+          <p:nvSpPr>
+            <p:cNvPr id="31" name="rc31"/>
+            <p:cNvSpPr/>
+            <p:nvPr/>
+          </p:nvSpPr>
+          <p:spPr>
+            <a:xfrm>
+              <a:off x="8269767" y="2090689"/>
+              <a:ext cx="341116" cy="246608"/>
+            </a:xfrm>
+            <a:prstGeom prst="rect">
+              <a:avLst/>
+            </a:prstGeom>
+            <a:solidFill>
+              <a:srgbClr val="B0BEC5">
+                <a:alpha val="100000"/>
+              </a:srgbClr>
+            </a:solidFill>
+          </p:spPr>
+          <p:txBody>
+            <a:bodyPr/>
+            <a:lstStyle/>
+            <a:p/>
+          </p:txBody>
+        </p:sp>
+        <p:sp>
+          <p:nvSpPr>
+            <p:cNvPr id="32" name="rc32"/>
+            <p:cNvSpPr/>
+            <p:nvPr/>
+          </p:nvSpPr>
+          <p:spPr>
+            <a:xfrm>
+              <a:off x="7587534" y="2090689"/>
+              <a:ext cx="682233" cy="246608"/>
+            </a:xfrm>
+            <a:prstGeom prst="rect">
+              <a:avLst/>
+            </a:prstGeom>
+            <a:solidFill>
+              <a:srgbClr val="2196F3">
+                <a:alpha val="100000"/>
+              </a:srgbClr>
+            </a:solidFill>
+          </p:spPr>
+          <p:txBody>
+            <a:bodyPr/>
+            <a:lstStyle/>
+            <a:p/>
+          </p:txBody>
+        </p:sp>
+        <p:sp>
+          <p:nvSpPr>
+            <p:cNvPr id="33" name="rc33"/>
+            <p:cNvSpPr/>
+            <p:nvPr/>
+          </p:nvSpPr>
+          <p:spPr>
+            <a:xfrm>
+              <a:off x="6905300" y="2090689"/>
+              <a:ext cx="682233" cy="246608"/>
+            </a:xfrm>
+            <a:prstGeom prst="rect">
+              <a:avLst/>
+            </a:prstGeom>
+            <a:solidFill>
+              <a:srgbClr val="4CAF50">
+                <a:alpha val="100000"/>
+              </a:srgbClr>
+            </a:solidFill>
+          </p:spPr>
+          <p:txBody>
+            <a:bodyPr/>
+            <a:lstStyle/>
+            <a:p/>
+          </p:txBody>
+        </p:sp>
+        <p:sp>
+          <p:nvSpPr>
+            <p:cNvPr id="34" name="rc34"/>
+            <p:cNvSpPr/>
+            <p:nvPr/>
+          </p:nvSpPr>
+          <p:spPr>
+            <a:xfrm>
+              <a:off x="6185165" y="2090689"/>
+              <a:ext cx="720135" cy="246608"/>
+            </a:xfrm>
+            <a:prstGeom prst="rect">
+              <a:avLst/>
+            </a:prstGeom>
+            <a:solidFill>
+              <a:srgbClr val="FFC107">
+                <a:alpha val="100000"/>
+              </a:srgbClr>
+            </a:solidFill>
+          </p:spPr>
+          <p:txBody>
+            <a:bodyPr/>
+            <a:lstStyle/>
+            <a:p/>
+          </p:txBody>
+        </p:sp>
+        <p:sp>
+          <p:nvSpPr>
+            <p:cNvPr id="35" name="rc35"/>
+            <p:cNvSpPr/>
+            <p:nvPr/>
+          </p:nvSpPr>
+          <p:spPr>
+            <a:xfrm>
+              <a:off x="4479581" y="2090689"/>
+              <a:ext cx="1705583" cy="246608"/>
+            </a:xfrm>
+            <a:prstGeom prst="rect">
+              <a:avLst/>
+            </a:prstGeom>
+            <a:solidFill>
+              <a:srgbClr val="FF9800">
+                <a:alpha val="100000"/>
+              </a:srgbClr>
+            </a:solidFill>
+          </p:spPr>
+          <p:txBody>
+            <a:bodyPr/>
+            <a:lstStyle/>
+            <a:p/>
+          </p:txBody>
+        </p:sp>
+        <p:sp>
+          <p:nvSpPr>
+            <p:cNvPr id="36" name="rc36"/>
+            <p:cNvSpPr/>
+            <p:nvPr/>
+          </p:nvSpPr>
+          <p:spPr>
+            <a:xfrm>
+              <a:off x="3077212" y="2090689"/>
+              <a:ext cx="1402368" cy="246608"/>
+            </a:xfrm>
+            <a:prstGeom prst="rect">
+              <a:avLst/>
+            </a:prstGeom>
+            <a:solidFill>
+              <a:srgbClr val="F44336">
+                <a:alpha val="100000"/>
+              </a:srgbClr>
+            </a:solidFill>
+          </p:spPr>
+          <p:txBody>
+            <a:bodyPr/>
+            <a:lstStyle/>
+            <a:p/>
+          </p:txBody>
+        </p:sp>
+        <p:sp>
+          <p:nvSpPr>
+            <p:cNvPr id="37" name="rc37"/>
+            <p:cNvSpPr/>
+            <p:nvPr/>
+          </p:nvSpPr>
+          <p:spPr>
+            <a:xfrm>
+              <a:off x="8231866" y="1816680"/>
+              <a:ext cx="379018" cy="246608"/>
+            </a:xfrm>
+            <a:prstGeom prst="rect">
+              <a:avLst/>
+            </a:prstGeom>
+            <a:solidFill>
+              <a:srgbClr val="B0BEC5">
+                <a:alpha val="100000"/>
+              </a:srgbClr>
+            </a:solidFill>
+          </p:spPr>
+          <p:txBody>
+            <a:bodyPr/>
+            <a:lstStyle/>
+            <a:p/>
+          </p:txBody>
+        </p:sp>
+        <p:sp>
+          <p:nvSpPr>
+            <p:cNvPr id="38" name="rc38"/>
+            <p:cNvSpPr/>
+            <p:nvPr/>
+          </p:nvSpPr>
+          <p:spPr>
+            <a:xfrm>
+              <a:off x="7739141" y="1816680"/>
+              <a:ext cx="492724" cy="246608"/>
+            </a:xfrm>
+            <a:prstGeom prst="rect">
+              <a:avLst/>
+            </a:prstGeom>
+            <a:solidFill>
+              <a:srgbClr val="2196F3">
+                <a:alpha val="100000"/>
+              </a:srgbClr>
+            </a:solidFill>
+          </p:spPr>
+          <p:txBody>
+            <a:bodyPr/>
+            <a:lstStyle/>
+            <a:p/>
+          </p:txBody>
+        </p:sp>
+        <p:sp>
+          <p:nvSpPr>
+            <p:cNvPr id="39" name="rc39"/>
+            <p:cNvSpPr/>
+            <p:nvPr/>
+          </p:nvSpPr>
+          <p:spPr>
+            <a:xfrm>
+              <a:off x="7284319" y="1816680"/>
+              <a:ext cx="454822" cy="246608"/>
+            </a:xfrm>
+            <a:prstGeom prst="rect">
+              <a:avLst/>
+            </a:prstGeom>
+            <a:solidFill>
+              <a:srgbClr val="4CAF50">
+                <a:alpha val="100000"/>
+              </a:srgbClr>
+            </a:solidFill>
+          </p:spPr>
+          <p:txBody>
+            <a:bodyPr/>
+            <a:lstStyle/>
+            <a:p/>
+          </p:txBody>
+        </p:sp>
+        <p:sp>
+          <p:nvSpPr>
+            <p:cNvPr id="40" name="rc40"/>
+            <p:cNvSpPr/>
+            <p:nvPr/>
+          </p:nvSpPr>
+          <p:spPr>
+            <a:xfrm>
+              <a:off x="6374674" y="1816680"/>
+              <a:ext cx="909644" cy="246608"/>
+            </a:xfrm>
+            <a:prstGeom prst="rect">
+              <a:avLst/>
+            </a:prstGeom>
+            <a:solidFill>
+              <a:srgbClr val="FFC107">
+                <a:alpha val="100000"/>
+              </a:srgbClr>
+            </a:solidFill>
+          </p:spPr>
+          <p:txBody>
+            <a:bodyPr/>
+            <a:lstStyle/>
+            <a:p/>
+          </p:txBody>
+        </p:sp>
+        <p:sp>
+          <p:nvSpPr>
+            <p:cNvPr id="41" name="rc41"/>
             <p:cNvSpPr/>
             <p:nvPr/>
           </p:nvSpPr>
           <p:spPr>
             <a:xfrm>
               <a:off x="4896501" y="1816680"/>
+              <a:ext cx="1478172" cy="246608"/>
+            </a:xfrm>
+            <a:prstGeom prst="rect">
+              <a:avLst/>
+            </a:prstGeom>
+            <a:solidFill>
+              <a:srgbClr val="FF9800">
+                <a:alpha val="100000"/>
+              </a:srgbClr>
+            </a:solidFill>
+          </p:spPr>
+          <p:txBody>
+            <a:bodyPr/>
+            <a:lstStyle/>
+            <a:p/>
+          </p:txBody>
+        </p:sp>
+        <p:sp>
+          <p:nvSpPr>
+            <p:cNvPr id="42" name="rc42"/>
+            <p:cNvSpPr/>
+            <p:nvPr/>
+          </p:nvSpPr>
+          <p:spPr>
+            <a:xfrm>
+              <a:off x="3077212" y="1816680"/>
+              <a:ext cx="1819289" cy="246608"/>
+            </a:xfrm>
+            <a:prstGeom prst="rect">
+              <a:avLst/>
+            </a:prstGeom>
+            <a:solidFill>
+              <a:srgbClr val="F44336">
+                <a:alpha val="100000"/>
+              </a:srgbClr>
+            </a:solidFill>
+          </p:spPr>
+          <p:txBody>
+            <a:bodyPr/>
+            <a:lstStyle/>
+            <a:p/>
+          </p:txBody>
+        </p:sp>
+        <p:sp>
+          <p:nvSpPr>
+            <p:cNvPr id="43" name="rc43"/>
+            <p:cNvSpPr/>
+            <p:nvPr/>
+          </p:nvSpPr>
+          <p:spPr>
+            <a:xfrm>
+              <a:off x="8231866" y="1268661"/>
+              <a:ext cx="379018" cy="246608"/>
+            </a:xfrm>
+            <a:prstGeom prst="rect">
+              <a:avLst/>
+            </a:prstGeom>
+            <a:solidFill>
+              <a:srgbClr val="B0BEC5">
+                <a:alpha val="100000"/>
+              </a:srgbClr>
+            </a:solidFill>
+          </p:spPr>
+          <p:txBody>
+            <a:bodyPr/>
+            <a:lstStyle/>
+            <a:p/>
+          </p:txBody>
+        </p:sp>
+        <p:sp>
+          <p:nvSpPr>
+            <p:cNvPr id="44" name="rc44"/>
+            <p:cNvSpPr/>
+            <p:nvPr/>
+          </p:nvSpPr>
+          <p:spPr>
+            <a:xfrm>
+              <a:off x="7739141" y="1268661"/>
+              <a:ext cx="492724" cy="246608"/>
+            </a:xfrm>
+            <a:prstGeom prst="rect">
+              <a:avLst/>
+            </a:prstGeom>
+            <a:solidFill>
+              <a:srgbClr val="2196F3">
+                <a:alpha val="100000"/>
+              </a:srgbClr>
+            </a:solidFill>
+          </p:spPr>
+          <p:txBody>
+            <a:bodyPr/>
+            <a:lstStyle/>
+            <a:p/>
+          </p:txBody>
+        </p:sp>
+        <p:sp>
+          <p:nvSpPr>
+            <p:cNvPr id="45" name="rc45"/>
+            <p:cNvSpPr/>
+            <p:nvPr/>
+          </p:nvSpPr>
+          <p:spPr>
+            <a:xfrm>
+              <a:off x="7246417" y="1268661"/>
+              <a:ext cx="492724" cy="246608"/>
+            </a:xfrm>
+            <a:prstGeom prst="rect">
+              <a:avLst/>
+            </a:prstGeom>
+            <a:solidFill>
+              <a:srgbClr val="4CAF50">
+                <a:alpha val="100000"/>
+              </a:srgbClr>
+            </a:solidFill>
+          </p:spPr>
+          <p:txBody>
+            <a:bodyPr/>
+            <a:lstStyle/>
+            <a:p/>
+          </p:txBody>
+        </p:sp>
+        <p:sp>
+          <p:nvSpPr>
+            <p:cNvPr id="46" name="rc46"/>
+            <p:cNvSpPr/>
+            <p:nvPr/>
+          </p:nvSpPr>
+          <p:spPr>
+            <a:xfrm>
+              <a:off x="6639987" y="1268661"/>
+              <a:ext cx="606429" cy="246608"/>
+            </a:xfrm>
+            <a:prstGeom prst="rect">
+              <a:avLst/>
+            </a:prstGeom>
+            <a:solidFill>
+              <a:srgbClr val="FFC107">
+                <a:alpha val="100000"/>
+              </a:srgbClr>
+            </a:solidFill>
+          </p:spPr>
+          <p:txBody>
+            <a:bodyPr/>
+            <a:lstStyle/>
+            <a:p/>
+          </p:txBody>
+        </p:sp>
+        <p:sp>
+          <p:nvSpPr>
+            <p:cNvPr id="47" name="rc47"/>
+            <p:cNvSpPr/>
+            <p:nvPr/>
+          </p:nvSpPr>
+          <p:spPr>
+            <a:xfrm>
+              <a:off x="4972305" y="1268661"/>
+              <a:ext cx="1667682" cy="246608"/>
+            </a:xfrm>
+            <a:prstGeom prst="rect">
+              <a:avLst/>
+            </a:prstGeom>
+            <a:solidFill>
+              <a:srgbClr val="FF9800">
+                <a:alpha val="100000"/>
+              </a:srgbClr>
+            </a:solidFill>
+          </p:spPr>
+          <p:txBody>
+            <a:bodyPr/>
+            <a:lstStyle/>
+            <a:p/>
+          </p:txBody>
+        </p:sp>
+        <p:sp>
+          <p:nvSpPr>
+            <p:cNvPr id="48" name="rc48"/>
+            <p:cNvSpPr/>
+            <p:nvPr/>
+          </p:nvSpPr>
+          <p:spPr>
+            <a:xfrm>
+              <a:off x="3077212" y="1268661"/>
+              <a:ext cx="1895093" cy="246608"/>
+            </a:xfrm>
+            <a:prstGeom prst="rect">
+              <a:avLst/>
+            </a:prstGeom>
+            <a:solidFill>
+              <a:srgbClr val="F44336">
+                <a:alpha val="100000"/>
+              </a:srgbClr>
+            </a:solidFill>
+          </p:spPr>
+          <p:txBody>
+            <a:bodyPr/>
+            <a:lstStyle/>
+            <a:p/>
+          </p:txBody>
+        </p:sp>
+        <p:sp>
+          <p:nvSpPr>
+            <p:cNvPr id="49" name="rc49"/>
+            <p:cNvSpPr/>
+            <p:nvPr/>
+          </p:nvSpPr>
+          <p:spPr>
+            <a:xfrm>
+              <a:off x="8231866" y="3460735"/>
+              <a:ext cx="379018" cy="246608"/>
+            </a:xfrm>
+            <a:prstGeom prst="rect">
+              <a:avLst/>
+            </a:prstGeom>
+            <a:solidFill>
+              <a:srgbClr val="B0BEC5">
+                <a:alpha val="100000"/>
+              </a:srgbClr>
+            </a:solidFill>
+          </p:spPr>
+          <p:txBody>
+            <a:bodyPr/>
+            <a:lstStyle/>
+            <a:p/>
+          </p:txBody>
+        </p:sp>
+        <p:sp>
+          <p:nvSpPr>
+            <p:cNvPr id="50" name="rc50"/>
+            <p:cNvSpPr/>
+            <p:nvPr/>
+          </p:nvSpPr>
+          <p:spPr>
+            <a:xfrm>
+              <a:off x="7473828" y="3460735"/>
+              <a:ext cx="758037" cy="246608"/>
+            </a:xfrm>
+            <a:prstGeom prst="rect">
+              <a:avLst/>
+            </a:prstGeom>
+            <a:solidFill>
+              <a:srgbClr val="2196F3">
+                <a:alpha val="100000"/>
+              </a:srgbClr>
+            </a:solidFill>
+          </p:spPr>
+          <p:txBody>
+            <a:bodyPr/>
+            <a:lstStyle/>
+            <a:p/>
+          </p:txBody>
+        </p:sp>
+        <p:sp>
+          <p:nvSpPr>
+            <p:cNvPr id="51" name="rc51"/>
+            <p:cNvSpPr/>
+            <p:nvPr/>
+          </p:nvSpPr>
+          <p:spPr>
+            <a:xfrm>
+              <a:off x="6943202" y="3460735"/>
+              <a:ext cx="530626" cy="246608"/>
+            </a:xfrm>
+            <a:prstGeom prst="rect">
+              <a:avLst/>
+            </a:prstGeom>
+            <a:solidFill>
+              <a:srgbClr val="4CAF50">
+                <a:alpha val="100000"/>
+              </a:srgbClr>
+            </a:solidFill>
+          </p:spPr>
+          <p:txBody>
+            <a:bodyPr/>
+            <a:lstStyle/>
+            <a:p/>
+          </p:txBody>
+        </p:sp>
+        <p:sp>
+          <p:nvSpPr>
+            <p:cNvPr id="52" name="rc52"/>
+            <p:cNvSpPr/>
+            <p:nvPr/>
+          </p:nvSpPr>
+          <p:spPr>
+            <a:xfrm>
+              <a:off x="5919852" y="3460735"/>
+              <a:ext cx="1023350" cy="246608"/>
+            </a:xfrm>
+            <a:prstGeom prst="rect">
+              <a:avLst/>
+            </a:prstGeom>
+            <a:solidFill>
+              <a:srgbClr val="FFC107">
+                <a:alpha val="100000"/>
+              </a:srgbClr>
+            </a:solidFill>
+          </p:spPr>
+          <p:txBody>
+            <a:bodyPr/>
+            <a:lstStyle/>
+            <a:p/>
+          </p:txBody>
+        </p:sp>
+        <p:sp>
+          <p:nvSpPr>
+            <p:cNvPr id="53" name="rc53"/>
+            <p:cNvSpPr/>
+            <p:nvPr/>
+          </p:nvSpPr>
+          <p:spPr>
+            <a:xfrm>
+              <a:off x="4327973" y="3460735"/>
+              <a:ext cx="1591878" cy="246608"/>
+            </a:xfrm>
+            <a:prstGeom prst="rect">
+              <a:avLst/>
+            </a:prstGeom>
+            <a:solidFill>
+              <a:srgbClr val="FF9800">
+                <a:alpha val="100000"/>
+              </a:srgbClr>
+            </a:solidFill>
+          </p:spPr>
+          <p:txBody>
+            <a:bodyPr/>
+            <a:lstStyle/>
+            <a:p/>
+          </p:txBody>
+        </p:sp>
+        <p:sp>
+          <p:nvSpPr>
+            <p:cNvPr id="54" name="rc54"/>
+            <p:cNvSpPr/>
+            <p:nvPr/>
+          </p:nvSpPr>
+          <p:spPr>
+            <a:xfrm>
+              <a:off x="3077212" y="3460735"/>
+              <a:ext cx="1250761" cy="246608"/>
+            </a:xfrm>
+            <a:prstGeom prst="rect">
+              <a:avLst/>
+            </a:prstGeom>
+            <a:solidFill>
+              <a:srgbClr val="F44336">
+                <a:alpha val="100000"/>
+              </a:srgbClr>
+            </a:solidFill>
+          </p:spPr>
+          <p:txBody>
+            <a:bodyPr/>
+            <a:lstStyle/>
+            <a:p/>
+          </p:txBody>
+        </p:sp>
+        <p:sp>
+          <p:nvSpPr>
+            <p:cNvPr id="55" name="rc55"/>
+            <p:cNvSpPr/>
+            <p:nvPr/>
+          </p:nvSpPr>
+          <p:spPr>
+            <a:xfrm>
+              <a:off x="8383473" y="2638707"/>
+              <a:ext cx="227411" cy="246608"/>
+            </a:xfrm>
+            <a:prstGeom prst="rect">
+              <a:avLst/>
+            </a:prstGeom>
+            <a:solidFill>
+              <a:srgbClr val="B0BEC5">
+                <a:alpha val="100000"/>
+              </a:srgbClr>
+            </a:solidFill>
+          </p:spPr>
+          <p:txBody>
+            <a:bodyPr/>
+            <a:lstStyle/>
+            <a:p/>
+          </p:txBody>
+        </p:sp>
+        <p:sp>
+          <p:nvSpPr>
+            <p:cNvPr id="56" name="rc56"/>
+            <p:cNvSpPr/>
+            <p:nvPr/>
+          </p:nvSpPr>
+          <p:spPr>
+            <a:xfrm>
+              <a:off x="7814945" y="2638707"/>
+              <a:ext cx="568527" cy="246608"/>
+            </a:xfrm>
+            <a:prstGeom prst="rect">
+              <a:avLst/>
+            </a:prstGeom>
+            <a:solidFill>
+              <a:srgbClr val="2196F3">
+                <a:alpha val="100000"/>
+              </a:srgbClr>
+            </a:solidFill>
+          </p:spPr>
+          <p:txBody>
+            <a:bodyPr/>
+            <a:lstStyle/>
+            <a:p/>
+          </p:txBody>
+        </p:sp>
+        <p:sp>
+          <p:nvSpPr>
+            <p:cNvPr id="57" name="rc57"/>
+            <p:cNvSpPr/>
+            <p:nvPr/>
+          </p:nvSpPr>
+          <p:spPr>
+            <a:xfrm>
+              <a:off x="7246417" y="2638707"/>
+              <a:ext cx="568527" cy="246608"/>
+            </a:xfrm>
+            <a:prstGeom prst="rect">
+              <a:avLst/>
+            </a:prstGeom>
+            <a:solidFill>
+              <a:srgbClr val="4CAF50">
+                <a:alpha val="100000"/>
+              </a:srgbClr>
+            </a:solidFill>
+          </p:spPr>
+          <p:txBody>
+            <a:bodyPr/>
+            <a:lstStyle/>
+            <a:p/>
+          </p:txBody>
+        </p:sp>
+        <p:sp>
+          <p:nvSpPr>
+            <p:cNvPr id="58" name="rc58"/>
+            <p:cNvSpPr/>
+            <p:nvPr/>
+          </p:nvSpPr>
+          <p:spPr>
+            <a:xfrm>
+              <a:off x="6147263" y="2638707"/>
+              <a:ext cx="1099154" cy="246608"/>
+            </a:xfrm>
+            <a:prstGeom prst="rect">
+              <a:avLst/>
+            </a:prstGeom>
+            <a:solidFill>
+              <a:srgbClr val="FFC107">
+                <a:alpha val="100000"/>
+              </a:srgbClr>
+            </a:solidFill>
+          </p:spPr>
+          <p:txBody>
+            <a:bodyPr/>
+            <a:lstStyle/>
+            <a:p/>
+          </p:txBody>
+        </p:sp>
+        <p:sp>
+          <p:nvSpPr>
+            <p:cNvPr id="59" name="rc59"/>
+            <p:cNvSpPr/>
+            <p:nvPr/>
+          </p:nvSpPr>
+          <p:spPr>
+            <a:xfrm>
+              <a:off x="4290072" y="2638707"/>
+              <a:ext cx="1857191" cy="246608"/>
+            </a:xfrm>
+            <a:prstGeom prst="rect">
+              <a:avLst/>
+            </a:prstGeom>
+            <a:solidFill>
+              <a:srgbClr val="FF9800">
+                <a:alpha val="100000"/>
+              </a:srgbClr>
+            </a:solidFill>
+          </p:spPr>
+          <p:txBody>
+            <a:bodyPr/>
+            <a:lstStyle/>
+            <a:p/>
+          </p:txBody>
+        </p:sp>
+        <p:sp>
+          <p:nvSpPr>
+            <p:cNvPr id="60" name="rc60"/>
+            <p:cNvSpPr/>
+            <p:nvPr/>
+          </p:nvSpPr>
+          <p:spPr>
+            <a:xfrm>
+              <a:off x="3077212" y="2638707"/>
+              <a:ext cx="1212859" cy="246608"/>
+            </a:xfrm>
+            <a:prstGeom prst="rect">
+              <a:avLst/>
+            </a:prstGeom>
+            <a:solidFill>
+              <a:srgbClr val="F44336">
+                <a:alpha val="100000"/>
+              </a:srgbClr>
+            </a:solidFill>
+          </p:spPr>
+          <p:txBody>
+            <a:bodyPr/>
+            <a:lstStyle/>
+            <a:p/>
+          </p:txBody>
+        </p:sp>
+        <p:sp>
+          <p:nvSpPr>
+            <p:cNvPr id="61" name="rc61"/>
+            <p:cNvSpPr/>
+            <p:nvPr/>
+          </p:nvSpPr>
+          <p:spPr>
+            <a:xfrm>
+              <a:off x="8004454" y="4008753"/>
+              <a:ext cx="606429" cy="246608"/>
+            </a:xfrm>
+            <a:prstGeom prst="rect">
+              <a:avLst/>
+            </a:prstGeom>
+            <a:solidFill>
+              <a:srgbClr val="B0BEC5">
+                <a:alpha val="100000"/>
+              </a:srgbClr>
+            </a:solidFill>
+          </p:spPr>
+          <p:txBody>
+            <a:bodyPr/>
+            <a:lstStyle/>
+            <a:p/>
+          </p:txBody>
+        </p:sp>
+        <p:sp>
+          <p:nvSpPr>
+            <p:cNvPr id="62" name="rc62"/>
+            <p:cNvSpPr/>
+            <p:nvPr/>
+          </p:nvSpPr>
+          <p:spPr>
+            <a:xfrm>
+              <a:off x="7094810" y="4008753"/>
+              <a:ext cx="909644" cy="246608"/>
+            </a:xfrm>
+            <a:prstGeom prst="rect">
+              <a:avLst/>
+            </a:prstGeom>
+            <a:solidFill>
+              <a:srgbClr val="2196F3">
+                <a:alpha val="100000"/>
+              </a:srgbClr>
+            </a:solidFill>
+          </p:spPr>
+          <p:txBody>
+            <a:bodyPr/>
+            <a:lstStyle/>
+            <a:p/>
+          </p:txBody>
+        </p:sp>
+        <p:sp>
+          <p:nvSpPr>
+            <p:cNvPr id="63" name="rc63"/>
+            <p:cNvSpPr/>
+            <p:nvPr/>
+          </p:nvSpPr>
+          <p:spPr>
+            <a:xfrm>
+              <a:off x="6677889" y="4008753"/>
+              <a:ext cx="416920" cy="246608"/>
+            </a:xfrm>
+            <a:prstGeom prst="rect">
+              <a:avLst/>
+            </a:prstGeom>
+            <a:solidFill>
+              <a:srgbClr val="4CAF50">
+                <a:alpha val="100000"/>
+              </a:srgbClr>
+            </a:solidFill>
+          </p:spPr>
+          <p:txBody>
+            <a:bodyPr/>
+            <a:lstStyle/>
+            <a:p/>
+          </p:txBody>
+        </p:sp>
+        <p:sp>
+          <p:nvSpPr>
+            <p:cNvPr id="64" name="rc64"/>
+            <p:cNvSpPr/>
+            <p:nvPr/>
+          </p:nvSpPr>
+          <p:spPr>
+            <a:xfrm>
+              <a:off x="5502931" y="4008753"/>
+              <a:ext cx="1174957" cy="246608"/>
+            </a:xfrm>
+            <a:prstGeom prst="rect">
+              <a:avLst/>
+            </a:prstGeom>
+            <a:solidFill>
+              <a:srgbClr val="FFC107">
+                <a:alpha val="100000"/>
+              </a:srgbClr>
+            </a:solidFill>
+          </p:spPr>
+          <p:txBody>
+            <a:bodyPr/>
+            <a:lstStyle/>
+            <a:p/>
+          </p:txBody>
+        </p:sp>
+        <p:sp>
+          <p:nvSpPr>
+            <p:cNvPr id="65" name="rc65"/>
+            <p:cNvSpPr/>
+            <p:nvPr/>
+          </p:nvSpPr>
+          <p:spPr>
+            <a:xfrm>
+              <a:off x="4138464" y="4008753"/>
+              <a:ext cx="1364467" cy="246608"/>
+            </a:xfrm>
+            <a:prstGeom prst="rect">
+              <a:avLst/>
+            </a:prstGeom>
+            <a:solidFill>
+              <a:srgbClr val="FF9800">
+                <a:alpha val="100000"/>
+              </a:srgbClr>
+            </a:solidFill>
+          </p:spPr>
+          <p:txBody>
+            <a:bodyPr/>
+            <a:lstStyle/>
+            <a:p/>
+          </p:txBody>
+        </p:sp>
+        <p:sp>
+          <p:nvSpPr>
+            <p:cNvPr id="66" name="rc66"/>
+            <p:cNvSpPr/>
+            <p:nvPr/>
+          </p:nvSpPr>
+          <p:spPr>
+            <a:xfrm>
+              <a:off x="3077212" y="4008753"/>
+              <a:ext cx="1061252" cy="246608"/>
+            </a:xfrm>
+            <a:prstGeom prst="rect">
+              <a:avLst/>
+            </a:prstGeom>
+            <a:solidFill>
+              <a:srgbClr val="F44336">
+                <a:alpha val="100000"/>
+              </a:srgbClr>
+            </a:solidFill>
+          </p:spPr>
+          <p:txBody>
+            <a:bodyPr/>
+            <a:lstStyle/>
+            <a:p/>
+          </p:txBody>
+        </p:sp>
+        <p:sp>
+          <p:nvSpPr>
+            <p:cNvPr id="67" name="rc67"/>
+            <p:cNvSpPr/>
+            <p:nvPr/>
+          </p:nvSpPr>
+          <p:spPr>
+            <a:xfrm>
+              <a:off x="8345571" y="4556772"/>
+              <a:ext cx="265313" cy="246608"/>
+            </a:xfrm>
+            <a:prstGeom prst="rect">
+              <a:avLst/>
+            </a:prstGeom>
+            <a:solidFill>
+              <a:srgbClr val="B0BEC5">
+                <a:alpha val="100000"/>
+              </a:srgbClr>
+            </a:solidFill>
+          </p:spPr>
+          <p:txBody>
+            <a:bodyPr/>
+            <a:lstStyle/>
+            <a:p/>
+          </p:txBody>
+        </p:sp>
+        <p:sp>
+          <p:nvSpPr>
+            <p:cNvPr id="68" name="rc68"/>
+            <p:cNvSpPr/>
+            <p:nvPr/>
+          </p:nvSpPr>
+          <p:spPr>
+            <a:xfrm>
+              <a:off x="7473828" y="4556772"/>
+              <a:ext cx="871742" cy="246608"/>
+            </a:xfrm>
+            <a:prstGeom prst="rect">
+              <a:avLst/>
+            </a:prstGeom>
+            <a:solidFill>
+              <a:srgbClr val="2196F3">
+                <a:alpha val="100000"/>
+              </a:srgbClr>
+            </a:solidFill>
+          </p:spPr>
+          <p:txBody>
+            <a:bodyPr/>
+            <a:lstStyle/>
+            <a:p/>
+          </p:txBody>
+        </p:sp>
+        <p:sp>
+          <p:nvSpPr>
+            <p:cNvPr id="69" name="rc69"/>
+            <p:cNvSpPr/>
+            <p:nvPr/>
+          </p:nvSpPr>
+          <p:spPr>
+            <a:xfrm>
+              <a:off x="6677889" y="4556772"/>
+              <a:ext cx="795939" cy="246608"/>
+            </a:xfrm>
+            <a:prstGeom prst="rect">
+              <a:avLst/>
+            </a:prstGeom>
+            <a:solidFill>
+              <a:srgbClr val="4CAF50">
+                <a:alpha val="100000"/>
+              </a:srgbClr>
+            </a:solidFill>
+          </p:spPr>
+          <p:txBody>
+            <a:bodyPr/>
+            <a:lstStyle/>
+            <a:p/>
+          </p:txBody>
+        </p:sp>
+        <p:sp>
+          <p:nvSpPr>
+            <p:cNvPr id="70" name="rc70"/>
+            <p:cNvSpPr/>
+            <p:nvPr/>
+          </p:nvSpPr>
+          <p:spPr>
+            <a:xfrm>
+              <a:off x="5465029" y="4556772"/>
+              <a:ext cx="1212859" cy="246608"/>
+            </a:xfrm>
+            <a:prstGeom prst="rect">
+              <a:avLst/>
+            </a:prstGeom>
+            <a:solidFill>
+              <a:srgbClr val="FFC107">
+                <a:alpha val="100000"/>
+              </a:srgbClr>
+            </a:solidFill>
+          </p:spPr>
+          <p:txBody>
+            <a:bodyPr/>
+            <a:lstStyle/>
+            <a:p/>
+          </p:txBody>
+        </p:sp>
+        <p:sp>
+          <p:nvSpPr>
+            <p:cNvPr id="71" name="rc71"/>
+            <p:cNvSpPr/>
+            <p:nvPr/>
+          </p:nvSpPr>
+          <p:spPr>
+            <a:xfrm>
+              <a:off x="3986857" y="4556772"/>
+              <a:ext cx="1478172" cy="246608"/>
+            </a:xfrm>
+            <a:prstGeom prst="rect">
+              <a:avLst/>
+            </a:prstGeom>
+            <a:solidFill>
+              <a:srgbClr val="FF9800">
+                <a:alpha val="100000"/>
+              </a:srgbClr>
+            </a:solidFill>
+          </p:spPr>
+          <p:txBody>
+            <a:bodyPr/>
+            <a:lstStyle/>
+            <a:p/>
+          </p:txBody>
+        </p:sp>
+        <p:sp>
+          <p:nvSpPr>
+            <p:cNvPr id="72" name="rc72"/>
+            <p:cNvSpPr/>
+            <p:nvPr/>
+          </p:nvSpPr>
+          <p:spPr>
+            <a:xfrm>
+              <a:off x="3077212" y="4556772"/>
+              <a:ext cx="909644" cy="246608"/>
+            </a:xfrm>
+            <a:prstGeom prst="rect">
+              <a:avLst/>
+            </a:prstGeom>
+            <a:solidFill>
+              <a:srgbClr val="F44336">
+                <a:alpha val="100000"/>
+              </a:srgbClr>
+            </a:solidFill>
+          </p:spPr>
+          <p:txBody>
+            <a:bodyPr/>
+            <a:lstStyle/>
+            <a:p/>
+          </p:txBody>
+        </p:sp>
+        <p:sp>
+          <p:nvSpPr>
+            <p:cNvPr id="73" name="rc73"/>
+            <p:cNvSpPr/>
+            <p:nvPr/>
+          </p:nvSpPr>
+          <p:spPr>
+            <a:xfrm>
+              <a:off x="8421375" y="3734744"/>
+              <a:ext cx="189509" cy="246608"/>
+            </a:xfrm>
+            <a:prstGeom prst="rect">
+              <a:avLst/>
+            </a:prstGeom>
+            <a:solidFill>
+              <a:srgbClr val="B0BEC5">
+                <a:alpha val="100000"/>
+              </a:srgbClr>
+            </a:solidFill>
+          </p:spPr>
+          <p:txBody>
+            <a:bodyPr/>
+            <a:lstStyle/>
+            <a:p/>
+          </p:txBody>
+        </p:sp>
+        <p:sp>
+          <p:nvSpPr>
+            <p:cNvPr id="74" name="rc74"/>
+            <p:cNvSpPr/>
+            <p:nvPr/>
+          </p:nvSpPr>
+          <p:spPr>
+            <a:xfrm>
+              <a:off x="7625436" y="3734744"/>
+              <a:ext cx="795939" cy="246608"/>
+            </a:xfrm>
+            <a:prstGeom prst="rect">
+              <a:avLst/>
+            </a:prstGeom>
+            <a:solidFill>
+              <a:srgbClr val="2196F3">
+                <a:alpha val="100000"/>
+              </a:srgbClr>
+            </a:solidFill>
+          </p:spPr>
+          <p:txBody>
+            <a:bodyPr/>
+            <a:lstStyle/>
+            <a:p/>
+          </p:txBody>
+        </p:sp>
+        <p:sp>
+          <p:nvSpPr>
+            <p:cNvPr id="75" name="rc75"/>
+            <p:cNvSpPr/>
+            <p:nvPr/>
+          </p:nvSpPr>
+          <p:spPr>
+            <a:xfrm>
+              <a:off x="6488380" y="3734744"/>
               <a:ext cx="1137055" cy="246608"/>
             </a:xfrm>
             <a:prstGeom prst="rect">
               <a:avLst/>
             </a:prstGeom>
             <a:solidFill>
-              <a:srgbClr val="D7834A">
-                <a:alpha val="100000"/>
-              </a:srgbClr>
-            </a:solidFill>
-          </p:spPr>
-          <p:txBody>
-            <a:bodyPr/>
-            <a:lstStyle/>
-            <a:p/>
-          </p:txBody>
-        </p:sp>
-        <p:sp>
-          <p:nvSpPr>
-            <p:cNvPr id="23" name="rc23"/>
-            <p:cNvSpPr/>
-            <p:nvPr/>
-          </p:nvSpPr>
-          <p:spPr>
-            <a:xfrm>
-              <a:off x="3645740" y="1816680"/>
-              <a:ext cx="1250761" cy="246608"/>
-            </a:xfrm>
-            <a:prstGeom prst="rect">
-              <a:avLst/>
-            </a:prstGeom>
-            <a:solidFill>
-              <a:srgbClr val="AD2C97">
-                <a:alpha val="100000"/>
-              </a:srgbClr>
-            </a:solidFill>
-          </p:spPr>
-          <p:txBody>
-            <a:bodyPr/>
-            <a:lstStyle/>
-            <a:p/>
-          </p:txBody>
-        </p:sp>
-        <p:sp>
-          <p:nvSpPr>
-            <p:cNvPr id="24" name="rc24"/>
-            <p:cNvSpPr/>
-            <p:nvPr/>
-          </p:nvSpPr>
-          <p:spPr>
-            <a:xfrm>
-              <a:off x="3077212" y="1816680"/>
+              <a:srgbClr val="4CAF50">
+                <a:alpha val="100000"/>
+              </a:srgbClr>
+            </a:solidFill>
+          </p:spPr>
+          <p:txBody>
+            <a:bodyPr/>
+            <a:lstStyle/>
+            <a:p/>
+          </p:txBody>
+        </p:sp>
+        <p:sp>
+          <p:nvSpPr>
+            <p:cNvPr id="76" name="rc76"/>
+            <p:cNvSpPr/>
+            <p:nvPr/>
+          </p:nvSpPr>
+          <p:spPr>
+            <a:xfrm>
+              <a:off x="5540833" y="3734744"/>
+              <a:ext cx="947546" cy="246608"/>
+            </a:xfrm>
+            <a:prstGeom prst="rect">
+              <a:avLst/>
+            </a:prstGeom>
+            <a:solidFill>
+              <a:srgbClr val="FFC107">
+                <a:alpha val="100000"/>
+              </a:srgbClr>
+            </a:solidFill>
+          </p:spPr>
+          <p:txBody>
+            <a:bodyPr/>
+            <a:lstStyle/>
+            <a:p/>
+          </p:txBody>
+        </p:sp>
+        <p:sp>
+          <p:nvSpPr>
+            <p:cNvPr id="77" name="rc77"/>
+            <p:cNvSpPr/>
+            <p:nvPr/>
+          </p:nvSpPr>
+          <p:spPr>
+            <a:xfrm>
+              <a:off x="4024759" y="3734744"/>
+              <a:ext cx="1516074" cy="246608"/>
+            </a:xfrm>
+            <a:prstGeom prst="rect">
+              <a:avLst/>
+            </a:prstGeom>
+            <a:solidFill>
+              <a:srgbClr val="FF9800">
+                <a:alpha val="100000"/>
+              </a:srgbClr>
+            </a:solidFill>
+          </p:spPr>
+          <p:txBody>
+            <a:bodyPr/>
+            <a:lstStyle/>
+            <a:p/>
+          </p:txBody>
+        </p:sp>
+        <p:sp>
+          <p:nvSpPr>
+            <p:cNvPr id="78" name="rc78"/>
+            <p:cNvSpPr/>
+            <p:nvPr/>
+          </p:nvSpPr>
+          <p:spPr>
+            <a:xfrm>
+              <a:off x="3077212" y="3734744"/>
+              <a:ext cx="947546" cy="246608"/>
+            </a:xfrm>
+            <a:prstGeom prst="rect">
+              <a:avLst/>
+            </a:prstGeom>
+            <a:solidFill>
+              <a:srgbClr val="F44336">
+                <a:alpha val="100000"/>
+              </a:srgbClr>
+            </a:solidFill>
+          </p:spPr>
+          <p:txBody>
+            <a:bodyPr/>
+            <a:lstStyle/>
+            <a:p/>
+          </p:txBody>
+        </p:sp>
+        <p:sp>
+          <p:nvSpPr>
+            <p:cNvPr id="79" name="rc79"/>
+            <p:cNvSpPr/>
+            <p:nvPr/>
+          </p:nvSpPr>
+          <p:spPr>
+            <a:xfrm>
+              <a:off x="7890749" y="4830781"/>
+              <a:ext cx="720135" cy="246608"/>
+            </a:xfrm>
+            <a:prstGeom prst="rect">
+              <a:avLst/>
+            </a:prstGeom>
+            <a:solidFill>
+              <a:srgbClr val="B0BEC5">
+                <a:alpha val="100000"/>
+              </a:srgbClr>
+            </a:solidFill>
+          </p:spPr>
+          <p:txBody>
+            <a:bodyPr/>
+            <a:lstStyle/>
+            <a:p/>
+          </p:txBody>
+        </p:sp>
+        <p:sp>
+          <p:nvSpPr>
+            <p:cNvPr id="80" name="rc80"/>
+            <p:cNvSpPr/>
+            <p:nvPr/>
+          </p:nvSpPr>
+          <p:spPr>
+            <a:xfrm>
+              <a:off x="6374674" y="4830781"/>
+              <a:ext cx="1516074" cy="246608"/>
+            </a:xfrm>
+            <a:prstGeom prst="rect">
+              <a:avLst/>
+            </a:prstGeom>
+            <a:solidFill>
+              <a:srgbClr val="2196F3">
+                <a:alpha val="100000"/>
+              </a:srgbClr>
+            </a:solidFill>
+          </p:spPr>
+          <p:txBody>
+            <a:bodyPr/>
+            <a:lstStyle/>
+            <a:p/>
+          </p:txBody>
+        </p:sp>
+        <p:sp>
+          <p:nvSpPr>
+            <p:cNvPr id="81" name="rc81"/>
+            <p:cNvSpPr/>
+            <p:nvPr/>
+          </p:nvSpPr>
+          <p:spPr>
+            <a:xfrm>
+              <a:off x="5919852" y="4830781"/>
+              <a:ext cx="454822" cy="246608"/>
+            </a:xfrm>
+            <a:prstGeom prst="rect">
+              <a:avLst/>
+            </a:prstGeom>
+            <a:solidFill>
+              <a:srgbClr val="4CAF50">
+                <a:alpha val="100000"/>
+              </a:srgbClr>
+            </a:solidFill>
+          </p:spPr>
+          <p:txBody>
+            <a:bodyPr/>
+            <a:lstStyle/>
+            <a:p/>
+          </p:txBody>
+        </p:sp>
+        <p:sp>
+          <p:nvSpPr>
+            <p:cNvPr id="82" name="rc82"/>
+            <p:cNvSpPr/>
+            <p:nvPr/>
+          </p:nvSpPr>
+          <p:spPr>
+            <a:xfrm>
+              <a:off x="5048109" y="4830781"/>
+              <a:ext cx="871742" cy="246608"/>
+            </a:xfrm>
+            <a:prstGeom prst="rect">
+              <a:avLst/>
+            </a:prstGeom>
+            <a:solidFill>
+              <a:srgbClr val="FFC107">
+                <a:alpha val="100000"/>
+              </a:srgbClr>
+            </a:solidFill>
+          </p:spPr>
+          <p:txBody>
+            <a:bodyPr/>
+            <a:lstStyle/>
+            <a:p/>
+          </p:txBody>
+        </p:sp>
+        <p:sp>
+          <p:nvSpPr>
+            <p:cNvPr id="83" name="rc83"/>
+            <p:cNvSpPr/>
+            <p:nvPr/>
+          </p:nvSpPr>
+          <p:spPr>
+            <a:xfrm>
+              <a:off x="4138464" y="4830781"/>
+              <a:ext cx="909644" cy="246608"/>
+            </a:xfrm>
+            <a:prstGeom prst="rect">
+              <a:avLst/>
+            </a:prstGeom>
+            <a:solidFill>
+              <a:srgbClr val="FF9800">
+                <a:alpha val="100000"/>
+              </a:srgbClr>
+            </a:solidFill>
+          </p:spPr>
+          <p:txBody>
+            <a:bodyPr/>
+            <a:lstStyle/>
+            <a:p/>
+          </p:txBody>
+        </p:sp>
+        <p:sp>
+          <p:nvSpPr>
+            <p:cNvPr id="84" name="rc84"/>
+            <p:cNvSpPr/>
+            <p:nvPr/>
+          </p:nvSpPr>
+          <p:spPr>
+            <a:xfrm>
+              <a:off x="3077212" y="4830781"/>
+              <a:ext cx="1061252" cy="246608"/>
+            </a:xfrm>
+            <a:prstGeom prst="rect">
+              <a:avLst/>
+            </a:prstGeom>
+            <a:solidFill>
+              <a:srgbClr val="F44336">
+                <a:alpha val="100000"/>
+              </a:srgbClr>
+            </a:solidFill>
+          </p:spPr>
+          <p:txBody>
+            <a:bodyPr/>
+            <a:lstStyle/>
+            <a:p/>
+          </p:txBody>
+        </p:sp>
+        <p:sp>
+          <p:nvSpPr>
+            <p:cNvPr id="85" name="rc85"/>
+            <p:cNvSpPr/>
+            <p:nvPr/>
+          </p:nvSpPr>
+          <p:spPr>
+            <a:xfrm>
+              <a:off x="7814945" y="3186726"/>
+              <a:ext cx="795939" cy="246608"/>
+            </a:xfrm>
+            <a:prstGeom prst="rect">
+              <a:avLst/>
+            </a:prstGeom>
+            <a:solidFill>
+              <a:srgbClr val="B0BEC5">
+                <a:alpha val="100000"/>
+              </a:srgbClr>
+            </a:solidFill>
+          </p:spPr>
+          <p:txBody>
+            <a:bodyPr/>
+            <a:lstStyle/>
+            <a:p/>
+          </p:txBody>
+        </p:sp>
+        <p:sp>
+          <p:nvSpPr>
+            <p:cNvPr id="86" name="rc86"/>
+            <p:cNvSpPr/>
+            <p:nvPr/>
+          </p:nvSpPr>
+          <p:spPr>
+            <a:xfrm>
+              <a:off x="6943202" y="3186726"/>
+              <a:ext cx="871742" cy="246608"/>
+            </a:xfrm>
+            <a:prstGeom prst="rect">
+              <a:avLst/>
+            </a:prstGeom>
+            <a:solidFill>
+              <a:srgbClr val="2196F3">
+                <a:alpha val="100000"/>
+              </a:srgbClr>
+            </a:solidFill>
+          </p:spPr>
+          <p:txBody>
+            <a:bodyPr/>
+            <a:lstStyle/>
+            <a:p/>
+          </p:txBody>
+        </p:sp>
+        <p:sp>
+          <p:nvSpPr>
+            <p:cNvPr id="87" name="rc87"/>
+            <p:cNvSpPr/>
+            <p:nvPr/>
+          </p:nvSpPr>
+          <p:spPr>
+            <a:xfrm>
+              <a:off x="6639987" y="3186726"/>
+              <a:ext cx="303214" cy="246608"/>
+            </a:xfrm>
+            <a:prstGeom prst="rect">
+              <a:avLst/>
+            </a:prstGeom>
+            <a:solidFill>
+              <a:srgbClr val="4CAF50">
+                <a:alpha val="100000"/>
+              </a:srgbClr>
+            </a:solidFill>
+          </p:spPr>
+          <p:txBody>
+            <a:bodyPr/>
+            <a:lstStyle/>
+            <a:p/>
+          </p:txBody>
+        </p:sp>
+        <p:sp>
+          <p:nvSpPr>
+            <p:cNvPr id="88" name="rc88"/>
+            <p:cNvSpPr/>
+            <p:nvPr/>
+          </p:nvSpPr>
+          <p:spPr>
+            <a:xfrm>
+              <a:off x="6071459" y="3186726"/>
               <a:ext cx="568527" cy="246608"/>
             </a:xfrm>
             <a:prstGeom prst="rect">
               <a:avLst/>
             </a:prstGeom>
             <a:solidFill>
+              <a:srgbClr val="FFC107">
+                <a:alpha val="100000"/>
+              </a:srgbClr>
+            </a:solidFill>
+          </p:spPr>
+          <p:txBody>
+            <a:bodyPr/>
+            <a:lstStyle/>
+            <a:p/>
+          </p:txBody>
+        </p:sp>
+        <p:sp>
+          <p:nvSpPr>
+            <p:cNvPr id="89" name="rc89"/>
+            <p:cNvSpPr/>
+            <p:nvPr/>
+          </p:nvSpPr>
+          <p:spPr>
+            <a:xfrm>
+              <a:off x="4441679" y="3186726"/>
+              <a:ext cx="1629780" cy="246608"/>
+            </a:xfrm>
+            <a:prstGeom prst="rect">
+              <a:avLst/>
+            </a:prstGeom>
+            <a:solidFill>
+              <a:srgbClr val="FF9800">
+                <a:alpha val="100000"/>
+              </a:srgbClr>
+            </a:solidFill>
+          </p:spPr>
+          <p:txBody>
+            <a:bodyPr/>
+            <a:lstStyle/>
+            <a:p/>
+          </p:txBody>
+        </p:sp>
+        <p:sp>
+          <p:nvSpPr>
+            <p:cNvPr id="90" name="rc90"/>
+            <p:cNvSpPr/>
+            <p:nvPr/>
+          </p:nvSpPr>
+          <p:spPr>
+            <a:xfrm>
+              <a:off x="3077212" y="3186726"/>
+              <a:ext cx="1364467" cy="246608"/>
+            </a:xfrm>
+            <a:prstGeom prst="rect">
+              <a:avLst/>
+            </a:prstGeom>
+            <a:solidFill>
               <a:srgbClr val="F44336">
                 <a:alpha val="100000"/>
               </a:srgbClr>
@@ -3066,14 +4782,352 @@
         </p:sp>
         <p:sp>
           <p:nvSpPr>
-            <p:cNvPr id="25" name="rc25"/>
+            <p:cNvPr id="91" name="rc91"/>
+            <p:cNvSpPr/>
+            <p:nvPr/>
+          </p:nvSpPr>
+          <p:spPr>
+            <a:xfrm>
+              <a:off x="8042356" y="5104790"/>
+              <a:ext cx="568527" cy="246608"/>
+            </a:xfrm>
+            <a:prstGeom prst="rect">
+              <a:avLst/>
+            </a:prstGeom>
+            <a:solidFill>
+              <a:srgbClr val="B0BEC5">
+                <a:alpha val="100000"/>
+              </a:srgbClr>
+            </a:solidFill>
+          </p:spPr>
+          <p:txBody>
+            <a:bodyPr/>
+            <a:lstStyle/>
+            <a:p/>
+          </p:txBody>
+        </p:sp>
+        <p:sp>
+          <p:nvSpPr>
+            <p:cNvPr id="92" name="rc92"/>
+            <p:cNvSpPr/>
+            <p:nvPr/>
+          </p:nvSpPr>
+          <p:spPr>
+            <a:xfrm>
+              <a:off x="6905300" y="5104790"/>
+              <a:ext cx="1137055" cy="246608"/>
+            </a:xfrm>
+            <a:prstGeom prst="rect">
+              <a:avLst/>
+            </a:prstGeom>
+            <a:solidFill>
+              <a:srgbClr val="2196F3">
+                <a:alpha val="100000"/>
+              </a:srgbClr>
+            </a:solidFill>
+          </p:spPr>
+          <p:txBody>
+            <a:bodyPr/>
+            <a:lstStyle/>
+            <a:p/>
+          </p:txBody>
+        </p:sp>
+        <p:sp>
+          <p:nvSpPr>
+            <p:cNvPr id="93" name="rc93"/>
+            <p:cNvSpPr/>
+            <p:nvPr/>
+          </p:nvSpPr>
+          <p:spPr>
+            <a:xfrm>
+              <a:off x="5919852" y="5104790"/>
+              <a:ext cx="985448" cy="246608"/>
+            </a:xfrm>
+            <a:prstGeom prst="rect">
+              <a:avLst/>
+            </a:prstGeom>
+            <a:solidFill>
+              <a:srgbClr val="4CAF50">
+                <a:alpha val="100000"/>
+              </a:srgbClr>
+            </a:solidFill>
+          </p:spPr>
+          <p:txBody>
+            <a:bodyPr/>
+            <a:lstStyle/>
+            <a:p/>
+          </p:txBody>
+        </p:sp>
+        <p:sp>
+          <p:nvSpPr>
+            <p:cNvPr id="94" name="rc94"/>
+            <p:cNvSpPr/>
+            <p:nvPr/>
+          </p:nvSpPr>
+          <p:spPr>
+            <a:xfrm>
+              <a:off x="4972305" y="5104790"/>
+              <a:ext cx="947546" cy="246608"/>
+            </a:xfrm>
+            <a:prstGeom prst="rect">
+              <a:avLst/>
+            </a:prstGeom>
+            <a:solidFill>
+              <a:srgbClr val="FFC107">
+                <a:alpha val="100000"/>
+              </a:srgbClr>
+            </a:solidFill>
+          </p:spPr>
+          <p:txBody>
+            <a:bodyPr/>
+            <a:lstStyle/>
+            <a:p/>
+          </p:txBody>
+        </p:sp>
+        <p:sp>
+          <p:nvSpPr>
+            <p:cNvPr id="95" name="rc95"/>
+            <p:cNvSpPr/>
+            <p:nvPr/>
+          </p:nvSpPr>
+          <p:spPr>
+            <a:xfrm>
+              <a:off x="3797347" y="5104790"/>
+              <a:ext cx="1174957" cy="246608"/>
+            </a:xfrm>
+            <a:prstGeom prst="rect">
+              <a:avLst/>
+            </a:prstGeom>
+            <a:solidFill>
+              <a:srgbClr val="FF9800">
+                <a:alpha val="100000"/>
+              </a:srgbClr>
+            </a:solidFill>
+          </p:spPr>
+          <p:txBody>
+            <a:bodyPr/>
+            <a:lstStyle/>
+            <a:p/>
+          </p:txBody>
+        </p:sp>
+        <p:sp>
+          <p:nvSpPr>
+            <p:cNvPr id="96" name="rc96"/>
+            <p:cNvSpPr/>
+            <p:nvPr/>
+          </p:nvSpPr>
+          <p:spPr>
+            <a:xfrm>
+              <a:off x="3077212" y="5104790"/>
+              <a:ext cx="720135" cy="246608"/>
+            </a:xfrm>
+            <a:prstGeom prst="rect">
+              <a:avLst/>
+            </a:prstGeom>
+            <a:solidFill>
+              <a:srgbClr val="F44336">
+                <a:alpha val="100000"/>
+              </a:srgbClr>
+            </a:solidFill>
+          </p:spPr>
+          <p:txBody>
+            <a:bodyPr/>
+            <a:lstStyle/>
+            <a:p/>
+          </p:txBody>
+        </p:sp>
+        <p:sp>
+          <p:nvSpPr>
+            <p:cNvPr id="97" name="rc97"/>
+            <p:cNvSpPr/>
+            <p:nvPr/>
+          </p:nvSpPr>
+          <p:spPr>
+            <a:xfrm>
+              <a:off x="8383473" y="2912716"/>
+              <a:ext cx="227411" cy="246608"/>
+            </a:xfrm>
+            <a:prstGeom prst="rect">
+              <a:avLst/>
+            </a:prstGeom>
+            <a:solidFill>
+              <a:srgbClr val="B0BEC5">
+                <a:alpha val="100000"/>
+              </a:srgbClr>
+            </a:solidFill>
+          </p:spPr>
+          <p:txBody>
+            <a:bodyPr/>
+            <a:lstStyle/>
+            <a:p/>
+          </p:txBody>
+        </p:sp>
+        <p:sp>
+          <p:nvSpPr>
+            <p:cNvPr id="98" name="rc98"/>
+            <p:cNvSpPr/>
+            <p:nvPr/>
+          </p:nvSpPr>
+          <p:spPr>
+            <a:xfrm>
+              <a:off x="8156062" y="2912716"/>
+              <a:ext cx="227411" cy="246608"/>
+            </a:xfrm>
+            <a:prstGeom prst="rect">
+              <a:avLst/>
+            </a:prstGeom>
+            <a:solidFill>
+              <a:srgbClr val="2196F3">
+                <a:alpha val="100000"/>
+              </a:srgbClr>
+            </a:solidFill>
+          </p:spPr>
+          <p:txBody>
+            <a:bodyPr/>
+            <a:lstStyle/>
+            <a:p/>
+          </p:txBody>
+        </p:sp>
+        <p:sp>
+          <p:nvSpPr>
+            <p:cNvPr id="99" name="rc99"/>
+            <p:cNvSpPr/>
+            <p:nvPr/>
+          </p:nvSpPr>
+          <p:spPr>
+            <a:xfrm>
+              <a:off x="7284319" y="2912716"/>
+              <a:ext cx="871742" cy="246608"/>
+            </a:xfrm>
+            <a:prstGeom prst="rect">
+              <a:avLst/>
+            </a:prstGeom>
+            <a:solidFill>
+              <a:srgbClr val="4CAF50">
+                <a:alpha val="100000"/>
+              </a:srgbClr>
+            </a:solidFill>
+          </p:spPr>
+          <p:txBody>
+            <a:bodyPr/>
+            <a:lstStyle/>
+            <a:p/>
+          </p:txBody>
+        </p:sp>
+        <p:sp>
+          <p:nvSpPr>
+            <p:cNvPr id="100" name="rc100"/>
+            <p:cNvSpPr/>
+            <p:nvPr/>
+          </p:nvSpPr>
+          <p:spPr>
+            <a:xfrm>
+              <a:off x="6109361" y="2912716"/>
+              <a:ext cx="1174957" cy="246608"/>
+            </a:xfrm>
+            <a:prstGeom prst="rect">
+              <a:avLst/>
+            </a:prstGeom>
+            <a:solidFill>
+              <a:srgbClr val="FFC107">
+                <a:alpha val="100000"/>
+              </a:srgbClr>
+            </a:solidFill>
+          </p:spPr>
+          <p:txBody>
+            <a:bodyPr/>
+            <a:lstStyle/>
+            <a:p/>
+          </p:txBody>
+        </p:sp>
+        <p:sp>
+          <p:nvSpPr>
+            <p:cNvPr id="101" name="rc101"/>
+            <p:cNvSpPr/>
+            <p:nvPr/>
+          </p:nvSpPr>
+          <p:spPr>
+            <a:xfrm>
+              <a:off x="4669090" y="2912716"/>
+              <a:ext cx="1440270" cy="246608"/>
+            </a:xfrm>
+            <a:prstGeom prst="rect">
+              <a:avLst/>
+            </a:prstGeom>
+            <a:solidFill>
+              <a:srgbClr val="FF9800">
+                <a:alpha val="100000"/>
+              </a:srgbClr>
+            </a:solidFill>
+          </p:spPr>
+          <p:txBody>
+            <a:bodyPr/>
+            <a:lstStyle/>
+            <a:p/>
+          </p:txBody>
+        </p:sp>
+        <p:sp>
+          <p:nvSpPr>
+            <p:cNvPr id="102" name="rc102"/>
+            <p:cNvSpPr/>
+            <p:nvPr/>
+          </p:nvSpPr>
+          <p:spPr>
+            <a:xfrm>
+              <a:off x="3077212" y="2912716"/>
+              <a:ext cx="1591878" cy="246608"/>
+            </a:xfrm>
+            <a:prstGeom prst="rect">
+              <a:avLst/>
+            </a:prstGeom>
+            <a:solidFill>
+              <a:srgbClr val="F44336">
+                <a:alpha val="100000"/>
+              </a:srgbClr>
+            </a:solidFill>
+          </p:spPr>
+          <p:txBody>
+            <a:bodyPr/>
+            <a:lstStyle/>
+            <a:p/>
+          </p:txBody>
+        </p:sp>
+        <p:sp>
+          <p:nvSpPr>
+            <p:cNvPr id="103" name="rc103"/>
+            <p:cNvSpPr/>
+            <p:nvPr/>
+          </p:nvSpPr>
+          <p:spPr>
+            <a:xfrm>
+              <a:off x="8383473" y="1542670"/>
+              <a:ext cx="227411" cy="246608"/>
+            </a:xfrm>
+            <a:prstGeom prst="rect">
+              <a:avLst/>
+            </a:prstGeom>
+            <a:solidFill>
+              <a:srgbClr val="B0BEC5">
+                <a:alpha val="100000"/>
+              </a:srgbClr>
+            </a:solidFill>
+          </p:spPr>
+          <p:txBody>
+            <a:bodyPr/>
+            <a:lstStyle/>
+            <a:p/>
+          </p:txBody>
+        </p:sp>
+        <p:sp>
+          <p:nvSpPr>
+            <p:cNvPr id="104" name="rc104"/>
             <p:cNvSpPr/>
             <p:nvPr/>
           </p:nvSpPr>
           <p:spPr>
             <a:xfrm>
               <a:off x="8080258" y="1542670"/>
-              <a:ext cx="530626" cy="246608"/>
+              <a:ext cx="303214" cy="246608"/>
             </a:xfrm>
             <a:prstGeom prst="rect">
               <a:avLst/>
@@ -3092,7 +5146,7 @@
         </p:sp>
         <p:sp>
           <p:nvSpPr>
-            <p:cNvPr id="26" name="rc26"/>
+            <p:cNvPr id="105" name="rc105"/>
             <p:cNvSpPr/>
             <p:nvPr/>
           </p:nvSpPr>
@@ -3105,20 +5159,20 @@
               <a:avLst/>
             </a:prstGeom>
             <a:solidFill>
-              <a:srgbClr val="43AA70">
-                <a:alpha val="100000"/>
-              </a:srgbClr>
-            </a:solidFill>
-          </p:spPr>
-          <p:txBody>
-            <a:bodyPr/>
-            <a:lstStyle/>
-            <a:p/>
-          </p:txBody>
-        </p:sp>
-        <p:sp>
-          <p:nvSpPr>
-            <p:cNvPr id="27" name="rc27"/>
+              <a:srgbClr val="4CAF50">
+                <a:alpha val="100000"/>
+              </a:srgbClr>
+            </a:solidFill>
+          </p:spPr>
+          <p:txBody>
+            <a:bodyPr/>
+            <a:lstStyle/>
+            <a:p/>
+          </p:txBody>
+        </p:sp>
+        <p:sp>
+          <p:nvSpPr>
+            <p:cNvPr id="106" name="rc106"/>
             <p:cNvSpPr/>
             <p:nvPr/>
           </p:nvSpPr>
@@ -3131,2107 +5185,53 @@
               <a:avLst/>
             </a:prstGeom>
             <a:solidFill>
-              <a:srgbClr val="B7B924">
-                <a:alpha val="100000"/>
-              </a:srgbClr>
-            </a:solidFill>
-          </p:spPr>
-          <p:txBody>
-            <a:bodyPr/>
-            <a:lstStyle/>
-            <a:p/>
-          </p:txBody>
-        </p:sp>
-        <p:sp>
-          <p:nvSpPr>
-            <p:cNvPr id="28" name="rc28"/>
-            <p:cNvSpPr/>
-            <p:nvPr/>
-          </p:nvSpPr>
-          <p:spPr>
-            <a:xfrm>
-              <a:off x="5010207" y="1542670"/>
+              <a:srgbClr val="FFC107">
+                <a:alpha val="100000"/>
+              </a:srgbClr>
+            </a:solidFill>
+          </p:spPr>
+          <p:txBody>
+            <a:bodyPr/>
+            <a:lstStyle/>
+            <a:p/>
+          </p:txBody>
+        </p:sp>
+        <p:sp>
+          <p:nvSpPr>
+            <p:cNvPr id="107" name="rc107"/>
+            <p:cNvSpPr/>
+            <p:nvPr/>
+          </p:nvSpPr>
+          <p:spPr>
+            <a:xfrm>
+              <a:off x="4669090" y="1542670"/>
+              <a:ext cx="1932995" cy="246608"/>
+            </a:xfrm>
+            <a:prstGeom prst="rect">
+              <a:avLst/>
+            </a:prstGeom>
+            <a:solidFill>
+              <a:srgbClr val="FF9800">
+                <a:alpha val="100000"/>
+              </a:srgbClr>
+            </a:solidFill>
+          </p:spPr>
+          <p:txBody>
+            <a:bodyPr/>
+            <a:lstStyle/>
+            <a:p/>
+          </p:txBody>
+        </p:sp>
+        <p:sp>
+          <p:nvSpPr>
+            <p:cNvPr id="108" name="rc108"/>
+            <p:cNvSpPr/>
+            <p:nvPr/>
+          </p:nvSpPr>
+          <p:spPr>
+            <a:xfrm>
+              <a:off x="3077212" y="1542670"/>
               <a:ext cx="1591878" cy="246608"/>
-            </a:xfrm>
-            <a:prstGeom prst="rect">
-              <a:avLst/>
-            </a:prstGeom>
-            <a:solidFill>
-              <a:srgbClr val="D7834A">
-                <a:alpha val="100000"/>
-              </a:srgbClr>
-            </a:solidFill>
-          </p:spPr>
-          <p:txBody>
-            <a:bodyPr/>
-            <a:lstStyle/>
-            <a:p/>
-          </p:txBody>
-        </p:sp>
-        <p:sp>
-          <p:nvSpPr>
-            <p:cNvPr id="29" name="rc29"/>
-            <p:cNvSpPr/>
-            <p:nvPr/>
-          </p:nvSpPr>
-          <p:spPr>
-            <a:xfrm>
-              <a:off x="3494132" y="1542670"/>
-              <a:ext cx="1516074" cy="246608"/>
-            </a:xfrm>
-            <a:prstGeom prst="rect">
-              <a:avLst/>
-            </a:prstGeom>
-            <a:solidFill>
-              <a:srgbClr val="AD2C97">
-                <a:alpha val="100000"/>
-              </a:srgbClr>
-            </a:solidFill>
-          </p:spPr>
-          <p:txBody>
-            <a:bodyPr/>
-            <a:lstStyle/>
-            <a:p/>
-          </p:txBody>
-        </p:sp>
-        <p:sp>
-          <p:nvSpPr>
-            <p:cNvPr id="30" name="rc30"/>
-            <p:cNvSpPr/>
-            <p:nvPr/>
-          </p:nvSpPr>
-          <p:spPr>
-            <a:xfrm>
-              <a:off x="3077212" y="1542670"/>
-              <a:ext cx="416920" cy="246608"/>
-            </a:xfrm>
-            <a:prstGeom prst="rect">
-              <a:avLst/>
-            </a:prstGeom>
-            <a:solidFill>
-              <a:srgbClr val="F44336">
-                <a:alpha val="100000"/>
-              </a:srgbClr>
-            </a:solidFill>
-          </p:spPr>
-          <p:txBody>
-            <a:bodyPr/>
-            <a:lstStyle/>
-            <a:p/>
-          </p:txBody>
-        </p:sp>
-        <p:sp>
-          <p:nvSpPr>
-            <p:cNvPr id="31" name="rc31"/>
-            <p:cNvSpPr/>
-            <p:nvPr/>
-          </p:nvSpPr>
-          <p:spPr>
-            <a:xfrm>
-              <a:off x="7928651" y="1268661"/>
-              <a:ext cx="682233" cy="246608"/>
-            </a:xfrm>
-            <a:prstGeom prst="rect">
-              <a:avLst/>
-            </a:prstGeom>
-            <a:solidFill>
-              <a:srgbClr val="2196F3">
-                <a:alpha val="100000"/>
-              </a:srgbClr>
-            </a:solidFill>
-          </p:spPr>
-          <p:txBody>
-            <a:bodyPr/>
-            <a:lstStyle/>
-            <a:p/>
-          </p:txBody>
-        </p:sp>
-        <p:sp>
-          <p:nvSpPr>
-            <p:cNvPr id="32" name="rc32"/>
-            <p:cNvSpPr/>
-            <p:nvPr/>
-          </p:nvSpPr>
-          <p:spPr>
-            <a:xfrm>
-              <a:off x="7246417" y="1268661"/>
-              <a:ext cx="682233" cy="246608"/>
-            </a:xfrm>
-            <a:prstGeom prst="rect">
-              <a:avLst/>
-            </a:prstGeom>
-            <a:solidFill>
-              <a:srgbClr val="43AA70">
-                <a:alpha val="100000"/>
-              </a:srgbClr>
-            </a:solidFill>
-          </p:spPr>
-          <p:txBody>
-            <a:bodyPr/>
-            <a:lstStyle/>
-            <a:p/>
-          </p:txBody>
-        </p:sp>
-        <p:sp>
-          <p:nvSpPr>
-            <p:cNvPr id="33" name="rc33"/>
-            <p:cNvSpPr/>
-            <p:nvPr/>
-          </p:nvSpPr>
-          <p:spPr>
-            <a:xfrm>
-              <a:off x="6526282" y="1268661"/>
-              <a:ext cx="720135" cy="246608"/>
-            </a:xfrm>
-            <a:prstGeom prst="rect">
-              <a:avLst/>
-            </a:prstGeom>
-            <a:solidFill>
-              <a:srgbClr val="B7B924">
-                <a:alpha val="100000"/>
-              </a:srgbClr>
-            </a:solidFill>
-          </p:spPr>
-          <p:txBody>
-            <a:bodyPr/>
-            <a:lstStyle/>
-            <a:p/>
-          </p:txBody>
-        </p:sp>
-        <p:sp>
-          <p:nvSpPr>
-            <p:cNvPr id="34" name="rc34"/>
-            <p:cNvSpPr/>
-            <p:nvPr/>
-          </p:nvSpPr>
-          <p:spPr>
-            <a:xfrm>
-              <a:off x="4820698" y="1268661"/>
-              <a:ext cx="1705583" cy="246608"/>
-            </a:xfrm>
-            <a:prstGeom prst="rect">
-              <a:avLst/>
-            </a:prstGeom>
-            <a:solidFill>
-              <a:srgbClr val="D7834A">
-                <a:alpha val="100000"/>
-              </a:srgbClr>
-            </a:solidFill>
-          </p:spPr>
-          <p:txBody>
-            <a:bodyPr/>
-            <a:lstStyle/>
-            <a:p/>
-          </p:txBody>
-        </p:sp>
-        <p:sp>
-          <p:nvSpPr>
-            <p:cNvPr id="35" name="rc35"/>
-            <p:cNvSpPr/>
-            <p:nvPr/>
-          </p:nvSpPr>
-          <p:spPr>
-            <a:xfrm>
-              <a:off x="3418329" y="1268661"/>
-              <a:ext cx="1402368" cy="246608"/>
-            </a:xfrm>
-            <a:prstGeom prst="rect">
-              <a:avLst/>
-            </a:prstGeom>
-            <a:solidFill>
-              <a:srgbClr val="AD2C97">
-                <a:alpha val="100000"/>
-              </a:srgbClr>
-            </a:solidFill>
-          </p:spPr>
-          <p:txBody>
-            <a:bodyPr/>
-            <a:lstStyle/>
-            <a:p/>
-          </p:txBody>
-        </p:sp>
-        <p:sp>
-          <p:nvSpPr>
-            <p:cNvPr id="36" name="rc36"/>
-            <p:cNvSpPr/>
-            <p:nvPr/>
-          </p:nvSpPr>
-          <p:spPr>
-            <a:xfrm>
-              <a:off x="3077212" y="1268661"/>
-              <a:ext cx="341116" cy="246608"/>
-            </a:xfrm>
-            <a:prstGeom prst="rect">
-              <a:avLst/>
-            </a:prstGeom>
-            <a:solidFill>
-              <a:srgbClr val="F44336">
-                <a:alpha val="100000"/>
-              </a:srgbClr>
-            </a:solidFill>
-          </p:spPr>
-          <p:txBody>
-            <a:bodyPr/>
-            <a:lstStyle/>
-            <a:p/>
-          </p:txBody>
-        </p:sp>
-        <p:sp>
-          <p:nvSpPr>
-            <p:cNvPr id="37" name="rc37"/>
-            <p:cNvSpPr/>
-            <p:nvPr/>
-          </p:nvSpPr>
-          <p:spPr>
-            <a:xfrm>
-              <a:off x="8118160" y="5104790"/>
-              <a:ext cx="492724" cy="246608"/>
-            </a:xfrm>
-            <a:prstGeom prst="rect">
-              <a:avLst/>
-            </a:prstGeom>
-            <a:solidFill>
-              <a:srgbClr val="2196F3">
-                <a:alpha val="100000"/>
-              </a:srgbClr>
-            </a:solidFill>
-          </p:spPr>
-          <p:txBody>
-            <a:bodyPr/>
-            <a:lstStyle/>
-            <a:p/>
-          </p:txBody>
-        </p:sp>
-        <p:sp>
-          <p:nvSpPr>
-            <p:cNvPr id="38" name="rc38"/>
-            <p:cNvSpPr/>
-            <p:nvPr/>
-          </p:nvSpPr>
-          <p:spPr>
-            <a:xfrm>
-              <a:off x="7663338" y="5104790"/>
-              <a:ext cx="454822" cy="246608"/>
-            </a:xfrm>
-            <a:prstGeom prst="rect">
-              <a:avLst/>
-            </a:prstGeom>
-            <a:solidFill>
-              <a:srgbClr val="43AA70">
-                <a:alpha val="100000"/>
-              </a:srgbClr>
-            </a:solidFill>
-          </p:spPr>
-          <p:txBody>
-            <a:bodyPr/>
-            <a:lstStyle/>
-            <a:p/>
-          </p:txBody>
-        </p:sp>
-        <p:sp>
-          <p:nvSpPr>
-            <p:cNvPr id="39" name="rc39"/>
-            <p:cNvSpPr/>
-            <p:nvPr/>
-          </p:nvSpPr>
-          <p:spPr>
-            <a:xfrm>
-              <a:off x="6753693" y="5104790"/>
-              <a:ext cx="909644" cy="246608"/>
-            </a:xfrm>
-            <a:prstGeom prst="rect">
-              <a:avLst/>
-            </a:prstGeom>
-            <a:solidFill>
-              <a:srgbClr val="B7B924">
-                <a:alpha val="100000"/>
-              </a:srgbClr>
-            </a:solidFill>
-          </p:spPr>
-          <p:txBody>
-            <a:bodyPr/>
-            <a:lstStyle/>
-            <a:p/>
-          </p:txBody>
-        </p:sp>
-        <p:sp>
-          <p:nvSpPr>
-            <p:cNvPr id="40" name="rc40"/>
-            <p:cNvSpPr/>
-            <p:nvPr/>
-          </p:nvSpPr>
-          <p:spPr>
-            <a:xfrm>
-              <a:off x="5275520" y="5104790"/>
-              <a:ext cx="1478172" cy="246608"/>
-            </a:xfrm>
-            <a:prstGeom prst="rect">
-              <a:avLst/>
-            </a:prstGeom>
-            <a:solidFill>
-              <a:srgbClr val="D7834A">
-                <a:alpha val="100000"/>
-              </a:srgbClr>
-            </a:solidFill>
-          </p:spPr>
-          <p:txBody>
-            <a:bodyPr/>
-            <a:lstStyle/>
-            <a:p/>
-          </p:txBody>
-        </p:sp>
-        <p:sp>
-          <p:nvSpPr>
-            <p:cNvPr id="41" name="rc41"/>
-            <p:cNvSpPr/>
-            <p:nvPr/>
-          </p:nvSpPr>
-          <p:spPr>
-            <a:xfrm>
-              <a:off x="3456231" y="5104790"/>
-              <a:ext cx="1819289" cy="246608"/>
-            </a:xfrm>
-            <a:prstGeom prst="rect">
-              <a:avLst/>
-            </a:prstGeom>
-            <a:solidFill>
-              <a:srgbClr val="AD2C97">
-                <a:alpha val="100000"/>
-              </a:srgbClr>
-            </a:solidFill>
-          </p:spPr>
-          <p:txBody>
-            <a:bodyPr/>
-            <a:lstStyle/>
-            <a:p/>
-          </p:txBody>
-        </p:sp>
-        <p:sp>
-          <p:nvSpPr>
-            <p:cNvPr id="42" name="rc42"/>
-            <p:cNvSpPr/>
-            <p:nvPr/>
-          </p:nvSpPr>
-          <p:spPr>
-            <a:xfrm>
-              <a:off x="3077212" y="5104790"/>
-              <a:ext cx="379018" cy="246608"/>
-            </a:xfrm>
-            <a:prstGeom prst="rect">
-              <a:avLst/>
-            </a:prstGeom>
-            <a:solidFill>
-              <a:srgbClr val="F44336">
-                <a:alpha val="100000"/>
-              </a:srgbClr>
-            </a:solidFill>
-          </p:spPr>
-          <p:txBody>
-            <a:bodyPr/>
-            <a:lstStyle/>
-            <a:p/>
-          </p:txBody>
-        </p:sp>
-        <p:sp>
-          <p:nvSpPr>
-            <p:cNvPr id="43" name="rc43"/>
-            <p:cNvSpPr/>
-            <p:nvPr/>
-          </p:nvSpPr>
-          <p:spPr>
-            <a:xfrm>
-              <a:off x="8118160" y="4830781"/>
-              <a:ext cx="492724" cy="246608"/>
-            </a:xfrm>
-            <a:prstGeom prst="rect">
-              <a:avLst/>
-            </a:prstGeom>
-            <a:solidFill>
-              <a:srgbClr val="2196F3">
-                <a:alpha val="100000"/>
-              </a:srgbClr>
-            </a:solidFill>
-          </p:spPr>
-          <p:txBody>
-            <a:bodyPr/>
-            <a:lstStyle/>
-            <a:p/>
-          </p:txBody>
-        </p:sp>
-        <p:sp>
-          <p:nvSpPr>
-            <p:cNvPr id="44" name="rc44"/>
-            <p:cNvSpPr/>
-            <p:nvPr/>
-          </p:nvSpPr>
-          <p:spPr>
-            <a:xfrm>
-              <a:off x="7625436" y="4830781"/>
-              <a:ext cx="492724" cy="246608"/>
-            </a:xfrm>
-            <a:prstGeom prst="rect">
-              <a:avLst/>
-            </a:prstGeom>
-            <a:solidFill>
-              <a:srgbClr val="43AA70">
-                <a:alpha val="100000"/>
-              </a:srgbClr>
-            </a:solidFill>
-          </p:spPr>
-          <p:txBody>
-            <a:bodyPr/>
-            <a:lstStyle/>
-            <a:p/>
-          </p:txBody>
-        </p:sp>
-        <p:sp>
-          <p:nvSpPr>
-            <p:cNvPr id="45" name="rc45"/>
-            <p:cNvSpPr/>
-            <p:nvPr/>
-          </p:nvSpPr>
-          <p:spPr>
-            <a:xfrm>
-              <a:off x="7019006" y="4830781"/>
-              <a:ext cx="606429" cy="246608"/>
-            </a:xfrm>
-            <a:prstGeom prst="rect">
-              <a:avLst/>
-            </a:prstGeom>
-            <a:solidFill>
-              <a:srgbClr val="B7B924">
-                <a:alpha val="100000"/>
-              </a:srgbClr>
-            </a:solidFill>
-          </p:spPr>
-          <p:txBody>
-            <a:bodyPr/>
-            <a:lstStyle/>
-            <a:p/>
-          </p:txBody>
-        </p:sp>
-        <p:sp>
-          <p:nvSpPr>
-            <p:cNvPr id="46" name="rc46"/>
-            <p:cNvSpPr/>
-            <p:nvPr/>
-          </p:nvSpPr>
-          <p:spPr>
-            <a:xfrm>
-              <a:off x="5351324" y="4830781"/>
-              <a:ext cx="1667682" cy="246608"/>
-            </a:xfrm>
-            <a:prstGeom prst="rect">
-              <a:avLst/>
-            </a:prstGeom>
-            <a:solidFill>
-              <a:srgbClr val="D7834A">
-                <a:alpha val="100000"/>
-              </a:srgbClr>
-            </a:solidFill>
-          </p:spPr>
-          <p:txBody>
-            <a:bodyPr/>
-            <a:lstStyle/>
-            <a:p/>
-          </p:txBody>
-        </p:sp>
-        <p:sp>
-          <p:nvSpPr>
-            <p:cNvPr id="47" name="rc47"/>
-            <p:cNvSpPr/>
-            <p:nvPr/>
-          </p:nvSpPr>
-          <p:spPr>
-            <a:xfrm>
-              <a:off x="3456231" y="4830781"/>
-              <a:ext cx="1895093" cy="246608"/>
-            </a:xfrm>
-            <a:prstGeom prst="rect">
-              <a:avLst/>
-            </a:prstGeom>
-            <a:solidFill>
-              <a:srgbClr val="AD2C97">
-                <a:alpha val="100000"/>
-              </a:srgbClr>
-            </a:solidFill>
-          </p:spPr>
-          <p:txBody>
-            <a:bodyPr/>
-            <a:lstStyle/>
-            <a:p/>
-          </p:txBody>
-        </p:sp>
-        <p:sp>
-          <p:nvSpPr>
-            <p:cNvPr id="48" name="rc48"/>
-            <p:cNvSpPr/>
-            <p:nvPr/>
-          </p:nvSpPr>
-          <p:spPr>
-            <a:xfrm>
-              <a:off x="3077212" y="4830781"/>
-              <a:ext cx="379018" cy="246608"/>
-            </a:xfrm>
-            <a:prstGeom prst="rect">
-              <a:avLst/>
-            </a:prstGeom>
-            <a:solidFill>
-              <a:srgbClr val="F44336">
-                <a:alpha val="100000"/>
-              </a:srgbClr>
-            </a:solidFill>
-          </p:spPr>
-          <p:txBody>
-            <a:bodyPr/>
-            <a:lstStyle/>
-            <a:p/>
-          </p:txBody>
-        </p:sp>
-        <p:sp>
-          <p:nvSpPr>
-            <p:cNvPr id="49" name="rc49"/>
-            <p:cNvSpPr/>
-            <p:nvPr/>
-          </p:nvSpPr>
-          <p:spPr>
-            <a:xfrm>
-              <a:off x="7852847" y="4556772"/>
-              <a:ext cx="758037" cy="246608"/>
-            </a:xfrm>
-            <a:prstGeom prst="rect">
-              <a:avLst/>
-            </a:prstGeom>
-            <a:solidFill>
-              <a:srgbClr val="2196F3">
-                <a:alpha val="100000"/>
-              </a:srgbClr>
-            </a:solidFill>
-          </p:spPr>
-          <p:txBody>
-            <a:bodyPr/>
-            <a:lstStyle/>
-            <a:p/>
-          </p:txBody>
-        </p:sp>
-        <p:sp>
-          <p:nvSpPr>
-            <p:cNvPr id="50" name="rc50"/>
-            <p:cNvSpPr/>
-            <p:nvPr/>
-          </p:nvSpPr>
-          <p:spPr>
-            <a:xfrm>
-              <a:off x="7322221" y="4556772"/>
-              <a:ext cx="530626" cy="246608"/>
-            </a:xfrm>
-            <a:prstGeom prst="rect">
-              <a:avLst/>
-            </a:prstGeom>
-            <a:solidFill>
-              <a:srgbClr val="43AA70">
-                <a:alpha val="100000"/>
-              </a:srgbClr>
-            </a:solidFill>
-          </p:spPr>
-          <p:txBody>
-            <a:bodyPr/>
-            <a:lstStyle/>
-            <a:p/>
-          </p:txBody>
-        </p:sp>
-        <p:sp>
-          <p:nvSpPr>
-            <p:cNvPr id="51" name="rc51"/>
-            <p:cNvSpPr/>
-            <p:nvPr/>
-          </p:nvSpPr>
-          <p:spPr>
-            <a:xfrm>
-              <a:off x="6298870" y="4556772"/>
-              <a:ext cx="1023350" cy="246608"/>
-            </a:xfrm>
-            <a:prstGeom prst="rect">
-              <a:avLst/>
-            </a:prstGeom>
-            <a:solidFill>
-              <a:srgbClr val="B7B924">
-                <a:alpha val="100000"/>
-              </a:srgbClr>
-            </a:solidFill>
-          </p:spPr>
-          <p:txBody>
-            <a:bodyPr/>
-            <a:lstStyle/>
-            <a:p/>
-          </p:txBody>
-        </p:sp>
-        <p:sp>
-          <p:nvSpPr>
-            <p:cNvPr id="52" name="rc52"/>
-            <p:cNvSpPr/>
-            <p:nvPr/>
-          </p:nvSpPr>
-          <p:spPr>
-            <a:xfrm>
-              <a:off x="4706992" y="4556772"/>
-              <a:ext cx="1591878" cy="246608"/>
-            </a:xfrm>
-            <a:prstGeom prst="rect">
-              <a:avLst/>
-            </a:prstGeom>
-            <a:solidFill>
-              <a:srgbClr val="D7834A">
-                <a:alpha val="100000"/>
-              </a:srgbClr>
-            </a:solidFill>
-          </p:spPr>
-          <p:txBody>
-            <a:bodyPr/>
-            <a:lstStyle/>
-            <a:p/>
-          </p:txBody>
-        </p:sp>
-        <p:sp>
-          <p:nvSpPr>
-            <p:cNvPr id="53" name="rc53"/>
-            <p:cNvSpPr/>
-            <p:nvPr/>
-          </p:nvSpPr>
-          <p:spPr>
-            <a:xfrm>
-              <a:off x="3456231" y="4556772"/>
-              <a:ext cx="1250761" cy="246608"/>
-            </a:xfrm>
-            <a:prstGeom prst="rect">
-              <a:avLst/>
-            </a:prstGeom>
-            <a:solidFill>
-              <a:srgbClr val="AD2C97">
-                <a:alpha val="100000"/>
-              </a:srgbClr>
-            </a:solidFill>
-          </p:spPr>
-          <p:txBody>
-            <a:bodyPr/>
-            <a:lstStyle/>
-            <a:p/>
-          </p:txBody>
-        </p:sp>
-        <p:sp>
-          <p:nvSpPr>
-            <p:cNvPr id="54" name="rc54"/>
-            <p:cNvSpPr/>
-            <p:nvPr/>
-          </p:nvSpPr>
-          <p:spPr>
-            <a:xfrm>
-              <a:off x="3077212" y="4556772"/>
-              <a:ext cx="379018" cy="246608"/>
-            </a:xfrm>
-            <a:prstGeom prst="rect">
-              <a:avLst/>
-            </a:prstGeom>
-            <a:solidFill>
-              <a:srgbClr val="F44336">
-                <a:alpha val="100000"/>
-              </a:srgbClr>
-            </a:solidFill>
-          </p:spPr>
-          <p:txBody>
-            <a:bodyPr/>
-            <a:lstStyle/>
-            <a:p/>
-          </p:txBody>
-        </p:sp>
-        <p:sp>
-          <p:nvSpPr>
-            <p:cNvPr id="55" name="rc55"/>
-            <p:cNvSpPr/>
-            <p:nvPr/>
-          </p:nvSpPr>
-          <p:spPr>
-            <a:xfrm>
-              <a:off x="8042356" y="4282762"/>
-              <a:ext cx="568527" cy="246608"/>
-            </a:xfrm>
-            <a:prstGeom prst="rect">
-              <a:avLst/>
-            </a:prstGeom>
-            <a:solidFill>
-              <a:srgbClr val="2196F3">
-                <a:alpha val="100000"/>
-              </a:srgbClr>
-            </a:solidFill>
-          </p:spPr>
-          <p:txBody>
-            <a:bodyPr/>
-            <a:lstStyle/>
-            <a:p/>
-          </p:txBody>
-        </p:sp>
-        <p:sp>
-          <p:nvSpPr>
-            <p:cNvPr id="56" name="rc56"/>
-            <p:cNvSpPr/>
-            <p:nvPr/>
-          </p:nvSpPr>
-          <p:spPr>
-            <a:xfrm>
-              <a:off x="7473828" y="4282762"/>
-              <a:ext cx="568527" cy="246608"/>
-            </a:xfrm>
-            <a:prstGeom prst="rect">
-              <a:avLst/>
-            </a:prstGeom>
-            <a:solidFill>
-              <a:srgbClr val="43AA70">
-                <a:alpha val="100000"/>
-              </a:srgbClr>
-            </a:solidFill>
-          </p:spPr>
-          <p:txBody>
-            <a:bodyPr/>
-            <a:lstStyle/>
-            <a:p/>
-          </p:txBody>
-        </p:sp>
-        <p:sp>
-          <p:nvSpPr>
-            <p:cNvPr id="57" name="rc57"/>
-            <p:cNvSpPr/>
-            <p:nvPr/>
-          </p:nvSpPr>
-          <p:spPr>
-            <a:xfrm>
-              <a:off x="6374674" y="4282762"/>
-              <a:ext cx="1099154" cy="246608"/>
-            </a:xfrm>
-            <a:prstGeom prst="rect">
-              <a:avLst/>
-            </a:prstGeom>
-            <a:solidFill>
-              <a:srgbClr val="B7B924">
-                <a:alpha val="100000"/>
-              </a:srgbClr>
-            </a:solidFill>
-          </p:spPr>
-          <p:txBody>
-            <a:bodyPr/>
-            <a:lstStyle/>
-            <a:p/>
-          </p:txBody>
-        </p:sp>
-        <p:sp>
-          <p:nvSpPr>
-            <p:cNvPr id="58" name="rc58"/>
-            <p:cNvSpPr/>
-            <p:nvPr/>
-          </p:nvSpPr>
-          <p:spPr>
-            <a:xfrm>
-              <a:off x="4517483" y="4282762"/>
-              <a:ext cx="1857191" cy="246608"/>
-            </a:xfrm>
-            <a:prstGeom prst="rect">
-              <a:avLst/>
-            </a:prstGeom>
-            <a:solidFill>
-              <a:srgbClr val="D7834A">
-                <a:alpha val="100000"/>
-              </a:srgbClr>
-            </a:solidFill>
-          </p:spPr>
-          <p:txBody>
-            <a:bodyPr/>
-            <a:lstStyle/>
-            <a:p/>
-          </p:txBody>
-        </p:sp>
-        <p:sp>
-          <p:nvSpPr>
-            <p:cNvPr id="59" name="rc59"/>
-            <p:cNvSpPr/>
-            <p:nvPr/>
-          </p:nvSpPr>
-          <p:spPr>
-            <a:xfrm>
-              <a:off x="3304623" y="4282762"/>
-              <a:ext cx="1212859" cy="246608"/>
-            </a:xfrm>
-            <a:prstGeom prst="rect">
-              <a:avLst/>
-            </a:prstGeom>
-            <a:solidFill>
-              <a:srgbClr val="AD2C97">
-                <a:alpha val="100000"/>
-              </a:srgbClr>
-            </a:solidFill>
-          </p:spPr>
-          <p:txBody>
-            <a:bodyPr/>
-            <a:lstStyle/>
-            <a:p/>
-          </p:txBody>
-        </p:sp>
-        <p:sp>
-          <p:nvSpPr>
-            <p:cNvPr id="60" name="rc60"/>
-            <p:cNvSpPr/>
-            <p:nvPr/>
-          </p:nvSpPr>
-          <p:spPr>
-            <a:xfrm>
-              <a:off x="3077212" y="4282762"/>
-              <a:ext cx="227411" cy="246608"/>
-            </a:xfrm>
-            <a:prstGeom prst="rect">
-              <a:avLst/>
-            </a:prstGeom>
-            <a:solidFill>
-              <a:srgbClr val="F44336">
-                <a:alpha val="100000"/>
-              </a:srgbClr>
-            </a:solidFill>
-          </p:spPr>
-          <p:txBody>
-            <a:bodyPr/>
-            <a:lstStyle/>
-            <a:p/>
-          </p:txBody>
-        </p:sp>
-        <p:sp>
-          <p:nvSpPr>
-            <p:cNvPr id="61" name="rc61"/>
-            <p:cNvSpPr/>
-            <p:nvPr/>
-          </p:nvSpPr>
-          <p:spPr>
-            <a:xfrm>
-              <a:off x="7701239" y="4008753"/>
-              <a:ext cx="909644" cy="246608"/>
-            </a:xfrm>
-            <a:prstGeom prst="rect">
-              <a:avLst/>
-            </a:prstGeom>
-            <a:solidFill>
-              <a:srgbClr val="2196F3">
-                <a:alpha val="100000"/>
-              </a:srgbClr>
-            </a:solidFill>
-          </p:spPr>
-          <p:txBody>
-            <a:bodyPr/>
-            <a:lstStyle/>
-            <a:p/>
-          </p:txBody>
-        </p:sp>
-        <p:sp>
-          <p:nvSpPr>
-            <p:cNvPr id="62" name="rc62"/>
-            <p:cNvSpPr/>
-            <p:nvPr/>
-          </p:nvSpPr>
-          <p:spPr>
-            <a:xfrm>
-              <a:off x="7284319" y="4008753"/>
-              <a:ext cx="416920" cy="246608"/>
-            </a:xfrm>
-            <a:prstGeom prst="rect">
-              <a:avLst/>
-            </a:prstGeom>
-            <a:solidFill>
-              <a:srgbClr val="43AA70">
-                <a:alpha val="100000"/>
-              </a:srgbClr>
-            </a:solidFill>
-          </p:spPr>
-          <p:txBody>
-            <a:bodyPr/>
-            <a:lstStyle/>
-            <a:p/>
-          </p:txBody>
-        </p:sp>
-        <p:sp>
-          <p:nvSpPr>
-            <p:cNvPr id="63" name="rc63"/>
-            <p:cNvSpPr/>
-            <p:nvPr/>
-          </p:nvSpPr>
-          <p:spPr>
-            <a:xfrm>
-              <a:off x="6109361" y="4008753"/>
-              <a:ext cx="1174957" cy="246608"/>
-            </a:xfrm>
-            <a:prstGeom prst="rect">
-              <a:avLst/>
-            </a:prstGeom>
-            <a:solidFill>
-              <a:srgbClr val="B7B924">
-                <a:alpha val="100000"/>
-              </a:srgbClr>
-            </a:solidFill>
-          </p:spPr>
-          <p:txBody>
-            <a:bodyPr/>
-            <a:lstStyle/>
-            <a:p/>
-          </p:txBody>
-        </p:sp>
-        <p:sp>
-          <p:nvSpPr>
-            <p:cNvPr id="64" name="rc64"/>
-            <p:cNvSpPr/>
-            <p:nvPr/>
-          </p:nvSpPr>
-          <p:spPr>
-            <a:xfrm>
-              <a:off x="4744894" y="4008753"/>
-              <a:ext cx="1364467" cy="246608"/>
-            </a:xfrm>
-            <a:prstGeom prst="rect">
-              <a:avLst/>
-            </a:prstGeom>
-            <a:solidFill>
-              <a:srgbClr val="D7834A">
-                <a:alpha val="100000"/>
-              </a:srgbClr>
-            </a:solidFill>
-          </p:spPr>
-          <p:txBody>
-            <a:bodyPr/>
-            <a:lstStyle/>
-            <a:p/>
-          </p:txBody>
-        </p:sp>
-        <p:sp>
-          <p:nvSpPr>
-            <p:cNvPr id="65" name="rc65"/>
-            <p:cNvSpPr/>
-            <p:nvPr/>
-          </p:nvSpPr>
-          <p:spPr>
-            <a:xfrm>
-              <a:off x="3683642" y="4008753"/>
-              <a:ext cx="1061252" cy="246608"/>
-            </a:xfrm>
-            <a:prstGeom prst="rect">
-              <a:avLst/>
-            </a:prstGeom>
-            <a:solidFill>
-              <a:srgbClr val="AD2C97">
-                <a:alpha val="100000"/>
-              </a:srgbClr>
-            </a:solidFill>
-          </p:spPr>
-          <p:txBody>
-            <a:bodyPr/>
-            <a:lstStyle/>
-            <a:p/>
-          </p:txBody>
-        </p:sp>
-        <p:sp>
-          <p:nvSpPr>
-            <p:cNvPr id="66" name="rc66"/>
-            <p:cNvSpPr/>
-            <p:nvPr/>
-          </p:nvSpPr>
-          <p:spPr>
-            <a:xfrm>
-              <a:off x="3077212" y="4008753"/>
-              <a:ext cx="606429" cy="246608"/>
-            </a:xfrm>
-            <a:prstGeom prst="rect">
-              <a:avLst/>
-            </a:prstGeom>
-            <a:solidFill>
-              <a:srgbClr val="F44336">
-                <a:alpha val="100000"/>
-              </a:srgbClr>
-            </a:solidFill>
-          </p:spPr>
-          <p:txBody>
-            <a:bodyPr/>
-            <a:lstStyle/>
-            <a:p/>
-          </p:txBody>
-        </p:sp>
-        <p:sp>
-          <p:nvSpPr>
-            <p:cNvPr id="67" name="rc67"/>
-            <p:cNvSpPr/>
-            <p:nvPr/>
-          </p:nvSpPr>
-          <p:spPr>
-            <a:xfrm>
-              <a:off x="7739141" y="3734744"/>
-              <a:ext cx="871742" cy="246608"/>
-            </a:xfrm>
-            <a:prstGeom prst="rect">
-              <a:avLst/>
-            </a:prstGeom>
-            <a:solidFill>
-              <a:srgbClr val="2196F3">
-                <a:alpha val="100000"/>
-              </a:srgbClr>
-            </a:solidFill>
-          </p:spPr>
-          <p:txBody>
-            <a:bodyPr/>
-            <a:lstStyle/>
-            <a:p/>
-          </p:txBody>
-        </p:sp>
-        <p:sp>
-          <p:nvSpPr>
-            <p:cNvPr id="68" name="rc68"/>
-            <p:cNvSpPr/>
-            <p:nvPr/>
-          </p:nvSpPr>
-          <p:spPr>
-            <a:xfrm>
-              <a:off x="6943202" y="3734744"/>
-              <a:ext cx="795939" cy="246608"/>
-            </a:xfrm>
-            <a:prstGeom prst="rect">
-              <a:avLst/>
-            </a:prstGeom>
-            <a:solidFill>
-              <a:srgbClr val="43AA70">
-                <a:alpha val="100000"/>
-              </a:srgbClr>
-            </a:solidFill>
-          </p:spPr>
-          <p:txBody>
-            <a:bodyPr/>
-            <a:lstStyle/>
-            <a:p/>
-          </p:txBody>
-        </p:sp>
-        <p:sp>
-          <p:nvSpPr>
-            <p:cNvPr id="69" name="rc69"/>
-            <p:cNvSpPr/>
-            <p:nvPr/>
-          </p:nvSpPr>
-          <p:spPr>
-            <a:xfrm>
-              <a:off x="5730342" y="3734744"/>
-              <a:ext cx="1212859" cy="246608"/>
-            </a:xfrm>
-            <a:prstGeom prst="rect">
-              <a:avLst/>
-            </a:prstGeom>
-            <a:solidFill>
-              <a:srgbClr val="B7B924">
-                <a:alpha val="100000"/>
-              </a:srgbClr>
-            </a:solidFill>
-          </p:spPr>
-          <p:txBody>
-            <a:bodyPr/>
-            <a:lstStyle/>
-            <a:p/>
-          </p:txBody>
-        </p:sp>
-        <p:sp>
-          <p:nvSpPr>
-            <p:cNvPr id="70" name="rc70"/>
-            <p:cNvSpPr/>
-            <p:nvPr/>
-          </p:nvSpPr>
-          <p:spPr>
-            <a:xfrm>
-              <a:off x="4252170" y="3734744"/>
-              <a:ext cx="1478172" cy="246608"/>
-            </a:xfrm>
-            <a:prstGeom prst="rect">
-              <a:avLst/>
-            </a:prstGeom>
-            <a:solidFill>
-              <a:srgbClr val="D7834A">
-                <a:alpha val="100000"/>
-              </a:srgbClr>
-            </a:solidFill>
-          </p:spPr>
-          <p:txBody>
-            <a:bodyPr/>
-            <a:lstStyle/>
-            <a:p/>
-          </p:txBody>
-        </p:sp>
-        <p:sp>
-          <p:nvSpPr>
-            <p:cNvPr id="71" name="rc71"/>
-            <p:cNvSpPr/>
-            <p:nvPr/>
-          </p:nvSpPr>
-          <p:spPr>
-            <a:xfrm>
-              <a:off x="3342525" y="3734744"/>
-              <a:ext cx="909644" cy="246608"/>
-            </a:xfrm>
-            <a:prstGeom prst="rect">
-              <a:avLst/>
-            </a:prstGeom>
-            <a:solidFill>
-              <a:srgbClr val="AD2C97">
-                <a:alpha val="100000"/>
-              </a:srgbClr>
-            </a:solidFill>
-          </p:spPr>
-          <p:txBody>
-            <a:bodyPr/>
-            <a:lstStyle/>
-            <a:p/>
-          </p:txBody>
-        </p:sp>
-        <p:sp>
-          <p:nvSpPr>
-            <p:cNvPr id="72" name="rc72"/>
-            <p:cNvSpPr/>
-            <p:nvPr/>
-          </p:nvSpPr>
-          <p:spPr>
-            <a:xfrm>
-              <a:off x="3077212" y="3734744"/>
-              <a:ext cx="265313" cy="246608"/>
-            </a:xfrm>
-            <a:prstGeom prst="rect">
-              <a:avLst/>
-            </a:prstGeom>
-            <a:solidFill>
-              <a:srgbClr val="F44336">
-                <a:alpha val="100000"/>
-              </a:srgbClr>
-            </a:solidFill>
-          </p:spPr>
-          <p:txBody>
-            <a:bodyPr/>
-            <a:lstStyle/>
-            <a:p/>
-          </p:txBody>
-        </p:sp>
-        <p:sp>
-          <p:nvSpPr>
-            <p:cNvPr id="73" name="rc73"/>
-            <p:cNvSpPr/>
-            <p:nvPr/>
-          </p:nvSpPr>
-          <p:spPr>
-            <a:xfrm>
-              <a:off x="7814945" y="3460735"/>
-              <a:ext cx="795939" cy="246608"/>
-            </a:xfrm>
-            <a:prstGeom prst="rect">
-              <a:avLst/>
-            </a:prstGeom>
-            <a:solidFill>
-              <a:srgbClr val="2196F3">
-                <a:alpha val="100000"/>
-              </a:srgbClr>
-            </a:solidFill>
-          </p:spPr>
-          <p:txBody>
-            <a:bodyPr/>
-            <a:lstStyle/>
-            <a:p/>
-          </p:txBody>
-        </p:sp>
-        <p:sp>
-          <p:nvSpPr>
-            <p:cNvPr id="74" name="rc74"/>
-            <p:cNvSpPr/>
-            <p:nvPr/>
-          </p:nvSpPr>
-          <p:spPr>
-            <a:xfrm>
-              <a:off x="6677889" y="3460735"/>
-              <a:ext cx="1137055" cy="246608"/>
-            </a:xfrm>
-            <a:prstGeom prst="rect">
-              <a:avLst/>
-            </a:prstGeom>
-            <a:solidFill>
-              <a:srgbClr val="43AA70">
-                <a:alpha val="100000"/>
-              </a:srgbClr>
-            </a:solidFill>
-          </p:spPr>
-          <p:txBody>
-            <a:bodyPr/>
-            <a:lstStyle/>
-            <a:p/>
-          </p:txBody>
-        </p:sp>
-        <p:sp>
-          <p:nvSpPr>
-            <p:cNvPr id="75" name="rc75"/>
-            <p:cNvSpPr/>
-            <p:nvPr/>
-          </p:nvSpPr>
-          <p:spPr>
-            <a:xfrm>
-              <a:off x="5730342" y="3460735"/>
-              <a:ext cx="947546" cy="246608"/>
-            </a:xfrm>
-            <a:prstGeom prst="rect">
-              <a:avLst/>
-            </a:prstGeom>
-            <a:solidFill>
-              <a:srgbClr val="B7B924">
-                <a:alpha val="100000"/>
-              </a:srgbClr>
-            </a:solidFill>
-          </p:spPr>
-          <p:txBody>
-            <a:bodyPr/>
-            <a:lstStyle/>
-            <a:p/>
-          </p:txBody>
-        </p:sp>
-        <p:sp>
-          <p:nvSpPr>
-            <p:cNvPr id="76" name="rc76"/>
-            <p:cNvSpPr/>
-            <p:nvPr/>
-          </p:nvSpPr>
-          <p:spPr>
-            <a:xfrm>
-              <a:off x="4214268" y="3460735"/>
-              <a:ext cx="1516074" cy="246608"/>
-            </a:xfrm>
-            <a:prstGeom prst="rect">
-              <a:avLst/>
-            </a:prstGeom>
-            <a:solidFill>
-              <a:srgbClr val="D7834A">
-                <a:alpha val="100000"/>
-              </a:srgbClr>
-            </a:solidFill>
-          </p:spPr>
-          <p:txBody>
-            <a:bodyPr/>
-            <a:lstStyle/>
-            <a:p/>
-          </p:txBody>
-        </p:sp>
-        <p:sp>
-          <p:nvSpPr>
-            <p:cNvPr id="77" name="rc77"/>
-            <p:cNvSpPr/>
-            <p:nvPr/>
-          </p:nvSpPr>
-          <p:spPr>
-            <a:xfrm>
-              <a:off x="3266721" y="3460735"/>
-              <a:ext cx="947546" cy="246608"/>
-            </a:xfrm>
-            <a:prstGeom prst="rect">
-              <a:avLst/>
-            </a:prstGeom>
-            <a:solidFill>
-              <a:srgbClr val="AD2C97">
-                <a:alpha val="100000"/>
-              </a:srgbClr>
-            </a:solidFill>
-          </p:spPr>
-          <p:txBody>
-            <a:bodyPr/>
-            <a:lstStyle/>
-            <a:p/>
-          </p:txBody>
-        </p:sp>
-        <p:sp>
-          <p:nvSpPr>
-            <p:cNvPr id="78" name="rc78"/>
-            <p:cNvSpPr/>
-            <p:nvPr/>
-          </p:nvSpPr>
-          <p:spPr>
-            <a:xfrm>
-              <a:off x="3077212" y="3460735"/>
-              <a:ext cx="189509" cy="246608"/>
-            </a:xfrm>
-            <a:prstGeom prst="rect">
-              <a:avLst/>
-            </a:prstGeom>
-            <a:solidFill>
-              <a:srgbClr val="F44336">
-                <a:alpha val="100000"/>
-              </a:srgbClr>
-            </a:solidFill>
-          </p:spPr>
-          <p:txBody>
-            <a:bodyPr/>
-            <a:lstStyle/>
-            <a:p/>
-          </p:txBody>
-        </p:sp>
-        <p:sp>
-          <p:nvSpPr>
-            <p:cNvPr id="79" name="rc79"/>
-            <p:cNvSpPr/>
-            <p:nvPr/>
-          </p:nvSpPr>
-          <p:spPr>
-            <a:xfrm>
-              <a:off x="7094810" y="3186726"/>
-              <a:ext cx="1516074" cy="246608"/>
-            </a:xfrm>
-            <a:prstGeom prst="rect">
-              <a:avLst/>
-            </a:prstGeom>
-            <a:solidFill>
-              <a:srgbClr val="2196F3">
-                <a:alpha val="100000"/>
-              </a:srgbClr>
-            </a:solidFill>
-          </p:spPr>
-          <p:txBody>
-            <a:bodyPr/>
-            <a:lstStyle/>
-            <a:p/>
-          </p:txBody>
-        </p:sp>
-        <p:sp>
-          <p:nvSpPr>
-            <p:cNvPr id="80" name="rc80"/>
-            <p:cNvSpPr/>
-            <p:nvPr/>
-          </p:nvSpPr>
-          <p:spPr>
-            <a:xfrm>
-              <a:off x="6639987" y="3186726"/>
-              <a:ext cx="454822" cy="246608"/>
-            </a:xfrm>
-            <a:prstGeom prst="rect">
-              <a:avLst/>
-            </a:prstGeom>
-            <a:solidFill>
-              <a:srgbClr val="43AA70">
-                <a:alpha val="100000"/>
-              </a:srgbClr>
-            </a:solidFill>
-          </p:spPr>
-          <p:txBody>
-            <a:bodyPr/>
-            <a:lstStyle/>
-            <a:p/>
-          </p:txBody>
-        </p:sp>
-        <p:sp>
-          <p:nvSpPr>
-            <p:cNvPr id="81" name="rc81"/>
-            <p:cNvSpPr/>
-            <p:nvPr/>
-          </p:nvSpPr>
-          <p:spPr>
-            <a:xfrm>
-              <a:off x="5768244" y="3186726"/>
-              <a:ext cx="871742" cy="246608"/>
-            </a:xfrm>
-            <a:prstGeom prst="rect">
-              <a:avLst/>
-            </a:prstGeom>
-            <a:solidFill>
-              <a:srgbClr val="B7B924">
-                <a:alpha val="100000"/>
-              </a:srgbClr>
-            </a:solidFill>
-          </p:spPr>
-          <p:txBody>
-            <a:bodyPr/>
-            <a:lstStyle/>
-            <a:p/>
-          </p:txBody>
-        </p:sp>
-        <p:sp>
-          <p:nvSpPr>
-            <p:cNvPr id="82" name="rc82"/>
-            <p:cNvSpPr/>
-            <p:nvPr/>
-          </p:nvSpPr>
-          <p:spPr>
-            <a:xfrm>
-              <a:off x="4858600" y="3186726"/>
-              <a:ext cx="909644" cy="246608"/>
-            </a:xfrm>
-            <a:prstGeom prst="rect">
-              <a:avLst/>
-            </a:prstGeom>
-            <a:solidFill>
-              <a:srgbClr val="D7834A">
-                <a:alpha val="100000"/>
-              </a:srgbClr>
-            </a:solidFill>
-          </p:spPr>
-          <p:txBody>
-            <a:bodyPr/>
-            <a:lstStyle/>
-            <a:p/>
-          </p:txBody>
-        </p:sp>
-        <p:sp>
-          <p:nvSpPr>
-            <p:cNvPr id="83" name="rc83"/>
-            <p:cNvSpPr/>
-            <p:nvPr/>
-          </p:nvSpPr>
-          <p:spPr>
-            <a:xfrm>
-              <a:off x="3797347" y="3186726"/>
-              <a:ext cx="1061252" cy="246608"/>
-            </a:xfrm>
-            <a:prstGeom prst="rect">
-              <a:avLst/>
-            </a:prstGeom>
-            <a:solidFill>
-              <a:srgbClr val="AD2C97">
-                <a:alpha val="100000"/>
-              </a:srgbClr>
-            </a:solidFill>
-          </p:spPr>
-          <p:txBody>
-            <a:bodyPr/>
-            <a:lstStyle/>
-            <a:p/>
-          </p:txBody>
-        </p:sp>
-        <p:sp>
-          <p:nvSpPr>
-            <p:cNvPr id="84" name="rc84"/>
-            <p:cNvSpPr/>
-            <p:nvPr/>
-          </p:nvSpPr>
-          <p:spPr>
-            <a:xfrm>
-              <a:off x="3077212" y="3186726"/>
-              <a:ext cx="720135" cy="246608"/>
-            </a:xfrm>
-            <a:prstGeom prst="rect">
-              <a:avLst/>
-            </a:prstGeom>
-            <a:solidFill>
-              <a:srgbClr val="F44336">
-                <a:alpha val="100000"/>
-              </a:srgbClr>
-            </a:solidFill>
-          </p:spPr>
-          <p:txBody>
-            <a:bodyPr/>
-            <a:lstStyle/>
-            <a:p/>
-          </p:txBody>
-        </p:sp>
-        <p:sp>
-          <p:nvSpPr>
-            <p:cNvPr id="85" name="rc85"/>
-            <p:cNvSpPr/>
-            <p:nvPr/>
-          </p:nvSpPr>
-          <p:spPr>
-            <a:xfrm>
-              <a:off x="7739141" y="2912716"/>
-              <a:ext cx="871742" cy="246608"/>
-            </a:xfrm>
-            <a:prstGeom prst="rect">
-              <a:avLst/>
-            </a:prstGeom>
-            <a:solidFill>
-              <a:srgbClr val="2196F3">
-                <a:alpha val="100000"/>
-              </a:srgbClr>
-            </a:solidFill>
-          </p:spPr>
-          <p:txBody>
-            <a:bodyPr/>
-            <a:lstStyle/>
-            <a:p/>
-          </p:txBody>
-        </p:sp>
-        <p:sp>
-          <p:nvSpPr>
-            <p:cNvPr id="86" name="rc86"/>
-            <p:cNvSpPr/>
-            <p:nvPr/>
-          </p:nvSpPr>
-          <p:spPr>
-            <a:xfrm>
-              <a:off x="7435926" y="2912716"/>
-              <a:ext cx="303214" cy="246608"/>
-            </a:xfrm>
-            <a:prstGeom prst="rect">
-              <a:avLst/>
-            </a:prstGeom>
-            <a:solidFill>
-              <a:srgbClr val="43AA70">
-                <a:alpha val="100000"/>
-              </a:srgbClr>
-            </a:solidFill>
-          </p:spPr>
-          <p:txBody>
-            <a:bodyPr/>
-            <a:lstStyle/>
-            <a:p/>
-          </p:txBody>
-        </p:sp>
-        <p:sp>
-          <p:nvSpPr>
-            <p:cNvPr id="87" name="rc87"/>
-            <p:cNvSpPr/>
-            <p:nvPr/>
-          </p:nvSpPr>
-          <p:spPr>
-            <a:xfrm>
-              <a:off x="6867398" y="2912716"/>
-              <a:ext cx="568527" cy="246608"/>
-            </a:xfrm>
-            <a:prstGeom prst="rect">
-              <a:avLst/>
-            </a:prstGeom>
-            <a:solidFill>
-              <a:srgbClr val="B7B924">
-                <a:alpha val="100000"/>
-              </a:srgbClr>
-            </a:solidFill>
-          </p:spPr>
-          <p:txBody>
-            <a:bodyPr/>
-            <a:lstStyle/>
-            <a:p/>
-          </p:txBody>
-        </p:sp>
-        <p:sp>
-          <p:nvSpPr>
-            <p:cNvPr id="88" name="rc88"/>
-            <p:cNvSpPr/>
-            <p:nvPr/>
-          </p:nvSpPr>
-          <p:spPr>
-            <a:xfrm>
-              <a:off x="5237618" y="2912716"/>
-              <a:ext cx="1629780" cy="246608"/>
-            </a:xfrm>
-            <a:prstGeom prst="rect">
-              <a:avLst/>
-            </a:prstGeom>
-            <a:solidFill>
-              <a:srgbClr val="D7834A">
-                <a:alpha val="100000"/>
-              </a:srgbClr>
-            </a:solidFill>
-          </p:spPr>
-          <p:txBody>
-            <a:bodyPr/>
-            <a:lstStyle/>
-            <a:p/>
-          </p:txBody>
-        </p:sp>
-        <p:sp>
-          <p:nvSpPr>
-            <p:cNvPr id="89" name="rc89"/>
-            <p:cNvSpPr/>
-            <p:nvPr/>
-          </p:nvSpPr>
-          <p:spPr>
-            <a:xfrm>
-              <a:off x="3873151" y="2912716"/>
-              <a:ext cx="1364467" cy="246608"/>
-            </a:xfrm>
-            <a:prstGeom prst="rect">
-              <a:avLst/>
-            </a:prstGeom>
-            <a:solidFill>
-              <a:srgbClr val="AD2C97">
-                <a:alpha val="100000"/>
-              </a:srgbClr>
-            </a:solidFill>
-          </p:spPr>
-          <p:txBody>
-            <a:bodyPr/>
-            <a:lstStyle/>
-            <a:p/>
-          </p:txBody>
-        </p:sp>
-        <p:sp>
-          <p:nvSpPr>
-            <p:cNvPr id="90" name="rc90"/>
-            <p:cNvSpPr/>
-            <p:nvPr/>
-          </p:nvSpPr>
-          <p:spPr>
-            <a:xfrm>
-              <a:off x="3077212" y="2912716"/>
-              <a:ext cx="795939" cy="246608"/>
-            </a:xfrm>
-            <a:prstGeom prst="rect">
-              <a:avLst/>
-            </a:prstGeom>
-            <a:solidFill>
-              <a:srgbClr val="F44336">
-                <a:alpha val="100000"/>
-              </a:srgbClr>
-            </a:solidFill>
-          </p:spPr>
-          <p:txBody>
-            <a:bodyPr/>
-            <a:lstStyle/>
-            <a:p/>
-          </p:txBody>
-        </p:sp>
-        <p:sp>
-          <p:nvSpPr>
-            <p:cNvPr id="91" name="rc91"/>
-            <p:cNvSpPr/>
-            <p:nvPr/>
-          </p:nvSpPr>
-          <p:spPr>
-            <a:xfrm>
-              <a:off x="7473828" y="2638707"/>
-              <a:ext cx="1137055" cy="246608"/>
-            </a:xfrm>
-            <a:prstGeom prst="rect">
-              <a:avLst/>
-            </a:prstGeom>
-            <a:solidFill>
-              <a:srgbClr val="2196F3">
-                <a:alpha val="100000"/>
-              </a:srgbClr>
-            </a:solidFill>
-          </p:spPr>
-          <p:txBody>
-            <a:bodyPr/>
-            <a:lstStyle/>
-            <a:p/>
-          </p:txBody>
-        </p:sp>
-        <p:sp>
-          <p:nvSpPr>
-            <p:cNvPr id="92" name="rc92"/>
-            <p:cNvSpPr/>
-            <p:nvPr/>
-          </p:nvSpPr>
-          <p:spPr>
-            <a:xfrm>
-              <a:off x="6488380" y="2638707"/>
-              <a:ext cx="985448" cy="246608"/>
-            </a:xfrm>
-            <a:prstGeom prst="rect">
-              <a:avLst/>
-            </a:prstGeom>
-            <a:solidFill>
-              <a:srgbClr val="43AA70">
-                <a:alpha val="100000"/>
-              </a:srgbClr>
-            </a:solidFill>
-          </p:spPr>
-          <p:txBody>
-            <a:bodyPr/>
-            <a:lstStyle/>
-            <a:p/>
-          </p:txBody>
-        </p:sp>
-        <p:sp>
-          <p:nvSpPr>
-            <p:cNvPr id="93" name="rc93"/>
-            <p:cNvSpPr/>
-            <p:nvPr/>
-          </p:nvSpPr>
-          <p:spPr>
-            <a:xfrm>
-              <a:off x="5540833" y="2638707"/>
-              <a:ext cx="947546" cy="246608"/>
-            </a:xfrm>
-            <a:prstGeom prst="rect">
-              <a:avLst/>
-            </a:prstGeom>
-            <a:solidFill>
-              <a:srgbClr val="B7B924">
-                <a:alpha val="100000"/>
-              </a:srgbClr>
-            </a:solidFill>
-          </p:spPr>
-          <p:txBody>
-            <a:bodyPr/>
-            <a:lstStyle/>
-            <a:p/>
-          </p:txBody>
-        </p:sp>
-        <p:sp>
-          <p:nvSpPr>
-            <p:cNvPr id="94" name="rc94"/>
-            <p:cNvSpPr/>
-            <p:nvPr/>
-          </p:nvSpPr>
-          <p:spPr>
-            <a:xfrm>
-              <a:off x="4365875" y="2638707"/>
-              <a:ext cx="1174957" cy="246608"/>
-            </a:xfrm>
-            <a:prstGeom prst="rect">
-              <a:avLst/>
-            </a:prstGeom>
-            <a:solidFill>
-              <a:srgbClr val="D7834A">
-                <a:alpha val="100000"/>
-              </a:srgbClr>
-            </a:solidFill>
-          </p:spPr>
-          <p:txBody>
-            <a:bodyPr/>
-            <a:lstStyle/>
-            <a:p/>
-          </p:txBody>
-        </p:sp>
-        <p:sp>
-          <p:nvSpPr>
-            <p:cNvPr id="95" name="rc95"/>
-            <p:cNvSpPr/>
-            <p:nvPr/>
-          </p:nvSpPr>
-          <p:spPr>
-            <a:xfrm>
-              <a:off x="3645740" y="2638707"/>
-              <a:ext cx="720135" cy="246608"/>
-            </a:xfrm>
-            <a:prstGeom prst="rect">
-              <a:avLst/>
-            </a:prstGeom>
-            <a:solidFill>
-              <a:srgbClr val="AD2C97">
-                <a:alpha val="100000"/>
-              </a:srgbClr>
-            </a:solidFill>
-          </p:spPr>
-          <p:txBody>
-            <a:bodyPr/>
-            <a:lstStyle/>
-            <a:p/>
-          </p:txBody>
-        </p:sp>
-        <p:sp>
-          <p:nvSpPr>
-            <p:cNvPr id="96" name="rc96"/>
-            <p:cNvSpPr/>
-            <p:nvPr/>
-          </p:nvSpPr>
-          <p:spPr>
-            <a:xfrm>
-              <a:off x="3077212" y="2638707"/>
-              <a:ext cx="568527" cy="246608"/>
-            </a:xfrm>
-            <a:prstGeom prst="rect">
-              <a:avLst/>
-            </a:prstGeom>
-            <a:solidFill>
-              <a:srgbClr val="F44336">
-                <a:alpha val="100000"/>
-              </a:srgbClr>
-            </a:solidFill>
-          </p:spPr>
-          <p:txBody>
-            <a:bodyPr/>
-            <a:lstStyle/>
-            <a:p/>
-          </p:txBody>
-        </p:sp>
-        <p:sp>
-          <p:nvSpPr>
-            <p:cNvPr id="97" name="rc97"/>
-            <p:cNvSpPr/>
-            <p:nvPr/>
-          </p:nvSpPr>
-          <p:spPr>
-            <a:xfrm>
-              <a:off x="8383473" y="2364698"/>
-              <a:ext cx="227411" cy="246608"/>
-            </a:xfrm>
-            <a:prstGeom prst="rect">
-              <a:avLst/>
-            </a:prstGeom>
-            <a:solidFill>
-              <a:srgbClr val="2196F3">
-                <a:alpha val="100000"/>
-              </a:srgbClr>
-            </a:solidFill>
-          </p:spPr>
-          <p:txBody>
-            <a:bodyPr/>
-            <a:lstStyle/>
-            <a:p/>
-          </p:txBody>
-        </p:sp>
-        <p:sp>
-          <p:nvSpPr>
-            <p:cNvPr id="98" name="rc98"/>
-            <p:cNvSpPr/>
-            <p:nvPr/>
-          </p:nvSpPr>
-          <p:spPr>
-            <a:xfrm>
-              <a:off x="7511730" y="2364698"/>
-              <a:ext cx="871742" cy="246608"/>
-            </a:xfrm>
-            <a:prstGeom prst="rect">
-              <a:avLst/>
-            </a:prstGeom>
-            <a:solidFill>
-              <a:srgbClr val="43AA70">
-                <a:alpha val="100000"/>
-              </a:srgbClr>
-            </a:solidFill>
-          </p:spPr>
-          <p:txBody>
-            <a:bodyPr/>
-            <a:lstStyle/>
-            <a:p/>
-          </p:txBody>
-        </p:sp>
-        <p:sp>
-          <p:nvSpPr>
-            <p:cNvPr id="99" name="rc99"/>
-            <p:cNvSpPr/>
-            <p:nvPr/>
-          </p:nvSpPr>
-          <p:spPr>
-            <a:xfrm>
-              <a:off x="6336772" y="2364698"/>
-              <a:ext cx="1174957" cy="246608"/>
-            </a:xfrm>
-            <a:prstGeom prst="rect">
-              <a:avLst/>
-            </a:prstGeom>
-            <a:solidFill>
-              <a:srgbClr val="B7B924">
-                <a:alpha val="100000"/>
-              </a:srgbClr>
-            </a:solidFill>
-          </p:spPr>
-          <p:txBody>
-            <a:bodyPr/>
-            <a:lstStyle/>
-            <a:p/>
-          </p:txBody>
-        </p:sp>
-        <p:sp>
-          <p:nvSpPr>
-            <p:cNvPr id="100" name="rc100"/>
-            <p:cNvSpPr/>
-            <p:nvPr/>
-          </p:nvSpPr>
-          <p:spPr>
-            <a:xfrm>
-              <a:off x="4896501" y="2364698"/>
-              <a:ext cx="1440270" cy="246608"/>
-            </a:xfrm>
-            <a:prstGeom prst="rect">
-              <a:avLst/>
-            </a:prstGeom>
-            <a:solidFill>
-              <a:srgbClr val="D7834A">
-                <a:alpha val="100000"/>
-              </a:srgbClr>
-            </a:solidFill>
-          </p:spPr>
-          <p:txBody>
-            <a:bodyPr/>
-            <a:lstStyle/>
-            <a:p/>
-          </p:txBody>
-        </p:sp>
-        <p:sp>
-          <p:nvSpPr>
-            <p:cNvPr id="101" name="rc101"/>
-            <p:cNvSpPr/>
-            <p:nvPr/>
-          </p:nvSpPr>
-          <p:spPr>
-            <a:xfrm>
-              <a:off x="3304623" y="2364698"/>
-              <a:ext cx="1591878" cy="246608"/>
-            </a:xfrm>
-            <a:prstGeom prst="rect">
-              <a:avLst/>
-            </a:prstGeom>
-            <a:solidFill>
-              <a:srgbClr val="AD2C97">
-                <a:alpha val="100000"/>
-              </a:srgbClr>
-            </a:solidFill>
-          </p:spPr>
-          <p:txBody>
-            <a:bodyPr/>
-            <a:lstStyle/>
-            <a:p/>
-          </p:txBody>
-        </p:sp>
-        <p:sp>
-          <p:nvSpPr>
-            <p:cNvPr id="102" name="rc102"/>
-            <p:cNvSpPr/>
-            <p:nvPr/>
-          </p:nvSpPr>
-          <p:spPr>
-            <a:xfrm>
-              <a:off x="3077212" y="2364698"/>
-              <a:ext cx="227411" cy="246608"/>
-            </a:xfrm>
-            <a:prstGeom prst="rect">
-              <a:avLst/>
-            </a:prstGeom>
-            <a:solidFill>
-              <a:srgbClr val="F44336">
-                <a:alpha val="100000"/>
-              </a:srgbClr>
-            </a:solidFill>
-          </p:spPr>
-          <p:txBody>
-            <a:bodyPr/>
-            <a:lstStyle/>
-            <a:p/>
-          </p:txBody>
-        </p:sp>
-        <p:sp>
-          <p:nvSpPr>
-            <p:cNvPr id="103" name="rc103"/>
-            <p:cNvSpPr/>
-            <p:nvPr/>
-          </p:nvSpPr>
-          <p:spPr>
-            <a:xfrm>
-              <a:off x="8307669" y="2090689"/>
-              <a:ext cx="303214" cy="246608"/>
-            </a:xfrm>
-            <a:prstGeom prst="rect">
-              <a:avLst/>
-            </a:prstGeom>
-            <a:solidFill>
-              <a:srgbClr val="2196F3">
-                <a:alpha val="100000"/>
-              </a:srgbClr>
-            </a:solidFill>
-          </p:spPr>
-          <p:txBody>
-            <a:bodyPr/>
-            <a:lstStyle/>
-            <a:p/>
-          </p:txBody>
-        </p:sp>
-        <p:sp>
-          <p:nvSpPr>
-            <p:cNvPr id="104" name="rc104"/>
-            <p:cNvSpPr/>
-            <p:nvPr/>
-          </p:nvSpPr>
-          <p:spPr>
-            <a:xfrm>
-              <a:off x="7814945" y="2090689"/>
-              <a:ext cx="492724" cy="246608"/>
-            </a:xfrm>
-            <a:prstGeom prst="rect">
-              <a:avLst/>
-            </a:prstGeom>
-            <a:solidFill>
-              <a:srgbClr val="43AA70">
-                <a:alpha val="100000"/>
-              </a:srgbClr>
-            </a:solidFill>
-          </p:spPr>
-          <p:txBody>
-            <a:bodyPr/>
-            <a:lstStyle/>
-            <a:p/>
-          </p:txBody>
-        </p:sp>
-        <p:sp>
-          <p:nvSpPr>
-            <p:cNvPr id="105" name="rc105"/>
-            <p:cNvSpPr/>
-            <p:nvPr/>
-          </p:nvSpPr>
-          <p:spPr>
-            <a:xfrm>
-              <a:off x="6829497" y="2090689"/>
-              <a:ext cx="985448" cy="246608"/>
-            </a:xfrm>
-            <a:prstGeom prst="rect">
-              <a:avLst/>
-            </a:prstGeom>
-            <a:solidFill>
-              <a:srgbClr val="B7B924">
-                <a:alpha val="100000"/>
-              </a:srgbClr>
-            </a:solidFill>
-          </p:spPr>
-          <p:txBody>
-            <a:bodyPr/>
-            <a:lstStyle/>
-            <a:p/>
-          </p:txBody>
-        </p:sp>
-        <p:sp>
-          <p:nvSpPr>
-            <p:cNvPr id="106" name="rc106"/>
-            <p:cNvSpPr/>
-            <p:nvPr/>
-          </p:nvSpPr>
-          <p:spPr>
-            <a:xfrm>
-              <a:off x="4896501" y="2090689"/>
-              <a:ext cx="1932995" cy="246608"/>
-            </a:xfrm>
-            <a:prstGeom prst="rect">
-              <a:avLst/>
-            </a:prstGeom>
-            <a:solidFill>
-              <a:srgbClr val="D7834A">
-                <a:alpha val="100000"/>
-              </a:srgbClr>
-            </a:solidFill>
-          </p:spPr>
-          <p:txBody>
-            <a:bodyPr/>
-            <a:lstStyle/>
-            <a:p/>
-          </p:txBody>
-        </p:sp>
-        <p:sp>
-          <p:nvSpPr>
-            <p:cNvPr id="107" name="rc107"/>
-            <p:cNvSpPr/>
-            <p:nvPr/>
-          </p:nvSpPr>
-          <p:spPr>
-            <a:xfrm>
-              <a:off x="3304623" y="2090689"/>
-              <a:ext cx="1591878" cy="246608"/>
-            </a:xfrm>
-            <a:prstGeom prst="rect">
-              <a:avLst/>
-            </a:prstGeom>
-            <a:solidFill>
-              <a:srgbClr val="AD2C97">
-                <a:alpha val="100000"/>
-              </a:srgbClr>
-            </a:solidFill>
-          </p:spPr>
-          <p:txBody>
-            <a:bodyPr/>
-            <a:lstStyle/>
-            <a:p/>
-          </p:txBody>
-        </p:sp>
-        <p:sp>
-          <p:nvSpPr>
-            <p:cNvPr id="108" name="rc108"/>
-            <p:cNvSpPr/>
-            <p:nvPr/>
-          </p:nvSpPr>
-          <p:spPr>
-            <a:xfrm>
-              <a:off x="3077212" y="2090689"/>
-              <a:ext cx="227411" cy="246608"/>
             </a:xfrm>
             <a:prstGeom prst="rect">
               <a:avLst/>
@@ -5296,7 +5296,697 @@
           </p:nvSpPr>
           <p:spPr>
             <a:xfrm>
-              <a:off x="1438220" y="5178853"/>
+              <a:off x="1111776" y="5083885"/>
+              <a:ext cx="1894943" cy="120423"/>
+            </a:xfrm>
+            <a:prstGeom prst="rect">
+              <a:avLst/>
+            </a:prstGeom>
+            <a:noFill/>
+          </p:spPr>
+          <p:txBody>
+            <a:bodyPr lIns="0" rIns="0" tIns="0" bIns="0" anchorCtr="1" anchor="ctr" wrap="none"/>
+            <a:lstStyle/>
+            <a:p>
+              <a:pPr algn="l" marL="0" marR="0" indent="0">
+                <a:lnSpc>
+                  <a:spcPts val="1028"/>
+                </a:lnSpc>
+                <a:spcBef>
+                  <a:spcPts val="0"/>
+                </a:spcBef>
+                <a:spcAft>
+                  <a:spcPts val="0"/>
+                </a:spcAft>
+              </a:pPr>
+              <a:r>
+                <a:rPr sz="1028">
+                  <a:solidFill>
+                    <a:srgbClr val="000000">
+                      <a:alpha val="100000"/>
+                    </a:srgbClr>
+                  </a:solidFill>
+                  <a:latin typeface="Arial"/>
+                  <a:cs typeface="Arial"/>
+                </a:rPr>
+                <a:t>L’impact sur votre vie sexuelle et</a:t>
+              </a:r>
+            </a:p>
+          </p:txBody>
+        </p:sp>
+        <p:sp>
+          <p:nvSpPr>
+            <p:cNvPr id="111" name="tx111"/>
+            <p:cNvSpPr/>
+            <p:nvPr/>
+          </p:nvSpPr>
+          <p:spPr>
+            <a:xfrm>
+              <a:off x="2287879" y="5225920"/>
+              <a:ext cx="718839" cy="119466"/>
+            </a:xfrm>
+            <a:prstGeom prst="rect">
+              <a:avLst/>
+            </a:prstGeom>
+            <a:noFill/>
+          </p:spPr>
+          <p:txBody>
+            <a:bodyPr lIns="0" rIns="0" tIns="0" bIns="0" anchorCtr="1" anchor="ctr" wrap="none"/>
+            <a:lstStyle/>
+            <a:p>
+              <a:pPr algn="l" marL="0" marR="0" indent="0">
+                <a:lnSpc>
+                  <a:spcPts val="1028"/>
+                </a:lnSpc>
+                <a:spcBef>
+                  <a:spcPts val="0"/>
+                </a:spcBef>
+                <a:spcAft>
+                  <a:spcPts val="0"/>
+                </a:spcAft>
+              </a:pPr>
+              <a:r>
+                <a:rPr sz="1028">
+                  <a:solidFill>
+                    <a:srgbClr val="000000">
+                      <a:alpha val="100000"/>
+                    </a:srgbClr>
+                  </a:solidFill>
+                  <a:latin typeface="Arial"/>
+                  <a:cs typeface="Arial"/>
+                </a:rPr>
+                <a:t>reproductive</a:t>
+              </a:r>
+            </a:p>
+          </p:txBody>
+        </p:sp>
+        <p:sp>
+          <p:nvSpPr>
+            <p:cNvPr id="112" name="tx112"/>
+            <p:cNvSpPr/>
+            <p:nvPr/>
+          </p:nvSpPr>
+          <p:spPr>
+            <a:xfrm>
+              <a:off x="1031983" y="4809876"/>
+              <a:ext cx="1974736" cy="120423"/>
+            </a:xfrm>
+            <a:prstGeom prst="rect">
+              <a:avLst/>
+            </a:prstGeom>
+            <a:noFill/>
+          </p:spPr>
+          <p:txBody>
+            <a:bodyPr lIns="0" rIns="0" tIns="0" bIns="0" anchorCtr="1" anchor="ctr" wrap="none"/>
+            <a:lstStyle/>
+            <a:p>
+              <a:pPr algn="l" marL="0" marR="0" indent="0">
+                <a:lnSpc>
+                  <a:spcPts val="1028"/>
+                </a:lnSpc>
+                <a:spcBef>
+                  <a:spcPts val="0"/>
+                </a:spcBef>
+                <a:spcAft>
+                  <a:spcPts val="0"/>
+                </a:spcAft>
+              </a:pPr>
+              <a:r>
+                <a:rPr sz="1028">
+                  <a:solidFill>
+                    <a:srgbClr val="000000">
+                      <a:alpha val="100000"/>
+                    </a:srgbClr>
+                  </a:solidFill>
+                  <a:latin typeface="Arial"/>
+                  <a:cs typeface="Arial"/>
+                </a:rPr>
+                <a:t>L’impact sur votre scolarité ou vos</a:t>
+              </a:r>
+            </a:p>
+          </p:txBody>
+        </p:sp>
+        <p:sp>
+          <p:nvSpPr>
+            <p:cNvPr id="113" name="tx113"/>
+            <p:cNvSpPr/>
+            <p:nvPr/>
+          </p:nvSpPr>
+          <p:spPr>
+            <a:xfrm>
+              <a:off x="2614515" y="4975830"/>
+              <a:ext cx="392204" cy="95547"/>
+            </a:xfrm>
+            <a:prstGeom prst="rect">
+              <a:avLst/>
+            </a:prstGeom>
+            <a:noFill/>
+          </p:spPr>
+          <p:txBody>
+            <a:bodyPr lIns="0" rIns="0" tIns="0" bIns="0" anchorCtr="1" anchor="ctr" wrap="none"/>
+            <a:lstStyle/>
+            <a:p>
+              <a:pPr algn="l" marL="0" marR="0" indent="0">
+                <a:lnSpc>
+                  <a:spcPts val="1028"/>
+                </a:lnSpc>
+                <a:spcBef>
+                  <a:spcPts val="0"/>
+                </a:spcBef>
+                <a:spcAft>
+                  <a:spcPts val="0"/>
+                </a:spcAft>
+              </a:pPr>
+              <a:r>
+                <a:rPr sz="1028">
+                  <a:solidFill>
+                    <a:srgbClr val="000000">
+                      <a:alpha val="100000"/>
+                    </a:srgbClr>
+                  </a:solidFill>
+                  <a:latin typeface="Arial"/>
+                  <a:cs typeface="Arial"/>
+                </a:rPr>
+                <a:t>études</a:t>
+              </a:r>
+            </a:p>
+          </p:txBody>
+        </p:sp>
+        <p:sp>
+          <p:nvSpPr>
+            <p:cNvPr id="114" name="tx114"/>
+            <p:cNvSpPr/>
+            <p:nvPr/>
+          </p:nvSpPr>
+          <p:spPr>
+            <a:xfrm>
+              <a:off x="1329532" y="4606406"/>
+              <a:ext cx="1677186" cy="120423"/>
+            </a:xfrm>
+            <a:prstGeom prst="rect">
+              <a:avLst/>
+            </a:prstGeom>
+            <a:noFill/>
+          </p:spPr>
+          <p:txBody>
+            <a:bodyPr lIns="0" rIns="0" tIns="0" bIns="0" anchorCtr="1" anchor="ctr" wrap="none"/>
+            <a:lstStyle/>
+            <a:p>
+              <a:pPr algn="l" marL="0" marR="0" indent="0">
+                <a:lnSpc>
+                  <a:spcPts val="1028"/>
+                </a:lnSpc>
+                <a:spcBef>
+                  <a:spcPts val="0"/>
+                </a:spcBef>
+                <a:spcAft>
+                  <a:spcPts val="0"/>
+                </a:spcAft>
+              </a:pPr>
+              <a:r>
+                <a:rPr sz="1028">
+                  <a:solidFill>
+                    <a:srgbClr val="000000">
+                      <a:alpha val="100000"/>
+                    </a:srgbClr>
+                  </a:solidFill>
+                  <a:latin typeface="Arial"/>
+                  <a:cs typeface="Arial"/>
+                </a:rPr>
+                <a:t>L’impact sur votre autonomie</a:t>
+              </a:r>
+            </a:p>
+          </p:txBody>
+        </p:sp>
+        <p:sp>
+          <p:nvSpPr>
+            <p:cNvPr id="115" name="tx115"/>
+            <p:cNvSpPr/>
+            <p:nvPr/>
+          </p:nvSpPr>
+          <p:spPr>
+            <a:xfrm>
+              <a:off x="1510805" y="4332843"/>
+              <a:ext cx="1495914" cy="119976"/>
+            </a:xfrm>
+            <a:prstGeom prst="rect">
+              <a:avLst/>
+            </a:prstGeom>
+            <a:noFill/>
+          </p:spPr>
+          <p:txBody>
+            <a:bodyPr lIns="0" rIns="0" tIns="0" bIns="0" anchorCtr="1" anchor="ctr" wrap="none"/>
+            <a:lstStyle/>
+            <a:p>
+              <a:pPr algn="l" marL="0" marR="0" indent="0">
+                <a:lnSpc>
+                  <a:spcPts val="1028"/>
+                </a:lnSpc>
+                <a:spcBef>
+                  <a:spcPts val="0"/>
+                </a:spcBef>
+                <a:spcAft>
+                  <a:spcPts val="0"/>
+                </a:spcAft>
+              </a:pPr>
+              <a:r>
+                <a:rPr sz="1028">
+                  <a:solidFill>
+                    <a:srgbClr val="000000">
+                      <a:alpha val="100000"/>
+                    </a:srgbClr>
+                  </a:solidFill>
+                  <a:latin typeface="Arial"/>
+                  <a:cs typeface="Arial"/>
+                </a:rPr>
+                <a:t>La pénibilité du traitement</a:t>
+              </a:r>
+            </a:p>
+          </p:txBody>
+        </p:sp>
+        <p:sp>
+          <p:nvSpPr>
+            <p:cNvPr id="116" name="tx116"/>
+            <p:cNvSpPr/>
+            <p:nvPr/>
+          </p:nvSpPr>
+          <p:spPr>
+            <a:xfrm>
+              <a:off x="1213319" y="4058387"/>
+              <a:ext cx="1793400" cy="120423"/>
+            </a:xfrm>
+            <a:prstGeom prst="rect">
+              <a:avLst/>
+            </a:prstGeom>
+            <a:noFill/>
+          </p:spPr>
+          <p:txBody>
+            <a:bodyPr lIns="0" rIns="0" tIns="0" bIns="0" anchorCtr="1" anchor="ctr" wrap="none"/>
+            <a:lstStyle/>
+            <a:p>
+              <a:pPr algn="l" marL="0" marR="0" indent="0">
+                <a:lnSpc>
+                  <a:spcPts val="1028"/>
+                </a:lnSpc>
+                <a:spcBef>
+                  <a:spcPts val="0"/>
+                </a:spcBef>
+                <a:spcAft>
+                  <a:spcPts val="0"/>
+                </a:spcAft>
+              </a:pPr>
+              <a:r>
+                <a:rPr sz="1028">
+                  <a:solidFill>
+                    <a:srgbClr val="000000">
+                      <a:alpha val="100000"/>
+                    </a:srgbClr>
+                  </a:solidFill>
+                  <a:latin typeface="Arial"/>
+                  <a:cs typeface="Arial"/>
+                </a:rPr>
+                <a:t>L’impact sur l’espérance de vie</a:t>
+              </a:r>
+            </a:p>
+          </p:txBody>
+        </p:sp>
+        <p:sp>
+          <p:nvSpPr>
+            <p:cNvPr id="117" name="tx117"/>
+            <p:cNvSpPr/>
+            <p:nvPr/>
+          </p:nvSpPr>
+          <p:spPr>
+            <a:xfrm>
+              <a:off x="1060813" y="3782847"/>
+              <a:ext cx="1945906" cy="121954"/>
+            </a:xfrm>
+            <a:prstGeom prst="rect">
+              <a:avLst/>
+            </a:prstGeom>
+            <a:noFill/>
+          </p:spPr>
+          <p:txBody>
+            <a:bodyPr lIns="0" rIns="0" tIns="0" bIns="0" anchorCtr="1" anchor="ctr" wrap="none"/>
+            <a:lstStyle/>
+            <a:p>
+              <a:pPr algn="l" marL="0" marR="0" indent="0">
+                <a:lnSpc>
+                  <a:spcPts val="1028"/>
+                </a:lnSpc>
+                <a:spcBef>
+                  <a:spcPts val="0"/>
+                </a:spcBef>
+                <a:spcAft>
+                  <a:spcPts val="0"/>
+                </a:spcAft>
+              </a:pPr>
+              <a:r>
+                <a:rPr sz="1028">
+                  <a:solidFill>
+                    <a:srgbClr val="000000">
+                      <a:alpha val="100000"/>
+                    </a:srgbClr>
+                  </a:solidFill>
+                  <a:latin typeface="Arial"/>
+                  <a:cs typeface="Arial"/>
+                </a:rPr>
+                <a:t>L’impact sur votre santé physique</a:t>
+              </a:r>
+            </a:p>
+          </p:txBody>
+        </p:sp>
+        <p:sp>
+          <p:nvSpPr>
+            <p:cNvPr id="118" name="tx118"/>
+            <p:cNvSpPr/>
+            <p:nvPr/>
+          </p:nvSpPr>
+          <p:spPr>
+            <a:xfrm>
+              <a:off x="813843" y="3438299"/>
+              <a:ext cx="2192876" cy="121954"/>
+            </a:xfrm>
+            <a:prstGeom prst="rect">
+              <a:avLst/>
+            </a:prstGeom>
+            <a:noFill/>
+          </p:spPr>
+          <p:txBody>
+            <a:bodyPr lIns="0" rIns="0" tIns="0" bIns="0" anchorCtr="1" anchor="ctr" wrap="none"/>
+            <a:lstStyle/>
+            <a:p>
+              <a:pPr algn="l" marL="0" marR="0" indent="0">
+                <a:lnSpc>
+                  <a:spcPts val="1028"/>
+                </a:lnSpc>
+                <a:spcBef>
+                  <a:spcPts val="0"/>
+                </a:spcBef>
+                <a:spcAft>
+                  <a:spcPts val="0"/>
+                </a:spcAft>
+              </a:pPr>
+              <a:r>
+                <a:rPr sz="1028">
+                  <a:solidFill>
+                    <a:srgbClr val="000000">
+                      <a:alpha val="100000"/>
+                    </a:srgbClr>
+                  </a:solidFill>
+                  <a:latin typeface="Arial"/>
+                  <a:cs typeface="Arial"/>
+                </a:rPr>
+                <a:t>L’impact du trouble psychotique sur la</a:t>
+              </a:r>
+            </a:p>
+          </p:txBody>
+        </p:sp>
+        <p:sp>
+          <p:nvSpPr>
+            <p:cNvPr id="119" name="tx119"/>
+            <p:cNvSpPr/>
+            <p:nvPr/>
+          </p:nvSpPr>
+          <p:spPr>
+            <a:xfrm>
+              <a:off x="1692205" y="3579824"/>
+              <a:ext cx="1314513" cy="121507"/>
+            </a:xfrm>
+            <a:prstGeom prst="rect">
+              <a:avLst/>
+            </a:prstGeom>
+            <a:noFill/>
+          </p:spPr>
+          <p:txBody>
+            <a:bodyPr lIns="0" rIns="0" tIns="0" bIns="0" anchorCtr="1" anchor="ctr" wrap="none"/>
+            <a:lstStyle/>
+            <a:p>
+              <a:pPr algn="l" marL="0" marR="0" indent="0">
+                <a:lnSpc>
+                  <a:spcPts val="1028"/>
+                </a:lnSpc>
+                <a:spcBef>
+                  <a:spcPts val="0"/>
+                </a:spcBef>
+                <a:spcAft>
+                  <a:spcPts val="0"/>
+                </a:spcAft>
+              </a:pPr>
+              <a:r>
+                <a:rPr sz="1028">
+                  <a:solidFill>
+                    <a:srgbClr val="000000">
+                      <a:alpha val="100000"/>
+                    </a:srgbClr>
+                  </a:solidFill>
+                  <a:latin typeface="Arial"/>
+                  <a:cs typeface="Arial"/>
+                </a:rPr>
+                <a:t>qualité de vie générale</a:t>
+              </a:r>
+            </a:p>
+          </p:txBody>
+        </p:sp>
+        <p:sp>
+          <p:nvSpPr>
+            <p:cNvPr id="120" name="tx120"/>
+            <p:cNvSpPr/>
+            <p:nvPr/>
+          </p:nvSpPr>
+          <p:spPr>
+            <a:xfrm>
+              <a:off x="1591109" y="3236360"/>
+              <a:ext cx="1415610" cy="120423"/>
+            </a:xfrm>
+            <a:prstGeom prst="rect">
+              <a:avLst/>
+            </a:prstGeom>
+            <a:noFill/>
+          </p:spPr>
+          <p:txBody>
+            <a:bodyPr lIns="0" rIns="0" tIns="0" bIns="0" anchorCtr="1" anchor="ctr" wrap="none"/>
+            <a:lstStyle/>
+            <a:p>
+              <a:pPr algn="l" marL="0" marR="0" indent="0">
+                <a:lnSpc>
+                  <a:spcPts val="1028"/>
+                </a:lnSpc>
+                <a:spcBef>
+                  <a:spcPts val="0"/>
+                </a:spcBef>
+                <a:spcAft>
+                  <a:spcPts val="0"/>
+                </a:spcAft>
+              </a:pPr>
+              <a:r>
+                <a:rPr sz="1028">
+                  <a:solidFill>
+                    <a:srgbClr val="000000">
+                      <a:alpha val="100000"/>
+                    </a:srgbClr>
+                  </a:solidFill>
+                  <a:latin typeface="Arial"/>
+                  <a:cs typeface="Arial"/>
+                </a:rPr>
+                <a:t>L’impact sur votre travail</a:t>
+              </a:r>
+            </a:p>
+          </p:txBody>
+        </p:sp>
+        <p:sp>
+          <p:nvSpPr>
+            <p:cNvPr id="121" name="tx121"/>
+            <p:cNvSpPr/>
+            <p:nvPr/>
+          </p:nvSpPr>
+          <p:spPr>
+            <a:xfrm>
+              <a:off x="1329660" y="2962351"/>
+              <a:ext cx="1677059" cy="120423"/>
+            </a:xfrm>
+            <a:prstGeom prst="rect">
+              <a:avLst/>
+            </a:prstGeom>
+            <a:noFill/>
+          </p:spPr>
+          <p:txBody>
+            <a:bodyPr lIns="0" rIns="0" tIns="0" bIns="0" anchorCtr="1" anchor="ctr" wrap="none"/>
+            <a:lstStyle/>
+            <a:p>
+              <a:pPr algn="l" marL="0" marR="0" indent="0">
+                <a:lnSpc>
+                  <a:spcPts val="1028"/>
+                </a:lnSpc>
+                <a:spcBef>
+                  <a:spcPts val="0"/>
+                </a:spcBef>
+                <a:spcAft>
+                  <a:spcPts val="0"/>
+                </a:spcAft>
+              </a:pPr>
+              <a:r>
+                <a:rPr sz="1028">
+                  <a:solidFill>
+                    <a:srgbClr val="000000">
+                      <a:alpha val="100000"/>
+                    </a:srgbClr>
+                  </a:solidFill>
+                  <a:latin typeface="Arial"/>
+                  <a:cs typeface="Arial"/>
+                </a:rPr>
+                <a:t>L’impact sur votre vie sociale</a:t>
+              </a:r>
+            </a:p>
+          </p:txBody>
+        </p:sp>
+        <p:sp>
+          <p:nvSpPr>
+            <p:cNvPr id="122" name="tx122"/>
+            <p:cNvSpPr/>
+            <p:nvPr/>
+          </p:nvSpPr>
+          <p:spPr>
+            <a:xfrm>
+              <a:off x="1990266" y="2687704"/>
+              <a:ext cx="1016453" cy="121061"/>
+            </a:xfrm>
+            <a:prstGeom prst="rect">
+              <a:avLst/>
+            </a:prstGeom>
+            <a:noFill/>
+          </p:spPr>
+          <p:txBody>
+            <a:bodyPr lIns="0" rIns="0" tIns="0" bIns="0" anchorCtr="1" anchor="ctr" wrap="none"/>
+            <a:lstStyle/>
+            <a:p>
+              <a:pPr algn="l" marL="0" marR="0" indent="0">
+                <a:lnSpc>
+                  <a:spcPts val="1028"/>
+                </a:lnSpc>
+                <a:spcBef>
+                  <a:spcPts val="0"/>
+                </a:spcBef>
+                <a:spcAft>
+                  <a:spcPts val="0"/>
+                </a:spcAft>
+              </a:pPr>
+              <a:r>
+                <a:rPr sz="1028">
+                  <a:solidFill>
+                    <a:srgbClr val="000000">
+                      <a:alpha val="100000"/>
+                    </a:srgbClr>
+                  </a:solidFill>
+                  <a:latin typeface="Arial"/>
+                  <a:cs typeface="Arial"/>
+                </a:rPr>
+                <a:t>L’impact financier</a:t>
+              </a:r>
+            </a:p>
+          </p:txBody>
+        </p:sp>
+        <p:sp>
+          <p:nvSpPr>
+            <p:cNvPr id="123" name="tx123"/>
+            <p:cNvSpPr/>
+            <p:nvPr/>
+          </p:nvSpPr>
+          <p:spPr>
+            <a:xfrm>
+              <a:off x="995179" y="2413248"/>
+              <a:ext cx="2011539" cy="121507"/>
+            </a:xfrm>
+            <a:prstGeom prst="rect">
+              <a:avLst/>
+            </a:prstGeom>
+            <a:noFill/>
+          </p:spPr>
+          <p:txBody>
+            <a:bodyPr lIns="0" rIns="0" tIns="0" bIns="0" anchorCtr="1" anchor="ctr" wrap="none"/>
+            <a:lstStyle/>
+            <a:p>
+              <a:pPr algn="l" marL="0" marR="0" indent="0">
+                <a:lnSpc>
+                  <a:spcPts val="1028"/>
+                </a:lnSpc>
+                <a:spcBef>
+                  <a:spcPts val="0"/>
+                </a:spcBef>
+                <a:spcAft>
+                  <a:spcPts val="0"/>
+                </a:spcAft>
+              </a:pPr>
+              <a:r>
+                <a:rPr sz="1028">
+                  <a:solidFill>
+                    <a:srgbClr val="000000">
+                      <a:alpha val="100000"/>
+                    </a:srgbClr>
+                  </a:solidFill>
+                  <a:latin typeface="Arial"/>
+                  <a:cs typeface="Arial"/>
+                </a:rPr>
+                <a:t>La qualité de votre prise en charge</a:t>
+              </a:r>
+            </a:p>
+          </p:txBody>
+        </p:sp>
+        <p:sp>
+          <p:nvSpPr>
+            <p:cNvPr id="124" name="tx124"/>
+            <p:cNvSpPr/>
+            <p:nvPr/>
+          </p:nvSpPr>
+          <p:spPr>
+            <a:xfrm>
+              <a:off x="1140542" y="2139685"/>
+              <a:ext cx="1866177" cy="121061"/>
+            </a:xfrm>
+            <a:prstGeom prst="rect">
+              <a:avLst/>
+            </a:prstGeom>
+            <a:noFill/>
+          </p:spPr>
+          <p:txBody>
+            <a:bodyPr lIns="0" rIns="0" tIns="0" bIns="0" anchorCtr="1" anchor="ctr" wrap="none"/>
+            <a:lstStyle/>
+            <a:p>
+              <a:pPr algn="l" marL="0" marR="0" indent="0">
+                <a:lnSpc>
+                  <a:spcPts val="1028"/>
+                </a:lnSpc>
+                <a:spcBef>
+                  <a:spcPts val="0"/>
+                </a:spcBef>
+                <a:spcAft>
+                  <a:spcPts val="0"/>
+                </a:spcAft>
+              </a:pPr>
+              <a:r>
+                <a:rPr sz="1028">
+                  <a:solidFill>
+                    <a:srgbClr val="000000">
+                      <a:alpha val="100000"/>
+                    </a:srgbClr>
+                  </a:solidFill>
+                  <a:latin typeface="Arial"/>
+                  <a:cs typeface="Arial"/>
+                </a:rPr>
+                <a:t>Les connaissances scientifiques</a:t>
+              </a:r>
+            </a:p>
+          </p:txBody>
+        </p:sp>
+        <p:sp>
+          <p:nvSpPr>
+            <p:cNvPr id="125" name="tx125"/>
+            <p:cNvSpPr/>
+            <p:nvPr/>
+          </p:nvSpPr>
+          <p:spPr>
+            <a:xfrm>
+              <a:off x="1438220" y="1890743"/>
               <a:ext cx="1568499" cy="95994"/>
             </a:xfrm>
             <a:prstGeom prst="rect">
@@ -5336,13 +6026,59 @@
         </p:sp>
         <p:sp>
           <p:nvSpPr>
-            <p:cNvPr id="111" name="tx111"/>
-            <p:cNvSpPr/>
-            <p:nvPr/>
-          </p:nvSpPr>
-          <p:spPr>
-            <a:xfrm>
-              <a:off x="1590853" y="4904206"/>
+            <p:cNvPr id="126" name="tx126"/>
+            <p:cNvSpPr/>
+            <p:nvPr/>
+          </p:nvSpPr>
+          <p:spPr>
+            <a:xfrm>
+              <a:off x="712236" y="1590774"/>
+              <a:ext cx="2294483" cy="121954"/>
+            </a:xfrm>
+            <a:prstGeom prst="rect">
+              <a:avLst/>
+            </a:prstGeom>
+            <a:noFill/>
+          </p:spPr>
+          <p:txBody>
+            <a:bodyPr lIns="0" rIns="0" tIns="0" bIns="0" anchorCtr="1" anchor="ctr" wrap="none"/>
+            <a:lstStyle/>
+            <a:p>
+              <a:pPr algn="l" marL="0" marR="0" indent="0">
+                <a:lnSpc>
+                  <a:spcPts val="1028"/>
+                </a:lnSpc>
+                <a:spcBef>
+                  <a:spcPts val="0"/>
+                </a:spcBef>
+                <a:spcAft>
+                  <a:spcPts val="0"/>
+                </a:spcAft>
+              </a:pPr>
+              <a:r>
+                <a:rPr sz="1028">
+                  <a:solidFill>
+                    <a:srgbClr val="000000">
+                      <a:alpha val="100000"/>
+                    </a:srgbClr>
+                  </a:solidFill>
+                  <a:latin typeface="Arial"/>
+                  <a:cs typeface="Arial"/>
+                </a:rPr>
+                <a:t>L’impact  sur votre santé psychologique</a:t>
+              </a:r>
+            </a:p>
+          </p:txBody>
+        </p:sp>
+        <p:sp>
+          <p:nvSpPr>
+            <p:cNvPr id="127" name="tx127"/>
+            <p:cNvSpPr/>
+            <p:nvPr/>
+          </p:nvSpPr>
+          <p:spPr>
+            <a:xfrm>
+              <a:off x="1590853" y="1342087"/>
               <a:ext cx="1415865" cy="96631"/>
             </a:xfrm>
             <a:prstGeom prst="rect">
@@ -5382,742 +6118,6 @@
         </p:sp>
         <p:sp>
           <p:nvSpPr>
-            <p:cNvPr id="112" name="tx112"/>
-            <p:cNvSpPr/>
-            <p:nvPr/>
-          </p:nvSpPr>
-          <p:spPr>
-            <a:xfrm>
-              <a:off x="813843" y="4534336"/>
-              <a:ext cx="2192876" cy="121954"/>
-            </a:xfrm>
-            <a:prstGeom prst="rect">
-              <a:avLst/>
-            </a:prstGeom>
-            <a:noFill/>
-          </p:spPr>
-          <p:txBody>
-            <a:bodyPr lIns="0" rIns="0" tIns="0" bIns="0" anchorCtr="1" anchor="ctr" wrap="none"/>
-            <a:lstStyle/>
-            <a:p>
-              <a:pPr algn="l" marL="0" marR="0" indent="0">
-                <a:lnSpc>
-                  <a:spcPts val="1028"/>
-                </a:lnSpc>
-                <a:spcBef>
-                  <a:spcPts val="0"/>
-                </a:spcBef>
-                <a:spcAft>
-                  <a:spcPts val="0"/>
-                </a:spcAft>
-              </a:pPr>
-              <a:r>
-                <a:rPr sz="1028">
-                  <a:solidFill>
-                    <a:srgbClr val="000000">
-                      <a:alpha val="100000"/>
-                    </a:srgbClr>
-                  </a:solidFill>
-                  <a:latin typeface="Arial"/>
-                  <a:cs typeface="Arial"/>
-                </a:rPr>
-                <a:t>L’impact du trouble psychotique sur la</a:t>
-              </a:r>
-            </a:p>
-          </p:txBody>
-        </p:sp>
-        <p:sp>
-          <p:nvSpPr>
-            <p:cNvPr id="113" name="tx113"/>
-            <p:cNvSpPr/>
-            <p:nvPr/>
-          </p:nvSpPr>
-          <p:spPr>
-            <a:xfrm>
-              <a:off x="1692205" y="4675861"/>
-              <a:ext cx="1314513" cy="121507"/>
-            </a:xfrm>
-            <a:prstGeom prst="rect">
-              <a:avLst/>
-            </a:prstGeom>
-            <a:noFill/>
-          </p:spPr>
-          <p:txBody>
-            <a:bodyPr lIns="0" rIns="0" tIns="0" bIns="0" anchorCtr="1" anchor="ctr" wrap="none"/>
-            <a:lstStyle/>
-            <a:p>
-              <a:pPr algn="l" marL="0" marR="0" indent="0">
-                <a:lnSpc>
-                  <a:spcPts val="1028"/>
-                </a:lnSpc>
-                <a:spcBef>
-                  <a:spcPts val="0"/>
-                </a:spcBef>
-                <a:spcAft>
-                  <a:spcPts val="0"/>
-                </a:spcAft>
-              </a:pPr>
-              <a:r>
-                <a:rPr sz="1028">
-                  <a:solidFill>
-                    <a:srgbClr val="000000">
-                      <a:alpha val="100000"/>
-                    </a:srgbClr>
-                  </a:solidFill>
-                  <a:latin typeface="Arial"/>
-                  <a:cs typeface="Arial"/>
-                </a:rPr>
-                <a:t>qualité de vie générale</a:t>
-              </a:r>
-            </a:p>
-          </p:txBody>
-        </p:sp>
-        <p:sp>
-          <p:nvSpPr>
-            <p:cNvPr id="114" name="tx114"/>
-            <p:cNvSpPr/>
-            <p:nvPr/>
-          </p:nvSpPr>
-          <p:spPr>
-            <a:xfrm>
-              <a:off x="1990266" y="4331759"/>
-              <a:ext cx="1016453" cy="121061"/>
-            </a:xfrm>
-            <a:prstGeom prst="rect">
-              <a:avLst/>
-            </a:prstGeom>
-            <a:noFill/>
-          </p:spPr>
-          <p:txBody>
-            <a:bodyPr lIns="0" rIns="0" tIns="0" bIns="0" anchorCtr="1" anchor="ctr" wrap="none"/>
-            <a:lstStyle/>
-            <a:p>
-              <a:pPr algn="l" marL="0" marR="0" indent="0">
-                <a:lnSpc>
-                  <a:spcPts val="1028"/>
-                </a:lnSpc>
-                <a:spcBef>
-                  <a:spcPts val="0"/>
-                </a:spcBef>
-                <a:spcAft>
-                  <a:spcPts val="0"/>
-                </a:spcAft>
-              </a:pPr>
-              <a:r>
-                <a:rPr sz="1028">
-                  <a:solidFill>
-                    <a:srgbClr val="000000">
-                      <a:alpha val="100000"/>
-                    </a:srgbClr>
-                  </a:solidFill>
-                  <a:latin typeface="Arial"/>
-                  <a:cs typeface="Arial"/>
-                </a:rPr>
-                <a:t>L’impact financier</a:t>
-              </a:r>
-            </a:p>
-          </p:txBody>
-        </p:sp>
-        <p:sp>
-          <p:nvSpPr>
-            <p:cNvPr id="115" name="tx115"/>
-            <p:cNvSpPr/>
-            <p:nvPr/>
-          </p:nvSpPr>
-          <p:spPr>
-            <a:xfrm>
-              <a:off x="1213319" y="4058387"/>
-              <a:ext cx="1793400" cy="120423"/>
-            </a:xfrm>
-            <a:prstGeom prst="rect">
-              <a:avLst/>
-            </a:prstGeom>
-            <a:noFill/>
-          </p:spPr>
-          <p:txBody>
-            <a:bodyPr lIns="0" rIns="0" tIns="0" bIns="0" anchorCtr="1" anchor="ctr" wrap="none"/>
-            <a:lstStyle/>
-            <a:p>
-              <a:pPr algn="l" marL="0" marR="0" indent="0">
-                <a:lnSpc>
-                  <a:spcPts val="1028"/>
-                </a:lnSpc>
-                <a:spcBef>
-                  <a:spcPts val="0"/>
-                </a:spcBef>
-                <a:spcAft>
-                  <a:spcPts val="0"/>
-                </a:spcAft>
-              </a:pPr>
-              <a:r>
-                <a:rPr sz="1028">
-                  <a:solidFill>
-                    <a:srgbClr val="000000">
-                      <a:alpha val="100000"/>
-                    </a:srgbClr>
-                  </a:solidFill>
-                  <a:latin typeface="Arial"/>
-                  <a:cs typeface="Arial"/>
-                </a:rPr>
-                <a:t>L’impact sur l’espérance de vie</a:t>
-              </a:r>
-            </a:p>
-          </p:txBody>
-        </p:sp>
-        <p:sp>
-          <p:nvSpPr>
-            <p:cNvPr id="116" name="tx116"/>
-            <p:cNvSpPr/>
-            <p:nvPr/>
-          </p:nvSpPr>
-          <p:spPr>
-            <a:xfrm>
-              <a:off x="1329532" y="3784378"/>
-              <a:ext cx="1677186" cy="120423"/>
-            </a:xfrm>
-            <a:prstGeom prst="rect">
-              <a:avLst/>
-            </a:prstGeom>
-            <a:noFill/>
-          </p:spPr>
-          <p:txBody>
-            <a:bodyPr lIns="0" rIns="0" tIns="0" bIns="0" anchorCtr="1" anchor="ctr" wrap="none"/>
-            <a:lstStyle/>
-            <a:p>
-              <a:pPr algn="l" marL="0" marR="0" indent="0">
-                <a:lnSpc>
-                  <a:spcPts val="1028"/>
-                </a:lnSpc>
-                <a:spcBef>
-                  <a:spcPts val="0"/>
-                </a:spcBef>
-                <a:spcAft>
-                  <a:spcPts val="0"/>
-                </a:spcAft>
-              </a:pPr>
-              <a:r>
-                <a:rPr sz="1028">
-                  <a:solidFill>
-                    <a:srgbClr val="000000">
-                      <a:alpha val="100000"/>
-                    </a:srgbClr>
-                  </a:solidFill>
-                  <a:latin typeface="Arial"/>
-                  <a:cs typeface="Arial"/>
-                </a:rPr>
-                <a:t>L’impact sur votre autonomie</a:t>
-              </a:r>
-            </a:p>
-          </p:txBody>
-        </p:sp>
-        <p:sp>
-          <p:nvSpPr>
-            <p:cNvPr id="117" name="tx117"/>
-            <p:cNvSpPr/>
-            <p:nvPr/>
-          </p:nvSpPr>
-          <p:spPr>
-            <a:xfrm>
-              <a:off x="1060813" y="3508838"/>
-              <a:ext cx="1945906" cy="121954"/>
-            </a:xfrm>
-            <a:prstGeom prst="rect">
-              <a:avLst/>
-            </a:prstGeom>
-            <a:noFill/>
-          </p:spPr>
-          <p:txBody>
-            <a:bodyPr lIns="0" rIns="0" tIns="0" bIns="0" anchorCtr="1" anchor="ctr" wrap="none"/>
-            <a:lstStyle/>
-            <a:p>
-              <a:pPr algn="l" marL="0" marR="0" indent="0">
-                <a:lnSpc>
-                  <a:spcPts val="1028"/>
-                </a:lnSpc>
-                <a:spcBef>
-                  <a:spcPts val="0"/>
-                </a:spcBef>
-                <a:spcAft>
-                  <a:spcPts val="0"/>
-                </a:spcAft>
-              </a:pPr>
-              <a:r>
-                <a:rPr sz="1028">
-                  <a:solidFill>
-                    <a:srgbClr val="000000">
-                      <a:alpha val="100000"/>
-                    </a:srgbClr>
-                  </a:solidFill>
-                  <a:latin typeface="Arial"/>
-                  <a:cs typeface="Arial"/>
-                </a:rPr>
-                <a:t>L’impact sur votre santé physique</a:t>
-              </a:r>
-            </a:p>
-          </p:txBody>
-        </p:sp>
-        <p:sp>
-          <p:nvSpPr>
-            <p:cNvPr id="118" name="tx118"/>
-            <p:cNvSpPr/>
-            <p:nvPr/>
-          </p:nvSpPr>
-          <p:spPr>
-            <a:xfrm>
-              <a:off x="1031983" y="3165820"/>
-              <a:ext cx="1974736" cy="120423"/>
-            </a:xfrm>
-            <a:prstGeom prst="rect">
-              <a:avLst/>
-            </a:prstGeom>
-            <a:noFill/>
-          </p:spPr>
-          <p:txBody>
-            <a:bodyPr lIns="0" rIns="0" tIns="0" bIns="0" anchorCtr="1" anchor="ctr" wrap="none"/>
-            <a:lstStyle/>
-            <a:p>
-              <a:pPr algn="l" marL="0" marR="0" indent="0">
-                <a:lnSpc>
-                  <a:spcPts val="1028"/>
-                </a:lnSpc>
-                <a:spcBef>
-                  <a:spcPts val="0"/>
-                </a:spcBef>
-                <a:spcAft>
-                  <a:spcPts val="0"/>
-                </a:spcAft>
-              </a:pPr>
-              <a:r>
-                <a:rPr sz="1028">
-                  <a:solidFill>
-                    <a:srgbClr val="000000">
-                      <a:alpha val="100000"/>
-                    </a:srgbClr>
-                  </a:solidFill>
-                  <a:latin typeface="Arial"/>
-                  <a:cs typeface="Arial"/>
-                </a:rPr>
-                <a:t>L’impact sur votre scolarité ou vos</a:t>
-              </a:r>
-            </a:p>
-          </p:txBody>
-        </p:sp>
-        <p:sp>
-          <p:nvSpPr>
-            <p:cNvPr id="119" name="tx119"/>
-            <p:cNvSpPr/>
-            <p:nvPr/>
-          </p:nvSpPr>
-          <p:spPr>
-            <a:xfrm>
-              <a:off x="2614515" y="3331775"/>
-              <a:ext cx="392204" cy="95547"/>
-            </a:xfrm>
-            <a:prstGeom prst="rect">
-              <a:avLst/>
-            </a:prstGeom>
-            <a:noFill/>
-          </p:spPr>
-          <p:txBody>
-            <a:bodyPr lIns="0" rIns="0" tIns="0" bIns="0" anchorCtr="1" anchor="ctr" wrap="none"/>
-            <a:lstStyle/>
-            <a:p>
-              <a:pPr algn="l" marL="0" marR="0" indent="0">
-                <a:lnSpc>
-                  <a:spcPts val="1028"/>
-                </a:lnSpc>
-                <a:spcBef>
-                  <a:spcPts val="0"/>
-                </a:spcBef>
-                <a:spcAft>
-                  <a:spcPts val="0"/>
-                </a:spcAft>
-              </a:pPr>
-              <a:r>
-                <a:rPr sz="1028">
-                  <a:solidFill>
-                    <a:srgbClr val="000000">
-                      <a:alpha val="100000"/>
-                    </a:srgbClr>
-                  </a:solidFill>
-                  <a:latin typeface="Arial"/>
-                  <a:cs typeface="Arial"/>
-                </a:rPr>
-                <a:t>études</a:t>
-              </a:r>
-            </a:p>
-          </p:txBody>
-        </p:sp>
-        <p:sp>
-          <p:nvSpPr>
-            <p:cNvPr id="120" name="tx120"/>
-            <p:cNvSpPr/>
-            <p:nvPr/>
-          </p:nvSpPr>
-          <p:spPr>
-            <a:xfrm>
-              <a:off x="1591109" y="2962351"/>
-              <a:ext cx="1415610" cy="120423"/>
-            </a:xfrm>
-            <a:prstGeom prst="rect">
-              <a:avLst/>
-            </a:prstGeom>
-            <a:noFill/>
-          </p:spPr>
-          <p:txBody>
-            <a:bodyPr lIns="0" rIns="0" tIns="0" bIns="0" anchorCtr="1" anchor="ctr" wrap="none"/>
-            <a:lstStyle/>
-            <a:p>
-              <a:pPr algn="l" marL="0" marR="0" indent="0">
-                <a:lnSpc>
-                  <a:spcPts val="1028"/>
-                </a:lnSpc>
-                <a:spcBef>
-                  <a:spcPts val="0"/>
-                </a:spcBef>
-                <a:spcAft>
-                  <a:spcPts val="0"/>
-                </a:spcAft>
-              </a:pPr>
-              <a:r>
-                <a:rPr sz="1028">
-                  <a:solidFill>
-                    <a:srgbClr val="000000">
-                      <a:alpha val="100000"/>
-                    </a:srgbClr>
-                  </a:solidFill>
-                  <a:latin typeface="Arial"/>
-                  <a:cs typeface="Arial"/>
-                </a:rPr>
-                <a:t>L’impact sur votre travail</a:t>
-              </a:r>
-            </a:p>
-          </p:txBody>
-        </p:sp>
-        <p:sp>
-          <p:nvSpPr>
-            <p:cNvPr id="121" name="tx121"/>
-            <p:cNvSpPr/>
-            <p:nvPr/>
-          </p:nvSpPr>
-          <p:spPr>
-            <a:xfrm>
-              <a:off x="1111776" y="2617802"/>
-              <a:ext cx="1894943" cy="120423"/>
-            </a:xfrm>
-            <a:prstGeom prst="rect">
-              <a:avLst/>
-            </a:prstGeom>
-            <a:noFill/>
-          </p:spPr>
-          <p:txBody>
-            <a:bodyPr lIns="0" rIns="0" tIns="0" bIns="0" anchorCtr="1" anchor="ctr" wrap="none"/>
-            <a:lstStyle/>
-            <a:p>
-              <a:pPr algn="l" marL="0" marR="0" indent="0">
-                <a:lnSpc>
-                  <a:spcPts val="1028"/>
-                </a:lnSpc>
-                <a:spcBef>
-                  <a:spcPts val="0"/>
-                </a:spcBef>
-                <a:spcAft>
-                  <a:spcPts val="0"/>
-                </a:spcAft>
-              </a:pPr>
-              <a:r>
-                <a:rPr sz="1028">
-                  <a:solidFill>
-                    <a:srgbClr val="000000">
-                      <a:alpha val="100000"/>
-                    </a:srgbClr>
-                  </a:solidFill>
-                  <a:latin typeface="Arial"/>
-                  <a:cs typeface="Arial"/>
-                </a:rPr>
-                <a:t>L’impact sur votre vie sexuelle et</a:t>
-              </a:r>
-            </a:p>
-          </p:txBody>
-        </p:sp>
-        <p:sp>
-          <p:nvSpPr>
-            <p:cNvPr id="122" name="tx122"/>
-            <p:cNvSpPr/>
-            <p:nvPr/>
-          </p:nvSpPr>
-          <p:spPr>
-            <a:xfrm>
-              <a:off x="2287879" y="2759838"/>
-              <a:ext cx="718839" cy="119466"/>
-            </a:xfrm>
-            <a:prstGeom prst="rect">
-              <a:avLst/>
-            </a:prstGeom>
-            <a:noFill/>
-          </p:spPr>
-          <p:txBody>
-            <a:bodyPr lIns="0" rIns="0" tIns="0" bIns="0" anchorCtr="1" anchor="ctr" wrap="none"/>
-            <a:lstStyle/>
-            <a:p>
-              <a:pPr algn="l" marL="0" marR="0" indent="0">
-                <a:lnSpc>
-                  <a:spcPts val="1028"/>
-                </a:lnSpc>
-                <a:spcBef>
-                  <a:spcPts val="0"/>
-                </a:spcBef>
-                <a:spcAft>
-                  <a:spcPts val="0"/>
-                </a:spcAft>
-              </a:pPr>
-              <a:r>
-                <a:rPr sz="1028">
-                  <a:solidFill>
-                    <a:srgbClr val="000000">
-                      <a:alpha val="100000"/>
-                    </a:srgbClr>
-                  </a:solidFill>
-                  <a:latin typeface="Arial"/>
-                  <a:cs typeface="Arial"/>
-                </a:rPr>
-                <a:t>reproductive</a:t>
-              </a:r>
-            </a:p>
-          </p:txBody>
-        </p:sp>
-        <p:sp>
-          <p:nvSpPr>
-            <p:cNvPr id="123" name="tx123"/>
-            <p:cNvSpPr/>
-            <p:nvPr/>
-          </p:nvSpPr>
-          <p:spPr>
-            <a:xfrm>
-              <a:off x="1329660" y="2414332"/>
-              <a:ext cx="1677059" cy="120423"/>
-            </a:xfrm>
-            <a:prstGeom prst="rect">
-              <a:avLst/>
-            </a:prstGeom>
-            <a:noFill/>
-          </p:spPr>
-          <p:txBody>
-            <a:bodyPr lIns="0" rIns="0" tIns="0" bIns="0" anchorCtr="1" anchor="ctr" wrap="none"/>
-            <a:lstStyle/>
-            <a:p>
-              <a:pPr algn="l" marL="0" marR="0" indent="0">
-                <a:lnSpc>
-                  <a:spcPts val="1028"/>
-                </a:lnSpc>
-                <a:spcBef>
-                  <a:spcPts val="0"/>
-                </a:spcBef>
-                <a:spcAft>
-                  <a:spcPts val="0"/>
-                </a:spcAft>
-              </a:pPr>
-              <a:r>
-                <a:rPr sz="1028">
-                  <a:solidFill>
-                    <a:srgbClr val="000000">
-                      <a:alpha val="100000"/>
-                    </a:srgbClr>
-                  </a:solidFill>
-                  <a:latin typeface="Arial"/>
-                  <a:cs typeface="Arial"/>
-                </a:rPr>
-                <a:t>L’impact sur votre vie sociale</a:t>
-              </a:r>
-            </a:p>
-          </p:txBody>
-        </p:sp>
-        <p:sp>
-          <p:nvSpPr>
-            <p:cNvPr id="124" name="tx124"/>
-            <p:cNvSpPr/>
-            <p:nvPr/>
-          </p:nvSpPr>
-          <p:spPr>
-            <a:xfrm>
-              <a:off x="712236" y="2138792"/>
-              <a:ext cx="2294483" cy="121954"/>
-            </a:xfrm>
-            <a:prstGeom prst="rect">
-              <a:avLst/>
-            </a:prstGeom>
-            <a:noFill/>
-          </p:spPr>
-          <p:txBody>
-            <a:bodyPr lIns="0" rIns="0" tIns="0" bIns="0" anchorCtr="1" anchor="ctr" wrap="none"/>
-            <a:lstStyle/>
-            <a:p>
-              <a:pPr algn="l" marL="0" marR="0" indent="0">
-                <a:lnSpc>
-                  <a:spcPts val="1028"/>
-                </a:lnSpc>
-                <a:spcBef>
-                  <a:spcPts val="0"/>
-                </a:spcBef>
-                <a:spcAft>
-                  <a:spcPts val="0"/>
-                </a:spcAft>
-              </a:pPr>
-              <a:r>
-                <a:rPr sz="1028">
-                  <a:solidFill>
-                    <a:srgbClr val="000000">
-                      <a:alpha val="100000"/>
-                    </a:srgbClr>
-                  </a:solidFill>
-                  <a:latin typeface="Arial"/>
-                  <a:cs typeface="Arial"/>
-                </a:rPr>
-                <a:t>L’impact  sur votre santé psychologique</a:t>
-              </a:r>
-            </a:p>
-          </p:txBody>
-        </p:sp>
-        <p:sp>
-          <p:nvSpPr>
-            <p:cNvPr id="125" name="tx125"/>
-            <p:cNvSpPr/>
-            <p:nvPr/>
-          </p:nvSpPr>
-          <p:spPr>
-            <a:xfrm>
-              <a:off x="1510805" y="1866760"/>
-              <a:ext cx="1495914" cy="119976"/>
-            </a:xfrm>
-            <a:prstGeom prst="rect">
-              <a:avLst/>
-            </a:prstGeom>
-            <a:noFill/>
-          </p:spPr>
-          <p:txBody>
-            <a:bodyPr lIns="0" rIns="0" tIns="0" bIns="0" anchorCtr="1" anchor="ctr" wrap="none"/>
-            <a:lstStyle/>
-            <a:p>
-              <a:pPr algn="l" marL="0" marR="0" indent="0">
-                <a:lnSpc>
-                  <a:spcPts val="1028"/>
-                </a:lnSpc>
-                <a:spcBef>
-                  <a:spcPts val="0"/>
-                </a:spcBef>
-                <a:spcAft>
-                  <a:spcPts val="0"/>
-                </a:spcAft>
-              </a:pPr>
-              <a:r>
-                <a:rPr sz="1028">
-                  <a:solidFill>
-                    <a:srgbClr val="000000">
-                      <a:alpha val="100000"/>
-                    </a:srgbClr>
-                  </a:solidFill>
-                  <a:latin typeface="Arial"/>
-                  <a:cs typeface="Arial"/>
-                </a:rPr>
-                <a:t>La pénibilité du traitement</a:t>
-              </a:r>
-            </a:p>
-          </p:txBody>
-        </p:sp>
-        <p:sp>
-          <p:nvSpPr>
-            <p:cNvPr id="126" name="tx126"/>
-            <p:cNvSpPr/>
-            <p:nvPr/>
-          </p:nvSpPr>
-          <p:spPr>
-            <a:xfrm>
-              <a:off x="995179" y="1591220"/>
-              <a:ext cx="2011539" cy="121507"/>
-            </a:xfrm>
-            <a:prstGeom prst="rect">
-              <a:avLst/>
-            </a:prstGeom>
-            <a:noFill/>
-          </p:spPr>
-          <p:txBody>
-            <a:bodyPr lIns="0" rIns="0" tIns="0" bIns="0" anchorCtr="1" anchor="ctr" wrap="none"/>
-            <a:lstStyle/>
-            <a:p>
-              <a:pPr algn="l" marL="0" marR="0" indent="0">
-                <a:lnSpc>
-                  <a:spcPts val="1028"/>
-                </a:lnSpc>
-                <a:spcBef>
-                  <a:spcPts val="0"/>
-                </a:spcBef>
-                <a:spcAft>
-                  <a:spcPts val="0"/>
-                </a:spcAft>
-              </a:pPr>
-              <a:r>
-                <a:rPr sz="1028">
-                  <a:solidFill>
-                    <a:srgbClr val="000000">
-                      <a:alpha val="100000"/>
-                    </a:srgbClr>
-                  </a:solidFill>
-                  <a:latin typeface="Arial"/>
-                  <a:cs typeface="Arial"/>
-                </a:rPr>
-                <a:t>La qualité de votre prise en charge</a:t>
-              </a:r>
-            </a:p>
-          </p:txBody>
-        </p:sp>
-        <p:sp>
-          <p:nvSpPr>
-            <p:cNvPr id="127" name="tx127"/>
-            <p:cNvSpPr/>
-            <p:nvPr/>
-          </p:nvSpPr>
-          <p:spPr>
-            <a:xfrm>
-              <a:off x="1140542" y="1317658"/>
-              <a:ext cx="1866177" cy="121061"/>
-            </a:xfrm>
-            <a:prstGeom prst="rect">
-              <a:avLst/>
-            </a:prstGeom>
-            <a:noFill/>
-          </p:spPr>
-          <p:txBody>
-            <a:bodyPr lIns="0" rIns="0" tIns="0" bIns="0" anchorCtr="1" anchor="ctr" wrap="none"/>
-            <a:lstStyle/>
-            <a:p>
-              <a:pPr algn="l" marL="0" marR="0" indent="0">
-                <a:lnSpc>
-                  <a:spcPts val="1028"/>
-                </a:lnSpc>
-                <a:spcBef>
-                  <a:spcPts val="0"/>
-                </a:spcBef>
-                <a:spcAft>
-                  <a:spcPts val="0"/>
-                </a:spcAft>
-              </a:pPr>
-              <a:r>
-                <a:rPr sz="1028">
-                  <a:solidFill>
-                    <a:srgbClr val="000000">
-                      <a:alpha val="100000"/>
-                    </a:srgbClr>
-                  </a:solidFill>
-                  <a:latin typeface="Arial"/>
-                  <a:cs typeface="Arial"/>
-                </a:rPr>
-                <a:t>Les connaissances scientifiques</a:t>
-              </a:r>
-            </a:p>
-          </p:txBody>
-        </p:sp>
-        <p:sp>
-          <p:nvSpPr>
             <p:cNvPr id="128" name="pl128"/>
             <p:cNvSpPr/>
             <p:nvPr/>
@@ -8100,13 +8100,39 @@
           </p:nvSpPr>
           <p:spPr>
             <a:xfrm>
-              <a:off x="3162127" y="5923941"/>
+              <a:off x="3086212" y="5923941"/>
               <a:ext cx="149013" cy="149013"/>
             </a:xfrm>
             <a:prstGeom prst="rect">
               <a:avLst/>
             </a:prstGeom>
             <a:solidFill>
+              <a:srgbClr val="B0BEC5">
+                <a:alpha val="100000"/>
+              </a:srgbClr>
+            </a:solidFill>
+          </p:spPr>
+          <p:txBody>
+            <a:bodyPr/>
+            <a:lstStyle/>
+            <a:p/>
+          </p:txBody>
+        </p:sp>
+        <p:sp>
+          <p:nvSpPr>
+            <p:cNvPr id="176" name="rc176"/>
+            <p:cNvSpPr/>
+            <p:nvPr/>
+          </p:nvSpPr>
+          <p:spPr>
+            <a:xfrm>
+              <a:off x="3086212" y="6166870"/>
+              <a:ext cx="149013" cy="149013"/>
+            </a:xfrm>
+            <a:prstGeom prst="rect">
+              <a:avLst/>
+            </a:prstGeom>
+            <a:solidFill>
               <a:srgbClr val="2196F3">
                 <a:alpha val="100000"/>
               </a:srgbClr>
@@ -8120,123 +8146,97 @@
         </p:sp>
         <p:sp>
           <p:nvSpPr>
-            <p:cNvPr id="176" name="rc176"/>
-            <p:cNvSpPr/>
-            <p:nvPr/>
-          </p:nvSpPr>
-          <p:spPr>
-            <a:xfrm>
-              <a:off x="3162127" y="6166870"/>
+            <p:cNvPr id="177" name="rc177"/>
+            <p:cNvSpPr/>
+            <p:nvPr/>
+          </p:nvSpPr>
+          <p:spPr>
+            <a:xfrm>
+              <a:off x="4145519" y="5923941"/>
               <a:ext cx="149013" cy="149013"/>
             </a:xfrm>
             <a:prstGeom prst="rect">
               <a:avLst/>
             </a:prstGeom>
             <a:solidFill>
-              <a:srgbClr val="43AA70">
-                <a:alpha val="100000"/>
-              </a:srgbClr>
-            </a:solidFill>
-          </p:spPr>
-          <p:txBody>
-            <a:bodyPr/>
-            <a:lstStyle/>
-            <a:p/>
-          </p:txBody>
-        </p:sp>
-        <p:sp>
-          <p:nvSpPr>
-            <p:cNvPr id="177" name="rc177"/>
-            <p:cNvSpPr/>
-            <p:nvPr/>
-          </p:nvSpPr>
-          <p:spPr>
-            <a:xfrm>
-              <a:off x="4221434" y="5923941"/>
+              <a:srgbClr val="4CAF50">
+                <a:alpha val="100000"/>
+              </a:srgbClr>
+            </a:solidFill>
+          </p:spPr>
+          <p:txBody>
+            <a:bodyPr/>
+            <a:lstStyle/>
+            <a:p/>
+          </p:txBody>
+        </p:sp>
+        <p:sp>
+          <p:nvSpPr>
+            <p:cNvPr id="178" name="rc178"/>
+            <p:cNvSpPr/>
+            <p:nvPr/>
+          </p:nvSpPr>
+          <p:spPr>
+            <a:xfrm>
+              <a:off x="4145519" y="6166870"/>
               <a:ext cx="149013" cy="149013"/>
             </a:xfrm>
             <a:prstGeom prst="rect">
               <a:avLst/>
             </a:prstGeom>
             <a:solidFill>
-              <a:srgbClr val="B7B924">
-                <a:alpha val="100000"/>
-              </a:srgbClr>
-            </a:solidFill>
-          </p:spPr>
-          <p:txBody>
-            <a:bodyPr/>
-            <a:lstStyle/>
-            <a:p/>
-          </p:txBody>
-        </p:sp>
-        <p:sp>
-          <p:nvSpPr>
-            <p:cNvPr id="178" name="rc178"/>
-            <p:cNvSpPr/>
-            <p:nvPr/>
-          </p:nvSpPr>
-          <p:spPr>
-            <a:xfrm>
-              <a:off x="4221434" y="6166870"/>
+              <a:srgbClr val="FFC107">
+                <a:alpha val="100000"/>
+              </a:srgbClr>
+            </a:solidFill>
+          </p:spPr>
+          <p:txBody>
+            <a:bodyPr/>
+            <a:lstStyle/>
+            <a:p/>
+          </p:txBody>
+        </p:sp>
+        <p:sp>
+          <p:nvSpPr>
+            <p:cNvPr id="179" name="rc179"/>
+            <p:cNvSpPr/>
+            <p:nvPr/>
+          </p:nvSpPr>
+          <p:spPr>
+            <a:xfrm>
+              <a:off x="5357204" y="5923941"/>
               <a:ext cx="149013" cy="149013"/>
             </a:xfrm>
             <a:prstGeom prst="rect">
               <a:avLst/>
             </a:prstGeom>
             <a:solidFill>
-              <a:srgbClr val="D7834A">
-                <a:alpha val="100000"/>
-              </a:srgbClr>
-            </a:solidFill>
-          </p:spPr>
-          <p:txBody>
-            <a:bodyPr/>
-            <a:lstStyle/>
-            <a:p/>
-          </p:txBody>
-        </p:sp>
-        <p:sp>
-          <p:nvSpPr>
-            <p:cNvPr id="179" name="rc179"/>
-            <p:cNvSpPr/>
-            <p:nvPr/>
-          </p:nvSpPr>
-          <p:spPr>
-            <a:xfrm>
-              <a:off x="5433120" y="5923941"/>
+              <a:srgbClr val="FF9800">
+                <a:alpha val="100000"/>
+              </a:srgbClr>
+            </a:solidFill>
+          </p:spPr>
+          <p:txBody>
+            <a:bodyPr/>
+            <a:lstStyle/>
+            <a:p/>
+          </p:txBody>
+        </p:sp>
+        <p:sp>
+          <p:nvSpPr>
+            <p:cNvPr id="180" name="rc180"/>
+            <p:cNvSpPr/>
+            <p:nvPr/>
+          </p:nvSpPr>
+          <p:spPr>
+            <a:xfrm>
+              <a:off x="5357204" y="6166870"/>
               <a:ext cx="149013" cy="149013"/>
             </a:xfrm>
             <a:prstGeom prst="rect">
               <a:avLst/>
             </a:prstGeom>
             <a:solidFill>
-              <a:srgbClr val="AD2C97">
-                <a:alpha val="100000"/>
-              </a:srgbClr>
-            </a:solidFill>
-          </p:spPr>
-          <p:txBody>
-            <a:bodyPr/>
-            <a:lstStyle/>
-            <a:p/>
-          </p:txBody>
-        </p:sp>
-        <p:sp>
-          <p:nvSpPr>
-            <p:cNvPr id="180" name="rc180"/>
-            <p:cNvSpPr/>
-            <p:nvPr/>
-          </p:nvSpPr>
-          <p:spPr>
-            <a:xfrm>
-              <a:off x="5433120" y="6166870"/>
-              <a:ext cx="149013" cy="149013"/>
-            </a:xfrm>
-            <a:prstGeom prst="rect">
-              <a:avLst/>
-            </a:prstGeom>
-            <a:solidFill>
               <a:srgbClr val="F44336">
                 <a:alpha val="100000"/>
               </a:srgbClr>
@@ -8256,7 +8256,53 @@
           </p:nvSpPr>
           <p:spPr>
             <a:xfrm>
-              <a:off x="3396056" y="5924204"/>
+              <a:off x="3320141" y="5950164"/>
+              <a:ext cx="693007" cy="95037"/>
+            </a:xfrm>
+            <a:prstGeom prst="rect">
+              <a:avLst/>
+            </a:prstGeom>
+            <a:noFill/>
+          </p:spPr>
+          <p:txBody>
+            <a:bodyPr lIns="0" rIns="0" tIns="0" bIns="0" anchorCtr="1" anchor="ctr" wrap="none"/>
+            <a:lstStyle/>
+            <a:p>
+              <a:pPr algn="l" marL="0" marR="0" indent="0">
+                <a:lnSpc>
+                  <a:spcPts val="1028"/>
+                </a:lnSpc>
+                <a:spcBef>
+                  <a:spcPts val="0"/>
+                </a:spcBef>
+                <a:spcAft>
+                  <a:spcPts val="0"/>
+                </a:spcAft>
+              </a:pPr>
+              <a:r>
+                <a:rPr sz="1028">
+                  <a:solidFill>
+                    <a:srgbClr val="000000">
+                      <a:alpha val="100000"/>
+                    </a:srgbClr>
+                  </a:solidFill>
+                  <a:latin typeface="Arial"/>
+                  <a:cs typeface="Arial"/>
+                </a:rPr>
+                <a:t>I don't know</a:t>
+              </a:r>
+            </a:p>
+          </p:txBody>
+        </p:sp>
+        <p:sp>
+          <p:nvSpPr>
+            <p:cNvPr id="182" name="tx182"/>
+            <p:cNvSpPr/>
+            <p:nvPr/>
+          </p:nvSpPr>
+          <p:spPr>
+            <a:xfrm>
+              <a:off x="3320141" y="6167133"/>
               <a:ext cx="740462" cy="120997"/>
             </a:xfrm>
             <a:prstGeom prst="rect">
@@ -8296,13 +8342,13 @@
         </p:sp>
         <p:sp>
           <p:nvSpPr>
-            <p:cNvPr id="182" name="tx182"/>
-            <p:cNvSpPr/>
-            <p:nvPr/>
-          </p:nvSpPr>
-          <p:spPr>
-            <a:xfrm>
-              <a:off x="3396056" y="6167133"/>
+            <p:cNvPr id="183" name="tx183"/>
+            <p:cNvSpPr/>
+            <p:nvPr/>
+          </p:nvSpPr>
+          <p:spPr>
+            <a:xfrm>
+              <a:off x="4379448" y="5924204"/>
               <a:ext cx="667876" cy="120997"/>
             </a:xfrm>
             <a:prstGeom prst="rect">
@@ -8342,13 +8388,13 @@
         </p:sp>
         <p:sp>
           <p:nvSpPr>
-            <p:cNvPr id="183" name="tx183"/>
-            <p:cNvSpPr/>
-            <p:nvPr/>
-          </p:nvSpPr>
-          <p:spPr>
-            <a:xfrm>
-              <a:off x="4455363" y="5924204"/>
+            <p:cNvPr id="184" name="tx184"/>
+            <p:cNvSpPr/>
+            <p:nvPr/>
+          </p:nvSpPr>
+          <p:spPr>
+            <a:xfrm>
+              <a:off x="4379448" y="6167133"/>
               <a:ext cx="892841" cy="120997"/>
             </a:xfrm>
             <a:prstGeom prst="rect">
@@ -8388,13 +8434,13 @@
         </p:sp>
         <p:sp>
           <p:nvSpPr>
-            <p:cNvPr id="184" name="tx184"/>
-            <p:cNvSpPr/>
-            <p:nvPr/>
-          </p:nvSpPr>
-          <p:spPr>
-            <a:xfrm>
-              <a:off x="4455363" y="6167133"/>
+            <p:cNvPr id="185" name="tx185"/>
+            <p:cNvSpPr/>
+            <p:nvPr/>
+          </p:nvSpPr>
+          <p:spPr>
+            <a:xfrm>
+              <a:off x="5591133" y="5924204"/>
               <a:ext cx="696898" cy="120997"/>
             </a:xfrm>
             <a:prstGeom prst="rect">
@@ -8434,13 +8480,13 @@
         </p:sp>
         <p:sp>
           <p:nvSpPr>
-            <p:cNvPr id="185" name="tx185"/>
-            <p:cNvSpPr/>
-            <p:nvPr/>
-          </p:nvSpPr>
-          <p:spPr>
-            <a:xfrm>
-              <a:off x="5667049" y="5924204"/>
+            <p:cNvPr id="186" name="tx186"/>
+            <p:cNvSpPr/>
+            <p:nvPr/>
+          </p:nvSpPr>
+          <p:spPr>
+            <a:xfrm>
+              <a:off x="5591133" y="6167133"/>
               <a:ext cx="980096" cy="120997"/>
             </a:xfrm>
             <a:prstGeom prst="rect">
@@ -8474,52 +8520,6 @@
                   <a:cs typeface="Arial"/>
                 </a:rPr>
                 <a:t>Very high priority</a:t>
-              </a:r>
-            </a:p>
-          </p:txBody>
-        </p:sp>
-        <p:sp>
-          <p:nvSpPr>
-            <p:cNvPr id="186" name="tx186"/>
-            <p:cNvSpPr/>
-            <p:nvPr/>
-          </p:nvSpPr>
-          <p:spPr>
-            <a:xfrm>
-              <a:off x="5667049" y="6193093"/>
-              <a:ext cx="642108" cy="95037"/>
-            </a:xfrm>
-            <a:prstGeom prst="rect">
-              <a:avLst/>
-            </a:prstGeom>
-            <a:noFill/>
-          </p:spPr>
-          <p:txBody>
-            <a:bodyPr lIns="0" rIns="0" tIns="0" bIns="0" anchorCtr="1" anchor="ctr" wrap="none"/>
-            <a:lstStyle/>
-            <a:p>
-              <a:pPr algn="l" marL="0" marR="0" indent="0">
-                <a:lnSpc>
-                  <a:spcPts val="1028"/>
-                </a:lnSpc>
-                <a:spcBef>
-                  <a:spcPts val="0"/>
-                </a:spcBef>
-                <a:spcAft>
-                  <a:spcPts val="0"/>
-                </a:spcAft>
-              </a:pPr>
-              <a:r>
-                <a:rPr sz="1028">
-                  <a:solidFill>
-                    <a:srgbClr val="000000">
-                      <a:alpha val="100000"/>
-                    </a:srgbClr>
-                  </a:solidFill>
-                  <a:latin typeface="Arial"/>
-                  <a:cs typeface="Arial"/>
-                </a:rPr>
-                <a:t>Don't know</a:t>
               </a:r>
             </a:p>
           </p:txBody>

--- a/results/figures/pptx/priority_need_categories.pptx
+++ b/results/figures/pptx/priority_need_categories.pptx
@@ -2314,7 +2314,7 @@
           </p:nvSpPr>
           <p:spPr>
             <a:xfrm>
-              <a:off x="3456231" y="1227560"/>
+              <a:off x="3469671" y="1227560"/>
               <a:ext cx="0" cy="4164939"/>
             </a:xfrm>
             <a:custGeom>
@@ -2357,7 +2357,7 @@
           </p:nvSpPr>
           <p:spPr>
             <a:xfrm>
-              <a:off x="3835249" y="1227560"/>
+              <a:off x="3862130" y="1227560"/>
               <a:ext cx="0" cy="4164939"/>
             </a:xfrm>
             <a:custGeom>
@@ -2400,7 +2400,7 @@
           </p:nvSpPr>
           <p:spPr>
             <a:xfrm>
-              <a:off x="4214268" y="1227560"/>
+              <a:off x="4254589" y="1227560"/>
               <a:ext cx="0" cy="4164939"/>
             </a:xfrm>
             <a:custGeom>
@@ -2443,7 +2443,7 @@
           </p:nvSpPr>
           <p:spPr>
             <a:xfrm>
-              <a:off x="4593287" y="1227560"/>
+              <a:off x="4647048" y="1227560"/>
               <a:ext cx="0" cy="4164939"/>
             </a:xfrm>
             <a:custGeom>
@@ -2486,7 +2486,7 @@
           </p:nvSpPr>
           <p:spPr>
             <a:xfrm>
-              <a:off x="4972305" y="1227560"/>
+              <a:off x="5039507" y="1227560"/>
               <a:ext cx="0" cy="4164939"/>
             </a:xfrm>
             <a:custGeom>
@@ -2529,7 +2529,7 @@
           </p:nvSpPr>
           <p:spPr>
             <a:xfrm>
-              <a:off x="5351324" y="1227560"/>
+              <a:off x="5431966" y="1227560"/>
               <a:ext cx="0" cy="4164939"/>
             </a:xfrm>
             <a:custGeom>
@@ -2572,7 +2572,7 @@
           </p:nvSpPr>
           <p:spPr>
             <a:xfrm>
-              <a:off x="5730342" y="1227560"/>
+              <a:off x="5824425" y="1227560"/>
               <a:ext cx="0" cy="4164939"/>
             </a:xfrm>
             <a:custGeom>
@@ -2615,7 +2615,7 @@
           </p:nvSpPr>
           <p:spPr>
             <a:xfrm>
-              <a:off x="6109361" y="1227560"/>
+              <a:off x="6216884" y="1227560"/>
               <a:ext cx="0" cy="4164939"/>
             </a:xfrm>
             <a:custGeom>
@@ -2658,7 +2658,7 @@
           </p:nvSpPr>
           <p:spPr>
             <a:xfrm>
-              <a:off x="6488380" y="1227560"/>
+              <a:off x="6609343" y="1227560"/>
               <a:ext cx="0" cy="4164939"/>
             </a:xfrm>
             <a:custGeom>
@@ -2701,7 +2701,7 @@
           </p:nvSpPr>
           <p:spPr>
             <a:xfrm>
-              <a:off x="6867398" y="1227560"/>
+              <a:off x="7001802" y="1227560"/>
               <a:ext cx="0" cy="4164939"/>
             </a:xfrm>
             <a:custGeom>
@@ -2744,7 +2744,7 @@
           </p:nvSpPr>
           <p:spPr>
             <a:xfrm>
-              <a:off x="7246417" y="1227560"/>
+              <a:off x="7394261" y="1227560"/>
               <a:ext cx="0" cy="4164939"/>
             </a:xfrm>
             <a:custGeom>
@@ -2787,7 +2787,7 @@
           </p:nvSpPr>
           <p:spPr>
             <a:xfrm>
-              <a:off x="7625436" y="1227560"/>
+              <a:off x="7786720" y="1227560"/>
               <a:ext cx="0" cy="4164939"/>
             </a:xfrm>
             <a:custGeom>
@@ -2830,7 +2830,7 @@
           </p:nvSpPr>
           <p:spPr>
             <a:xfrm>
-              <a:off x="8004454" y="1227560"/>
+              <a:off x="8179179" y="1227560"/>
               <a:ext cx="0" cy="4164939"/>
             </a:xfrm>
             <a:custGeom>
@@ -2873,7 +2873,7 @@
           </p:nvSpPr>
           <p:spPr>
             <a:xfrm>
-              <a:off x="8383473" y="1227560"/>
+              <a:off x="8571638" y="1227560"/>
               <a:ext cx="0" cy="4164939"/>
             </a:xfrm>
             <a:custGeom>
@@ -2916,8 +2916,8 @@
           </p:nvSpPr>
           <p:spPr>
             <a:xfrm>
-              <a:off x="8042356" y="4282762"/>
-              <a:ext cx="568527" cy="246608"/>
+              <a:off x="7943704" y="4282762"/>
+              <a:ext cx="667180" cy="246608"/>
             </a:xfrm>
             <a:prstGeom prst="rect">
               <a:avLst/>
@@ -2942,8 +2942,8 @@
           </p:nvSpPr>
           <p:spPr>
             <a:xfrm>
-              <a:off x="7246417" y="4282762"/>
-              <a:ext cx="795939" cy="246608"/>
+              <a:off x="7080294" y="4282762"/>
+              <a:ext cx="863409" cy="246608"/>
             </a:xfrm>
             <a:prstGeom prst="rect">
               <a:avLst/>
@@ -2968,8 +2968,8 @@
           </p:nvSpPr>
           <p:spPr>
             <a:xfrm>
-              <a:off x="6526282" y="4282762"/>
-              <a:ext cx="720135" cy="246608"/>
+              <a:off x="6373868" y="4282762"/>
+              <a:ext cx="706426" cy="246608"/>
             </a:xfrm>
             <a:prstGeom prst="rect">
               <a:avLst/>
@@ -2994,8 +2994,8 @@
           </p:nvSpPr>
           <p:spPr>
             <a:xfrm>
-              <a:off x="5465029" y="4282762"/>
-              <a:ext cx="1061252" cy="246608"/>
+              <a:off x="5431966" y="4282762"/>
+              <a:ext cx="941901" cy="246608"/>
             </a:xfrm>
             <a:prstGeom prst="rect">
               <a:avLst/>
@@ -3020,8 +3020,8 @@
           </p:nvSpPr>
           <p:spPr>
             <a:xfrm>
-              <a:off x="4327973" y="4282762"/>
-              <a:ext cx="1137055" cy="246608"/>
+              <a:off x="4333081" y="4282762"/>
+              <a:ext cx="1098885" cy="246608"/>
             </a:xfrm>
             <a:prstGeom prst="rect">
               <a:avLst/>
@@ -3047,7 +3047,7 @@
           <p:spPr>
             <a:xfrm>
               <a:off x="3077212" y="4282762"/>
-              <a:ext cx="1250761" cy="246608"/>
+              <a:ext cx="1255868" cy="246608"/>
             </a:xfrm>
             <a:prstGeom prst="rect">
               <a:avLst/>
@@ -3072,8 +3072,8 @@
           </p:nvSpPr>
           <p:spPr>
             <a:xfrm>
-              <a:off x="8193964" y="2364698"/>
-              <a:ext cx="416920" cy="246608"/>
+              <a:off x="8100687" y="2638707"/>
+              <a:ext cx="510196" cy="246608"/>
             </a:xfrm>
             <a:prstGeom prst="rect">
               <a:avLst/>
@@ -3098,8 +3098,8 @@
           </p:nvSpPr>
           <p:spPr>
             <a:xfrm>
-              <a:off x="7663338" y="2364698"/>
-              <a:ext cx="530626" cy="246608"/>
+              <a:off x="7551245" y="2638707"/>
+              <a:ext cx="549442" cy="246608"/>
             </a:xfrm>
             <a:prstGeom prst="rect">
               <a:avLst/>
@@ -3124,8 +3124,8 @@
           </p:nvSpPr>
           <p:spPr>
             <a:xfrm>
-              <a:off x="7170613" y="2364698"/>
-              <a:ext cx="492724" cy="246608"/>
+              <a:off x="7041048" y="2638707"/>
+              <a:ext cx="510196" cy="246608"/>
             </a:xfrm>
             <a:prstGeom prst="rect">
               <a:avLst/>
@@ -3150,8 +3150,8 @@
           </p:nvSpPr>
           <p:spPr>
             <a:xfrm>
-              <a:off x="6185165" y="2364698"/>
-              <a:ext cx="985448" cy="246608"/>
+              <a:off x="6059901" y="2638707"/>
+              <a:ext cx="981147" cy="246608"/>
             </a:xfrm>
             <a:prstGeom prst="rect">
               <a:avLst/>
@@ -3176,8 +3176,8 @@
           </p:nvSpPr>
           <p:spPr>
             <a:xfrm>
-              <a:off x="4593287" y="2364698"/>
-              <a:ext cx="1591878" cy="246608"/>
+              <a:off x="4529310" y="2638707"/>
+              <a:ext cx="1530590" cy="246608"/>
             </a:xfrm>
             <a:prstGeom prst="rect">
               <a:avLst/>
@@ -3202,8 +3202,164 @@
           </p:nvSpPr>
           <p:spPr>
             <a:xfrm>
+              <a:off x="3077212" y="2638707"/>
+              <a:ext cx="1452098" cy="246608"/>
+            </a:xfrm>
+            <a:prstGeom prst="rect">
+              <a:avLst/>
+            </a:prstGeom>
+            <a:solidFill>
+              <a:srgbClr val="F44336">
+                <a:alpha val="100000"/>
+              </a:srgbClr>
+            </a:solidFill>
+          </p:spPr>
+          <p:txBody>
+            <a:bodyPr/>
+            <a:lstStyle/>
+            <a:p/>
+          </p:txBody>
+        </p:sp>
+        <p:sp>
+          <p:nvSpPr>
+            <p:cNvPr id="31" name="rc31"/>
+            <p:cNvSpPr/>
+            <p:nvPr/>
+          </p:nvSpPr>
+          <p:spPr>
+            <a:xfrm>
+              <a:off x="8139933" y="2364698"/>
+              <a:ext cx="470950" cy="246608"/>
+            </a:xfrm>
+            <a:prstGeom prst="rect">
+              <a:avLst/>
+            </a:prstGeom>
+            <a:solidFill>
+              <a:srgbClr val="B0BEC5">
+                <a:alpha val="100000"/>
+              </a:srgbClr>
+            </a:solidFill>
+          </p:spPr>
+          <p:txBody>
+            <a:bodyPr/>
+            <a:lstStyle/>
+            <a:p/>
+          </p:txBody>
+        </p:sp>
+        <p:sp>
+          <p:nvSpPr>
+            <p:cNvPr id="32" name="rc32"/>
+            <p:cNvSpPr/>
+            <p:nvPr/>
+          </p:nvSpPr>
+          <p:spPr>
+            <a:xfrm>
+              <a:off x="7433507" y="2364698"/>
+              <a:ext cx="706426" cy="246608"/>
+            </a:xfrm>
+            <a:prstGeom prst="rect">
+              <a:avLst/>
+            </a:prstGeom>
+            <a:solidFill>
+              <a:srgbClr val="2196F3">
+                <a:alpha val="100000"/>
+              </a:srgbClr>
+            </a:solidFill>
+          </p:spPr>
+          <p:txBody>
+            <a:bodyPr/>
+            <a:lstStyle/>
+            <a:p/>
+          </p:txBody>
+        </p:sp>
+        <p:sp>
+          <p:nvSpPr>
+            <p:cNvPr id="33" name="rc33"/>
+            <p:cNvSpPr/>
+            <p:nvPr/>
+          </p:nvSpPr>
+          <p:spPr>
+            <a:xfrm>
+              <a:off x="6727081" y="2364698"/>
+              <a:ext cx="706426" cy="246608"/>
+            </a:xfrm>
+            <a:prstGeom prst="rect">
+              <a:avLst/>
+            </a:prstGeom>
+            <a:solidFill>
+              <a:srgbClr val="4CAF50">
+                <a:alpha val="100000"/>
+              </a:srgbClr>
+            </a:solidFill>
+          </p:spPr>
+          <p:txBody>
+            <a:bodyPr/>
+            <a:lstStyle/>
+            <a:p/>
+          </p:txBody>
+        </p:sp>
+        <p:sp>
+          <p:nvSpPr>
+            <p:cNvPr id="34" name="rc34"/>
+            <p:cNvSpPr/>
+            <p:nvPr/>
+          </p:nvSpPr>
+          <p:spPr>
+            <a:xfrm>
+              <a:off x="6099146" y="2364698"/>
+              <a:ext cx="627934" cy="246608"/>
+            </a:xfrm>
+            <a:prstGeom prst="rect">
+              <a:avLst/>
+            </a:prstGeom>
+            <a:solidFill>
+              <a:srgbClr val="FFC107">
+                <a:alpha val="100000"/>
+              </a:srgbClr>
+            </a:solidFill>
+          </p:spPr>
+          <p:txBody>
+            <a:bodyPr/>
+            <a:lstStyle/>
+            <a:p/>
+          </p:txBody>
+        </p:sp>
+        <p:sp>
+          <p:nvSpPr>
+            <p:cNvPr id="35" name="rc35"/>
+            <p:cNvSpPr/>
+            <p:nvPr/>
+          </p:nvSpPr>
+          <p:spPr>
+            <a:xfrm>
+              <a:off x="4568556" y="2364698"/>
+              <a:ext cx="1530590" cy="246608"/>
+            </a:xfrm>
+            <a:prstGeom prst="rect">
+              <a:avLst/>
+            </a:prstGeom>
+            <a:solidFill>
+              <a:srgbClr val="FF9800">
+                <a:alpha val="100000"/>
+              </a:srgbClr>
+            </a:solidFill>
+          </p:spPr>
+          <p:txBody>
+            <a:bodyPr/>
+            <a:lstStyle/>
+            <a:p/>
+          </p:txBody>
+        </p:sp>
+        <p:sp>
+          <p:nvSpPr>
+            <p:cNvPr id="36" name="rc36"/>
+            <p:cNvSpPr/>
+            <p:nvPr/>
+          </p:nvSpPr>
+          <p:spPr>
+            <a:xfrm>
               <a:off x="3077212" y="2364698"/>
-              <a:ext cx="1516074" cy="246608"/>
+              <a:ext cx="1491344" cy="246608"/>
             </a:xfrm>
             <a:prstGeom prst="rect">
               <a:avLst/>
@@ -3222,14 +3378,14 @@
         </p:sp>
         <p:sp>
           <p:nvSpPr>
-            <p:cNvPr id="31" name="rc31"/>
-            <p:cNvSpPr/>
-            <p:nvPr/>
-          </p:nvSpPr>
-          <p:spPr>
-            <a:xfrm>
-              <a:off x="8269767" y="2090689"/>
-              <a:ext cx="341116" cy="246608"/>
+            <p:cNvPr id="37" name="rc37"/>
+            <p:cNvSpPr/>
+            <p:nvPr/>
+          </p:nvSpPr>
+          <p:spPr>
+            <a:xfrm>
+              <a:off x="8139933" y="1816680"/>
+              <a:ext cx="470950" cy="246608"/>
             </a:xfrm>
             <a:prstGeom prst="rect">
               <a:avLst/>
@@ -3248,14 +3404,14 @@
         </p:sp>
         <p:sp>
           <p:nvSpPr>
-            <p:cNvPr id="32" name="rc32"/>
-            <p:cNvSpPr/>
-            <p:nvPr/>
-          </p:nvSpPr>
-          <p:spPr>
-            <a:xfrm>
-              <a:off x="7587534" y="2090689"/>
-              <a:ext cx="682233" cy="246608"/>
+            <p:cNvPr id="38" name="rc38"/>
+            <p:cNvSpPr/>
+            <p:nvPr/>
+          </p:nvSpPr>
+          <p:spPr>
+            <a:xfrm>
+              <a:off x="7629737" y="1816680"/>
+              <a:ext cx="510196" cy="246608"/>
             </a:xfrm>
             <a:prstGeom prst="rect">
               <a:avLst/>
@@ -3274,14 +3430,14 @@
         </p:sp>
         <p:sp>
           <p:nvSpPr>
-            <p:cNvPr id="33" name="rc33"/>
-            <p:cNvSpPr/>
-            <p:nvPr/>
-          </p:nvSpPr>
-          <p:spPr>
-            <a:xfrm>
-              <a:off x="6905300" y="2090689"/>
-              <a:ext cx="682233" cy="246608"/>
+            <p:cNvPr id="39" name="rc39"/>
+            <p:cNvSpPr/>
+            <p:nvPr/>
+          </p:nvSpPr>
+          <p:spPr>
+            <a:xfrm>
+              <a:off x="7198032" y="1816680"/>
+              <a:ext cx="431704" cy="246608"/>
             </a:xfrm>
             <a:prstGeom prst="rect">
               <a:avLst/>
@@ -3300,14 +3456,14 @@
         </p:sp>
         <p:sp>
           <p:nvSpPr>
-            <p:cNvPr id="34" name="rc34"/>
-            <p:cNvSpPr/>
-            <p:nvPr/>
-          </p:nvSpPr>
-          <p:spPr>
-            <a:xfrm>
-              <a:off x="6185165" y="2090689"/>
-              <a:ext cx="720135" cy="246608"/>
+            <p:cNvPr id="40" name="rc40"/>
+            <p:cNvSpPr/>
+            <p:nvPr/>
+          </p:nvSpPr>
+          <p:spPr>
+            <a:xfrm>
+              <a:off x="6295376" y="1816680"/>
+              <a:ext cx="902655" cy="246608"/>
             </a:xfrm>
             <a:prstGeom prst="rect">
               <a:avLst/>
@@ -3326,14 +3482,14 @@
         </p:sp>
         <p:sp>
           <p:nvSpPr>
-            <p:cNvPr id="35" name="rc35"/>
-            <p:cNvSpPr/>
-            <p:nvPr/>
-          </p:nvSpPr>
-          <p:spPr>
-            <a:xfrm>
-              <a:off x="4479581" y="2090689"/>
-              <a:ext cx="1705583" cy="246608"/>
+            <p:cNvPr id="41" name="rc41"/>
+            <p:cNvSpPr/>
+            <p:nvPr/>
+          </p:nvSpPr>
+          <p:spPr>
+            <a:xfrm>
+              <a:off x="4843278" y="1816680"/>
+              <a:ext cx="1452098" cy="246608"/>
             </a:xfrm>
             <a:prstGeom prst="rect">
               <a:avLst/>
@@ -3352,14 +3508,482 @@
         </p:sp>
         <p:sp>
           <p:nvSpPr>
-            <p:cNvPr id="36" name="rc36"/>
+            <p:cNvPr id="42" name="rc42"/>
+            <p:cNvSpPr/>
+            <p:nvPr/>
+          </p:nvSpPr>
+          <p:spPr>
+            <a:xfrm>
+              <a:off x="3077212" y="1816680"/>
+              <a:ext cx="1766065" cy="246608"/>
+            </a:xfrm>
+            <a:prstGeom prst="rect">
+              <a:avLst/>
+            </a:prstGeom>
+            <a:solidFill>
+              <a:srgbClr val="F44336">
+                <a:alpha val="100000"/>
+              </a:srgbClr>
+            </a:solidFill>
+          </p:spPr>
+          <p:txBody>
+            <a:bodyPr/>
+            <a:lstStyle/>
+            <a:p/>
+          </p:txBody>
+        </p:sp>
+        <p:sp>
+          <p:nvSpPr>
+            <p:cNvPr id="43" name="rc43"/>
+            <p:cNvSpPr/>
+            <p:nvPr/>
+          </p:nvSpPr>
+          <p:spPr>
+            <a:xfrm>
+              <a:off x="8100687" y="1268661"/>
+              <a:ext cx="510196" cy="246608"/>
+            </a:xfrm>
+            <a:prstGeom prst="rect">
+              <a:avLst/>
+            </a:prstGeom>
+            <a:solidFill>
+              <a:srgbClr val="B0BEC5">
+                <a:alpha val="100000"/>
+              </a:srgbClr>
+            </a:solidFill>
+          </p:spPr>
+          <p:txBody>
+            <a:bodyPr/>
+            <a:lstStyle/>
+            <a:p/>
+          </p:txBody>
+        </p:sp>
+        <p:sp>
+          <p:nvSpPr>
+            <p:cNvPr id="44" name="rc44"/>
+            <p:cNvSpPr/>
+            <p:nvPr/>
+          </p:nvSpPr>
+          <p:spPr>
+            <a:xfrm>
+              <a:off x="7551245" y="1268661"/>
+              <a:ext cx="549442" cy="246608"/>
+            </a:xfrm>
+            <a:prstGeom prst="rect">
+              <a:avLst/>
+            </a:prstGeom>
+            <a:solidFill>
+              <a:srgbClr val="2196F3">
+                <a:alpha val="100000"/>
+              </a:srgbClr>
+            </a:solidFill>
+          </p:spPr>
+          <p:txBody>
+            <a:bodyPr/>
+            <a:lstStyle/>
+            <a:p/>
+          </p:txBody>
+        </p:sp>
+        <p:sp>
+          <p:nvSpPr>
+            <p:cNvPr id="45" name="rc45"/>
+            <p:cNvSpPr/>
+            <p:nvPr/>
+          </p:nvSpPr>
+          <p:spPr>
+            <a:xfrm>
+              <a:off x="7080294" y="1268661"/>
+              <a:ext cx="470950" cy="246608"/>
+            </a:xfrm>
+            <a:prstGeom prst="rect">
+              <a:avLst/>
+            </a:prstGeom>
+            <a:solidFill>
+              <a:srgbClr val="4CAF50">
+                <a:alpha val="100000"/>
+              </a:srgbClr>
+            </a:solidFill>
+          </p:spPr>
+          <p:txBody>
+            <a:bodyPr/>
+            <a:lstStyle/>
+            <a:p/>
+          </p:txBody>
+        </p:sp>
+        <p:sp>
+          <p:nvSpPr>
+            <p:cNvPr id="46" name="rc46"/>
+            <p:cNvSpPr/>
+            <p:nvPr/>
+          </p:nvSpPr>
+          <p:spPr>
+            <a:xfrm>
+              <a:off x="6530851" y="1268661"/>
+              <a:ext cx="549442" cy="246608"/>
+            </a:xfrm>
+            <a:prstGeom prst="rect">
+              <a:avLst/>
+            </a:prstGeom>
+            <a:solidFill>
+              <a:srgbClr val="FFC107">
+                <a:alpha val="100000"/>
+              </a:srgbClr>
+            </a:solidFill>
+          </p:spPr>
+          <p:txBody>
+            <a:bodyPr/>
+            <a:lstStyle/>
+            <a:p/>
+          </p:txBody>
+        </p:sp>
+        <p:sp>
+          <p:nvSpPr>
+            <p:cNvPr id="47" name="rc47"/>
+            <p:cNvSpPr/>
+            <p:nvPr/>
+          </p:nvSpPr>
+          <p:spPr>
+            <a:xfrm>
+              <a:off x="5000261" y="1268661"/>
+              <a:ext cx="1530590" cy="246608"/>
+            </a:xfrm>
+            <a:prstGeom prst="rect">
+              <a:avLst/>
+            </a:prstGeom>
+            <a:solidFill>
+              <a:srgbClr val="FF9800">
+                <a:alpha val="100000"/>
+              </a:srgbClr>
+            </a:solidFill>
+          </p:spPr>
+          <p:txBody>
+            <a:bodyPr/>
+            <a:lstStyle/>
+            <a:p/>
+          </p:txBody>
+        </p:sp>
+        <p:sp>
+          <p:nvSpPr>
+            <p:cNvPr id="48" name="rc48"/>
+            <p:cNvSpPr/>
+            <p:nvPr/>
+          </p:nvSpPr>
+          <p:spPr>
+            <a:xfrm>
+              <a:off x="3077212" y="1268661"/>
+              <a:ext cx="1923049" cy="246608"/>
+            </a:xfrm>
+            <a:prstGeom prst="rect">
+              <a:avLst/>
+            </a:prstGeom>
+            <a:solidFill>
+              <a:srgbClr val="F44336">
+                <a:alpha val="100000"/>
+              </a:srgbClr>
+            </a:solidFill>
+          </p:spPr>
+          <p:txBody>
+            <a:bodyPr/>
+            <a:lstStyle/>
+            <a:p/>
+          </p:txBody>
+        </p:sp>
+        <p:sp>
+          <p:nvSpPr>
+            <p:cNvPr id="49" name="rc49"/>
+            <p:cNvSpPr/>
+            <p:nvPr/>
+          </p:nvSpPr>
+          <p:spPr>
+            <a:xfrm>
+              <a:off x="8179179" y="3460735"/>
+              <a:ext cx="431704" cy="246608"/>
+            </a:xfrm>
+            <a:prstGeom prst="rect">
+              <a:avLst/>
+            </a:prstGeom>
+            <a:solidFill>
+              <a:srgbClr val="B0BEC5">
+                <a:alpha val="100000"/>
+              </a:srgbClr>
+            </a:solidFill>
+          </p:spPr>
+          <p:txBody>
+            <a:bodyPr/>
+            <a:lstStyle/>
+            <a:p/>
+          </p:txBody>
+        </p:sp>
+        <p:sp>
+          <p:nvSpPr>
+            <p:cNvPr id="50" name="rc50"/>
+            <p:cNvSpPr/>
+            <p:nvPr/>
+          </p:nvSpPr>
+          <p:spPr>
+            <a:xfrm>
+              <a:off x="7394261" y="3460735"/>
+              <a:ext cx="784918" cy="246608"/>
+            </a:xfrm>
+            <a:prstGeom prst="rect">
+              <a:avLst/>
+            </a:prstGeom>
+            <a:solidFill>
+              <a:srgbClr val="2196F3">
+                <a:alpha val="100000"/>
+              </a:srgbClr>
+            </a:solidFill>
+          </p:spPr>
+          <p:txBody>
+            <a:bodyPr/>
+            <a:lstStyle/>
+            <a:p/>
+          </p:txBody>
+        </p:sp>
+        <p:sp>
+          <p:nvSpPr>
+            <p:cNvPr id="51" name="rc51"/>
+            <p:cNvSpPr/>
+            <p:nvPr/>
+          </p:nvSpPr>
+          <p:spPr>
+            <a:xfrm>
+              <a:off x="6805573" y="3460735"/>
+              <a:ext cx="588688" cy="246608"/>
+            </a:xfrm>
+            <a:prstGeom prst="rect">
+              <a:avLst/>
+            </a:prstGeom>
+            <a:solidFill>
+              <a:srgbClr val="4CAF50">
+                <a:alpha val="100000"/>
+              </a:srgbClr>
+            </a:solidFill>
+          </p:spPr>
+          <p:txBody>
+            <a:bodyPr/>
+            <a:lstStyle/>
+            <a:p/>
+          </p:txBody>
+        </p:sp>
+        <p:sp>
+          <p:nvSpPr>
+            <p:cNvPr id="52" name="rc52"/>
+            <p:cNvSpPr/>
+            <p:nvPr/>
+          </p:nvSpPr>
+          <p:spPr>
+            <a:xfrm>
+              <a:off x="5942163" y="3460735"/>
+              <a:ext cx="863409" cy="246608"/>
+            </a:xfrm>
+            <a:prstGeom prst="rect">
+              <a:avLst/>
+            </a:prstGeom>
+            <a:solidFill>
+              <a:srgbClr val="FFC107">
+                <a:alpha val="100000"/>
+              </a:srgbClr>
+            </a:solidFill>
+          </p:spPr>
+          <p:txBody>
+            <a:bodyPr/>
+            <a:lstStyle/>
+            <a:p/>
+          </p:txBody>
+        </p:sp>
+        <p:sp>
+          <p:nvSpPr>
+            <p:cNvPr id="53" name="rc53"/>
+            <p:cNvSpPr/>
+            <p:nvPr/>
+          </p:nvSpPr>
+          <p:spPr>
+            <a:xfrm>
+              <a:off x="4293835" y="3460735"/>
+              <a:ext cx="1648327" cy="246608"/>
+            </a:xfrm>
+            <a:prstGeom prst="rect">
+              <a:avLst/>
+            </a:prstGeom>
+            <a:solidFill>
+              <a:srgbClr val="FF9800">
+                <a:alpha val="100000"/>
+              </a:srgbClr>
+            </a:solidFill>
+          </p:spPr>
+          <p:txBody>
+            <a:bodyPr/>
+            <a:lstStyle/>
+            <a:p/>
+          </p:txBody>
+        </p:sp>
+        <p:sp>
+          <p:nvSpPr>
+            <p:cNvPr id="54" name="rc54"/>
+            <p:cNvSpPr/>
+            <p:nvPr/>
+          </p:nvSpPr>
+          <p:spPr>
+            <a:xfrm>
+              <a:off x="3077212" y="3460735"/>
+              <a:ext cx="1216622" cy="246608"/>
+            </a:xfrm>
+            <a:prstGeom prst="rect">
+              <a:avLst/>
+            </a:prstGeom>
+            <a:solidFill>
+              <a:srgbClr val="F44336">
+                <a:alpha val="100000"/>
+              </a:srgbClr>
+            </a:solidFill>
+          </p:spPr>
+          <p:txBody>
+            <a:bodyPr/>
+            <a:lstStyle/>
+            <a:p/>
+          </p:txBody>
+        </p:sp>
+        <p:sp>
+          <p:nvSpPr>
+            <p:cNvPr id="55" name="rc55"/>
+            <p:cNvSpPr/>
+            <p:nvPr/>
+          </p:nvSpPr>
+          <p:spPr>
+            <a:xfrm>
+              <a:off x="8296917" y="2090689"/>
+              <a:ext cx="313967" cy="246608"/>
+            </a:xfrm>
+            <a:prstGeom prst="rect">
+              <a:avLst/>
+            </a:prstGeom>
+            <a:solidFill>
+              <a:srgbClr val="B0BEC5">
+                <a:alpha val="100000"/>
+              </a:srgbClr>
+            </a:solidFill>
+          </p:spPr>
+          <p:txBody>
+            <a:bodyPr/>
+            <a:lstStyle/>
+            <a:p/>
+          </p:txBody>
+        </p:sp>
+        <p:sp>
+          <p:nvSpPr>
+            <p:cNvPr id="56" name="rc56"/>
+            <p:cNvSpPr/>
+            <p:nvPr/>
+          </p:nvSpPr>
+          <p:spPr>
+            <a:xfrm>
+              <a:off x="7708228" y="2090689"/>
+              <a:ext cx="588688" cy="246608"/>
+            </a:xfrm>
+            <a:prstGeom prst="rect">
+              <a:avLst/>
+            </a:prstGeom>
+            <a:solidFill>
+              <a:srgbClr val="2196F3">
+                <a:alpha val="100000"/>
+              </a:srgbClr>
+            </a:solidFill>
+          </p:spPr>
+          <p:txBody>
+            <a:bodyPr/>
+            <a:lstStyle/>
+            <a:p/>
+          </p:txBody>
+        </p:sp>
+        <p:sp>
+          <p:nvSpPr>
+            <p:cNvPr id="57" name="rc57"/>
+            <p:cNvSpPr/>
+            <p:nvPr/>
+          </p:nvSpPr>
+          <p:spPr>
+            <a:xfrm>
+              <a:off x="7158786" y="2090689"/>
+              <a:ext cx="549442" cy="246608"/>
+            </a:xfrm>
+            <a:prstGeom prst="rect">
+              <a:avLst/>
+            </a:prstGeom>
+            <a:solidFill>
+              <a:srgbClr val="4CAF50">
+                <a:alpha val="100000"/>
+              </a:srgbClr>
+            </a:solidFill>
+          </p:spPr>
+          <p:txBody>
+            <a:bodyPr/>
+            <a:lstStyle/>
+            <a:p/>
+          </p:txBody>
+        </p:sp>
+        <p:sp>
+          <p:nvSpPr>
+            <p:cNvPr id="58" name="rc58"/>
+            <p:cNvSpPr/>
+            <p:nvPr/>
+          </p:nvSpPr>
+          <p:spPr>
+            <a:xfrm>
+              <a:off x="6138392" y="2090689"/>
+              <a:ext cx="1020393" cy="246608"/>
+            </a:xfrm>
+            <a:prstGeom prst="rect">
+              <a:avLst/>
+            </a:prstGeom>
+            <a:solidFill>
+              <a:srgbClr val="FFC107">
+                <a:alpha val="100000"/>
+              </a:srgbClr>
+            </a:solidFill>
+          </p:spPr>
+          <p:txBody>
+            <a:bodyPr/>
+            <a:lstStyle/>
+            <a:p/>
+          </p:txBody>
+        </p:sp>
+        <p:sp>
+          <p:nvSpPr>
+            <p:cNvPr id="59" name="rc59"/>
+            <p:cNvSpPr/>
+            <p:nvPr/>
+          </p:nvSpPr>
+          <p:spPr>
+            <a:xfrm>
+              <a:off x="4293835" y="2090689"/>
+              <a:ext cx="1844557" cy="246608"/>
+            </a:xfrm>
+            <a:prstGeom prst="rect">
+              <a:avLst/>
+            </a:prstGeom>
+            <a:solidFill>
+              <a:srgbClr val="FF9800">
+                <a:alpha val="100000"/>
+              </a:srgbClr>
+            </a:solidFill>
+          </p:spPr>
+          <p:txBody>
+            <a:bodyPr/>
+            <a:lstStyle/>
+            <a:p/>
+          </p:txBody>
+        </p:sp>
+        <p:sp>
+          <p:nvSpPr>
+            <p:cNvPr id="60" name="rc60"/>
             <p:cNvSpPr/>
             <p:nvPr/>
           </p:nvSpPr>
           <p:spPr>
             <a:xfrm>
               <a:off x="3077212" y="2090689"/>
-              <a:ext cx="1402368" cy="246608"/>
+              <a:ext cx="1216622" cy="246608"/>
             </a:xfrm>
             <a:prstGeom prst="rect">
               <a:avLst/>
@@ -3378,14 +4002,14 @@
         </p:sp>
         <p:sp>
           <p:nvSpPr>
-            <p:cNvPr id="37" name="rc37"/>
-            <p:cNvSpPr/>
-            <p:nvPr/>
-          </p:nvSpPr>
-          <p:spPr>
-            <a:xfrm>
-              <a:off x="8231866" y="1816680"/>
-              <a:ext cx="379018" cy="246608"/>
+            <p:cNvPr id="61" name="rc61"/>
+            <p:cNvSpPr/>
+            <p:nvPr/>
+          </p:nvSpPr>
+          <p:spPr>
+            <a:xfrm>
+              <a:off x="7943704" y="4556772"/>
+              <a:ext cx="667180" cy="246608"/>
             </a:xfrm>
             <a:prstGeom prst="rect">
               <a:avLst/>
@@ -3404,14 +4028,14 @@
         </p:sp>
         <p:sp>
           <p:nvSpPr>
-            <p:cNvPr id="38" name="rc38"/>
-            <p:cNvSpPr/>
-            <p:nvPr/>
-          </p:nvSpPr>
-          <p:spPr>
-            <a:xfrm>
-              <a:off x="7739141" y="1816680"/>
-              <a:ext cx="492724" cy="246608"/>
+            <p:cNvPr id="62" name="rc62"/>
+            <p:cNvSpPr/>
+            <p:nvPr/>
+          </p:nvSpPr>
+          <p:spPr>
+            <a:xfrm>
+              <a:off x="7041048" y="4556772"/>
+              <a:ext cx="902655" cy="246608"/>
             </a:xfrm>
             <a:prstGeom prst="rect">
               <a:avLst/>
@@ -3430,14 +4054,14 @@
         </p:sp>
         <p:sp>
           <p:nvSpPr>
-            <p:cNvPr id="39" name="rc39"/>
-            <p:cNvSpPr/>
-            <p:nvPr/>
-          </p:nvSpPr>
-          <p:spPr>
-            <a:xfrm>
-              <a:off x="7284319" y="1816680"/>
-              <a:ext cx="454822" cy="246608"/>
+            <p:cNvPr id="63" name="rc63"/>
+            <p:cNvSpPr/>
+            <p:nvPr/>
+          </p:nvSpPr>
+          <p:spPr>
+            <a:xfrm>
+              <a:off x="6570097" y="4556772"/>
+              <a:ext cx="470950" cy="246608"/>
             </a:xfrm>
             <a:prstGeom prst="rect">
               <a:avLst/>
@@ -3456,14 +4080,14 @@
         </p:sp>
         <p:sp>
           <p:nvSpPr>
-            <p:cNvPr id="40" name="rc40"/>
-            <p:cNvSpPr/>
-            <p:nvPr/>
-          </p:nvSpPr>
-          <p:spPr>
-            <a:xfrm>
-              <a:off x="6374674" y="1816680"/>
-              <a:ext cx="909644" cy="246608"/>
+            <p:cNvPr id="64" name="rc64"/>
+            <p:cNvSpPr/>
+            <p:nvPr/>
+          </p:nvSpPr>
+          <p:spPr>
+            <a:xfrm>
+              <a:off x="5353474" y="4556772"/>
+              <a:ext cx="1216622" cy="246608"/>
             </a:xfrm>
             <a:prstGeom prst="rect">
               <a:avLst/>
@@ -3482,14 +4106,14 @@
         </p:sp>
         <p:sp>
           <p:nvSpPr>
-            <p:cNvPr id="41" name="rc41"/>
-            <p:cNvSpPr/>
-            <p:nvPr/>
-          </p:nvSpPr>
-          <p:spPr>
-            <a:xfrm>
-              <a:off x="4896501" y="1816680"/>
-              <a:ext cx="1478172" cy="246608"/>
+            <p:cNvPr id="65" name="rc65"/>
+            <p:cNvSpPr/>
+            <p:nvPr/>
+          </p:nvSpPr>
+          <p:spPr>
+            <a:xfrm>
+              <a:off x="4097605" y="4556772"/>
+              <a:ext cx="1255868" cy="246608"/>
             </a:xfrm>
             <a:prstGeom prst="rect">
               <a:avLst/>
@@ -3508,14 +4132,14 @@
         </p:sp>
         <p:sp>
           <p:nvSpPr>
-            <p:cNvPr id="42" name="rc42"/>
-            <p:cNvSpPr/>
-            <p:nvPr/>
-          </p:nvSpPr>
-          <p:spPr>
-            <a:xfrm>
-              <a:off x="3077212" y="1816680"/>
-              <a:ext cx="1819289" cy="246608"/>
+            <p:cNvPr id="66" name="rc66"/>
+            <p:cNvSpPr/>
+            <p:nvPr/>
+          </p:nvSpPr>
+          <p:spPr>
+            <a:xfrm>
+              <a:off x="3077212" y="4556772"/>
+              <a:ext cx="1020393" cy="246608"/>
             </a:xfrm>
             <a:prstGeom prst="rect">
               <a:avLst/>
@@ -3534,14 +4158,14 @@
         </p:sp>
         <p:sp>
           <p:nvSpPr>
-            <p:cNvPr id="43" name="rc43"/>
-            <p:cNvSpPr/>
-            <p:nvPr/>
-          </p:nvSpPr>
-          <p:spPr>
-            <a:xfrm>
-              <a:off x="8231866" y="1268661"/>
-              <a:ext cx="379018" cy="246608"/>
+            <p:cNvPr id="67" name="rc67"/>
+            <p:cNvSpPr/>
+            <p:nvPr/>
+          </p:nvSpPr>
+          <p:spPr>
+            <a:xfrm>
+              <a:off x="8296917" y="4008753"/>
+              <a:ext cx="313967" cy="246608"/>
             </a:xfrm>
             <a:prstGeom prst="rect">
               <a:avLst/>
@@ -3560,14 +4184,14 @@
         </p:sp>
         <p:sp>
           <p:nvSpPr>
-            <p:cNvPr id="44" name="rc44"/>
-            <p:cNvSpPr/>
-            <p:nvPr/>
-          </p:nvSpPr>
-          <p:spPr>
-            <a:xfrm>
-              <a:off x="7739141" y="1268661"/>
-              <a:ext cx="492724" cy="246608"/>
+            <p:cNvPr id="68" name="rc68"/>
+            <p:cNvSpPr/>
+            <p:nvPr/>
+          </p:nvSpPr>
+          <p:spPr>
+            <a:xfrm>
+              <a:off x="7394261" y="4008753"/>
+              <a:ext cx="902655" cy="246608"/>
             </a:xfrm>
             <a:prstGeom prst="rect">
               <a:avLst/>
@@ -3586,14 +4210,14 @@
         </p:sp>
         <p:sp>
           <p:nvSpPr>
-            <p:cNvPr id="45" name="rc45"/>
-            <p:cNvSpPr/>
-            <p:nvPr/>
-          </p:nvSpPr>
-          <p:spPr>
-            <a:xfrm>
-              <a:off x="7246417" y="1268661"/>
-              <a:ext cx="492724" cy="246608"/>
+            <p:cNvPr id="69" name="rc69"/>
+            <p:cNvSpPr/>
+            <p:nvPr/>
+          </p:nvSpPr>
+          <p:spPr>
+            <a:xfrm>
+              <a:off x="6609343" y="4008753"/>
+              <a:ext cx="784918" cy="246608"/>
             </a:xfrm>
             <a:prstGeom prst="rect">
               <a:avLst/>
@@ -3612,14 +4236,14 @@
         </p:sp>
         <p:sp>
           <p:nvSpPr>
-            <p:cNvPr id="46" name="rc46"/>
-            <p:cNvSpPr/>
-            <p:nvPr/>
-          </p:nvSpPr>
-          <p:spPr>
-            <a:xfrm>
-              <a:off x="6639987" y="1268661"/>
-              <a:ext cx="606429" cy="246608"/>
+            <p:cNvPr id="70" name="rc70"/>
+            <p:cNvSpPr/>
+            <p:nvPr/>
+          </p:nvSpPr>
+          <p:spPr>
+            <a:xfrm>
+              <a:off x="5471212" y="4008753"/>
+              <a:ext cx="1138131" cy="246608"/>
             </a:xfrm>
             <a:prstGeom prst="rect">
               <a:avLst/>
@@ -3638,14 +4262,14 @@
         </p:sp>
         <p:sp>
           <p:nvSpPr>
-            <p:cNvPr id="47" name="rc47"/>
-            <p:cNvSpPr/>
-            <p:nvPr/>
-          </p:nvSpPr>
-          <p:spPr>
-            <a:xfrm>
-              <a:off x="4972305" y="1268661"/>
-              <a:ext cx="1667682" cy="246608"/>
+            <p:cNvPr id="71" name="rc71"/>
+            <p:cNvSpPr/>
+            <p:nvPr/>
+          </p:nvSpPr>
+          <p:spPr>
+            <a:xfrm>
+              <a:off x="3940622" y="4008753"/>
+              <a:ext cx="1530590" cy="246608"/>
             </a:xfrm>
             <a:prstGeom prst="rect">
               <a:avLst/>
@@ -3664,14 +4288,14 @@
         </p:sp>
         <p:sp>
           <p:nvSpPr>
-            <p:cNvPr id="48" name="rc48"/>
-            <p:cNvSpPr/>
-            <p:nvPr/>
-          </p:nvSpPr>
-          <p:spPr>
-            <a:xfrm>
-              <a:off x="3077212" y="1268661"/>
-              <a:ext cx="1895093" cy="246608"/>
+            <p:cNvPr id="72" name="rc72"/>
+            <p:cNvSpPr/>
+            <p:nvPr/>
+          </p:nvSpPr>
+          <p:spPr>
+            <a:xfrm>
+              <a:off x="3077212" y="4008753"/>
+              <a:ext cx="863409" cy="246608"/>
             </a:xfrm>
             <a:prstGeom prst="rect">
               <a:avLst/>
@@ -3690,14 +4314,14 @@
         </p:sp>
         <p:sp>
           <p:nvSpPr>
-            <p:cNvPr id="49" name="rc49"/>
-            <p:cNvSpPr/>
-            <p:nvPr/>
-          </p:nvSpPr>
-          <p:spPr>
-            <a:xfrm>
-              <a:off x="8231866" y="3460735"/>
-              <a:ext cx="379018" cy="246608"/>
+            <p:cNvPr id="73" name="rc73"/>
+            <p:cNvSpPr/>
+            <p:nvPr/>
+          </p:nvSpPr>
+          <p:spPr>
+            <a:xfrm>
+              <a:off x="8375409" y="3734744"/>
+              <a:ext cx="235475" cy="246608"/>
             </a:xfrm>
             <a:prstGeom prst="rect">
               <a:avLst/>
@@ -3716,14 +4340,14 @@
         </p:sp>
         <p:sp>
           <p:nvSpPr>
-            <p:cNvPr id="50" name="rc50"/>
-            <p:cNvSpPr/>
-            <p:nvPr/>
-          </p:nvSpPr>
-          <p:spPr>
-            <a:xfrm>
-              <a:off x="7473828" y="3460735"/>
-              <a:ext cx="758037" cy="246608"/>
+            <p:cNvPr id="74" name="rc74"/>
+            <p:cNvSpPr/>
+            <p:nvPr/>
+          </p:nvSpPr>
+          <p:spPr>
+            <a:xfrm>
+              <a:off x="7511999" y="3734744"/>
+              <a:ext cx="863409" cy="246608"/>
             </a:xfrm>
             <a:prstGeom prst="rect">
               <a:avLst/>
@@ -3742,14 +4366,14 @@
         </p:sp>
         <p:sp>
           <p:nvSpPr>
-            <p:cNvPr id="51" name="rc51"/>
-            <p:cNvSpPr/>
-            <p:nvPr/>
-          </p:nvSpPr>
-          <p:spPr>
-            <a:xfrm>
-              <a:off x="6943202" y="3460735"/>
-              <a:ext cx="530626" cy="246608"/>
+            <p:cNvPr id="75" name="rc75"/>
+            <p:cNvSpPr/>
+            <p:nvPr/>
+          </p:nvSpPr>
+          <p:spPr>
+            <a:xfrm>
+              <a:off x="6334622" y="3734744"/>
+              <a:ext cx="1177377" cy="246608"/>
             </a:xfrm>
             <a:prstGeom prst="rect">
               <a:avLst/>
@@ -3768,14 +4392,14 @@
         </p:sp>
         <p:sp>
           <p:nvSpPr>
-            <p:cNvPr id="52" name="rc52"/>
-            <p:cNvSpPr/>
-            <p:nvPr/>
-          </p:nvSpPr>
-          <p:spPr>
-            <a:xfrm>
-              <a:off x="5919852" y="3460735"/>
-              <a:ext cx="1023350" cy="246608"/>
+            <p:cNvPr id="76" name="rc76"/>
+            <p:cNvSpPr/>
+            <p:nvPr/>
+          </p:nvSpPr>
+          <p:spPr>
+            <a:xfrm>
+              <a:off x="5471212" y="3734744"/>
+              <a:ext cx="863409" cy="246608"/>
             </a:xfrm>
             <a:prstGeom prst="rect">
               <a:avLst/>
@@ -3794,14 +4418,14 @@
         </p:sp>
         <p:sp>
           <p:nvSpPr>
-            <p:cNvPr id="53" name="rc53"/>
-            <p:cNvSpPr/>
-            <p:nvPr/>
-          </p:nvSpPr>
-          <p:spPr>
-            <a:xfrm>
-              <a:off x="4327973" y="3460735"/>
-              <a:ext cx="1591878" cy="246608"/>
+            <p:cNvPr id="77" name="rc77"/>
+            <p:cNvSpPr/>
+            <p:nvPr/>
+          </p:nvSpPr>
+          <p:spPr>
+            <a:xfrm>
+              <a:off x="3979868" y="3734744"/>
+              <a:ext cx="1491344" cy="246608"/>
             </a:xfrm>
             <a:prstGeom prst="rect">
               <a:avLst/>
@@ -3820,14 +4444,14 @@
         </p:sp>
         <p:sp>
           <p:nvSpPr>
-            <p:cNvPr id="54" name="rc54"/>
-            <p:cNvSpPr/>
-            <p:nvPr/>
-          </p:nvSpPr>
-          <p:spPr>
-            <a:xfrm>
-              <a:off x="3077212" y="3460735"/>
-              <a:ext cx="1250761" cy="246608"/>
+            <p:cNvPr id="78" name="rc78"/>
+            <p:cNvSpPr/>
+            <p:nvPr/>
+          </p:nvSpPr>
+          <p:spPr>
+            <a:xfrm>
+              <a:off x="3077212" y="3734744"/>
+              <a:ext cx="902655" cy="246608"/>
             </a:xfrm>
             <a:prstGeom prst="rect">
               <a:avLst/>
@@ -3846,14 +4470,14 @@
         </p:sp>
         <p:sp>
           <p:nvSpPr>
-            <p:cNvPr id="55" name="rc55"/>
-            <p:cNvSpPr/>
-            <p:nvPr/>
-          </p:nvSpPr>
-          <p:spPr>
-            <a:xfrm>
-              <a:off x="8383473" y="2638707"/>
-              <a:ext cx="227411" cy="246608"/>
+            <p:cNvPr id="79" name="rc79"/>
+            <p:cNvSpPr/>
+            <p:nvPr/>
+          </p:nvSpPr>
+          <p:spPr>
+            <a:xfrm>
+              <a:off x="7825966" y="4830781"/>
+              <a:ext cx="784918" cy="246608"/>
             </a:xfrm>
             <a:prstGeom prst="rect">
               <a:avLst/>
@@ -3872,14 +4496,14 @@
         </p:sp>
         <p:sp>
           <p:nvSpPr>
-            <p:cNvPr id="56" name="rc56"/>
-            <p:cNvSpPr/>
-            <p:nvPr/>
-          </p:nvSpPr>
-          <p:spPr>
-            <a:xfrm>
-              <a:off x="7814945" y="2638707"/>
-              <a:ext cx="568527" cy="246608"/>
+            <p:cNvPr id="80" name="rc80"/>
+            <p:cNvSpPr/>
+            <p:nvPr/>
+          </p:nvSpPr>
+          <p:spPr>
+            <a:xfrm>
+              <a:off x="6373868" y="4830781"/>
+              <a:ext cx="1452098" cy="246608"/>
             </a:xfrm>
             <a:prstGeom prst="rect">
               <a:avLst/>
@@ -3898,14 +4522,14 @@
         </p:sp>
         <p:sp>
           <p:nvSpPr>
-            <p:cNvPr id="57" name="rc57"/>
-            <p:cNvSpPr/>
-            <p:nvPr/>
-          </p:nvSpPr>
-          <p:spPr>
-            <a:xfrm>
-              <a:off x="7246417" y="2638707"/>
-              <a:ext cx="568527" cy="246608"/>
+            <p:cNvPr id="81" name="rc81"/>
+            <p:cNvSpPr/>
+            <p:nvPr/>
+          </p:nvSpPr>
+          <p:spPr>
+            <a:xfrm>
+              <a:off x="5902917" y="4830781"/>
+              <a:ext cx="470950" cy="246608"/>
             </a:xfrm>
             <a:prstGeom prst="rect">
               <a:avLst/>
@@ -3924,14 +4548,14 @@
         </p:sp>
         <p:sp>
           <p:nvSpPr>
-            <p:cNvPr id="58" name="rc58"/>
-            <p:cNvSpPr/>
-            <p:nvPr/>
-          </p:nvSpPr>
-          <p:spPr>
-            <a:xfrm>
-              <a:off x="6147263" y="2638707"/>
-              <a:ext cx="1099154" cy="246608"/>
+            <p:cNvPr id="82" name="rc82"/>
+            <p:cNvSpPr/>
+            <p:nvPr/>
+          </p:nvSpPr>
+          <p:spPr>
+            <a:xfrm>
+              <a:off x="5039507" y="4830781"/>
+              <a:ext cx="863409" cy="246608"/>
             </a:xfrm>
             <a:prstGeom prst="rect">
               <a:avLst/>
@@ -3950,14 +4574,14 @@
         </p:sp>
         <p:sp>
           <p:nvSpPr>
-            <p:cNvPr id="59" name="rc59"/>
-            <p:cNvSpPr/>
-            <p:nvPr/>
-          </p:nvSpPr>
-          <p:spPr>
-            <a:xfrm>
-              <a:off x="4290072" y="2638707"/>
-              <a:ext cx="1857191" cy="246608"/>
+            <p:cNvPr id="83" name="rc83"/>
+            <p:cNvSpPr/>
+            <p:nvPr/>
+          </p:nvSpPr>
+          <p:spPr>
+            <a:xfrm>
+              <a:off x="4215343" y="4830781"/>
+              <a:ext cx="824163" cy="246608"/>
             </a:xfrm>
             <a:prstGeom prst="rect">
               <a:avLst/>
@@ -3976,14 +4600,14 @@
         </p:sp>
         <p:sp>
           <p:nvSpPr>
-            <p:cNvPr id="60" name="rc60"/>
-            <p:cNvSpPr/>
-            <p:nvPr/>
-          </p:nvSpPr>
-          <p:spPr>
-            <a:xfrm>
-              <a:off x="3077212" y="2638707"/>
-              <a:ext cx="1212859" cy="246608"/>
+            <p:cNvPr id="84" name="rc84"/>
+            <p:cNvSpPr/>
+            <p:nvPr/>
+          </p:nvSpPr>
+          <p:spPr>
+            <a:xfrm>
+              <a:off x="3077212" y="4830781"/>
+              <a:ext cx="1138131" cy="246608"/>
             </a:xfrm>
             <a:prstGeom prst="rect">
               <a:avLst/>
@@ -4002,14 +4626,14 @@
         </p:sp>
         <p:sp>
           <p:nvSpPr>
-            <p:cNvPr id="61" name="rc61"/>
-            <p:cNvSpPr/>
-            <p:nvPr/>
-          </p:nvSpPr>
-          <p:spPr>
-            <a:xfrm>
-              <a:off x="8004454" y="4008753"/>
-              <a:ext cx="606429" cy="246608"/>
+            <p:cNvPr id="85" name="rc85"/>
+            <p:cNvSpPr/>
+            <p:nvPr/>
+          </p:nvSpPr>
+          <p:spPr>
+            <a:xfrm>
+              <a:off x="7708228" y="2912716"/>
+              <a:ext cx="902655" cy="246608"/>
             </a:xfrm>
             <a:prstGeom prst="rect">
               <a:avLst/>
@@ -4028,14 +4652,14 @@
         </p:sp>
         <p:sp>
           <p:nvSpPr>
-            <p:cNvPr id="62" name="rc62"/>
-            <p:cNvSpPr/>
-            <p:nvPr/>
-          </p:nvSpPr>
-          <p:spPr>
-            <a:xfrm>
-              <a:off x="7094810" y="4008753"/>
-              <a:ext cx="909644" cy="246608"/>
+            <p:cNvPr id="86" name="rc86"/>
+            <p:cNvSpPr/>
+            <p:nvPr/>
+          </p:nvSpPr>
+          <p:spPr>
+            <a:xfrm>
+              <a:off x="6844819" y="2912716"/>
+              <a:ext cx="863409" cy="246608"/>
             </a:xfrm>
             <a:prstGeom prst="rect">
               <a:avLst/>
@@ -4054,14 +4678,14 @@
         </p:sp>
         <p:sp>
           <p:nvSpPr>
-            <p:cNvPr id="63" name="rc63"/>
-            <p:cNvSpPr/>
-            <p:nvPr/>
-          </p:nvSpPr>
-          <p:spPr>
-            <a:xfrm>
-              <a:off x="6677889" y="4008753"/>
-              <a:ext cx="416920" cy="246608"/>
+            <p:cNvPr id="87" name="rc87"/>
+            <p:cNvSpPr/>
+            <p:nvPr/>
+          </p:nvSpPr>
+          <p:spPr>
+            <a:xfrm>
+              <a:off x="6452360" y="2912716"/>
+              <a:ext cx="392459" cy="246608"/>
             </a:xfrm>
             <a:prstGeom prst="rect">
               <a:avLst/>
@@ -4080,14 +4704,14 @@
         </p:sp>
         <p:sp>
           <p:nvSpPr>
-            <p:cNvPr id="64" name="rc64"/>
-            <p:cNvSpPr/>
-            <p:nvPr/>
-          </p:nvSpPr>
-          <p:spPr>
-            <a:xfrm>
-              <a:off x="5502931" y="4008753"/>
-              <a:ext cx="1174957" cy="246608"/>
+            <p:cNvPr id="88" name="rc88"/>
+            <p:cNvSpPr/>
+            <p:nvPr/>
+          </p:nvSpPr>
+          <p:spPr>
+            <a:xfrm>
+              <a:off x="6020655" y="2912716"/>
+              <a:ext cx="431704" cy="246608"/>
             </a:xfrm>
             <a:prstGeom prst="rect">
               <a:avLst/>
@@ -4106,14 +4730,14 @@
         </p:sp>
         <p:sp>
           <p:nvSpPr>
-            <p:cNvPr id="65" name="rc65"/>
-            <p:cNvSpPr/>
-            <p:nvPr/>
-          </p:nvSpPr>
-          <p:spPr>
-            <a:xfrm>
-              <a:off x="4138464" y="4008753"/>
-              <a:ext cx="1364467" cy="246608"/>
+            <p:cNvPr id="89" name="rc89"/>
+            <p:cNvSpPr/>
+            <p:nvPr/>
+          </p:nvSpPr>
+          <p:spPr>
+            <a:xfrm>
+              <a:off x="4490064" y="2912716"/>
+              <a:ext cx="1530590" cy="246608"/>
             </a:xfrm>
             <a:prstGeom prst="rect">
               <a:avLst/>
@@ -4132,14 +4756,14 @@
         </p:sp>
         <p:sp>
           <p:nvSpPr>
-            <p:cNvPr id="66" name="rc66"/>
-            <p:cNvSpPr/>
-            <p:nvPr/>
-          </p:nvSpPr>
-          <p:spPr>
-            <a:xfrm>
-              <a:off x="3077212" y="4008753"/>
-              <a:ext cx="1061252" cy="246608"/>
+            <p:cNvPr id="90" name="rc90"/>
+            <p:cNvSpPr/>
+            <p:nvPr/>
+          </p:nvSpPr>
+          <p:spPr>
+            <a:xfrm>
+              <a:off x="3077212" y="2912716"/>
+              <a:ext cx="1412852" cy="246608"/>
             </a:xfrm>
             <a:prstGeom prst="rect">
               <a:avLst/>
@@ -4158,14 +4782,14 @@
         </p:sp>
         <p:sp>
           <p:nvSpPr>
-            <p:cNvPr id="67" name="rc67"/>
-            <p:cNvSpPr/>
-            <p:nvPr/>
-          </p:nvSpPr>
-          <p:spPr>
-            <a:xfrm>
-              <a:off x="8345571" y="4556772"/>
-              <a:ext cx="265313" cy="246608"/>
+            <p:cNvPr id="91" name="rc91"/>
+            <p:cNvSpPr/>
+            <p:nvPr/>
+          </p:nvSpPr>
+          <p:spPr>
+            <a:xfrm>
+              <a:off x="8022196" y="5104790"/>
+              <a:ext cx="588688" cy="246608"/>
             </a:xfrm>
             <a:prstGeom prst="rect">
               <a:avLst/>
@@ -4184,14 +4808,14 @@
         </p:sp>
         <p:sp>
           <p:nvSpPr>
-            <p:cNvPr id="68" name="rc68"/>
-            <p:cNvSpPr/>
-            <p:nvPr/>
-          </p:nvSpPr>
-          <p:spPr>
-            <a:xfrm>
-              <a:off x="7473828" y="4556772"/>
-              <a:ext cx="871742" cy="246608"/>
+            <p:cNvPr id="92" name="rc92"/>
+            <p:cNvSpPr/>
+            <p:nvPr/>
+          </p:nvSpPr>
+          <p:spPr>
+            <a:xfrm>
+              <a:off x="6844819" y="5104790"/>
+              <a:ext cx="1177377" cy="246608"/>
             </a:xfrm>
             <a:prstGeom prst="rect">
               <a:avLst/>
@@ -4210,14 +4834,14 @@
         </p:sp>
         <p:sp>
           <p:nvSpPr>
-            <p:cNvPr id="69" name="rc69"/>
-            <p:cNvSpPr/>
-            <p:nvPr/>
-          </p:nvSpPr>
-          <p:spPr>
-            <a:xfrm>
-              <a:off x="6677889" y="4556772"/>
-              <a:ext cx="795939" cy="246608"/>
+            <p:cNvPr id="93" name="rc93"/>
+            <p:cNvSpPr/>
+            <p:nvPr/>
+          </p:nvSpPr>
+          <p:spPr>
+            <a:xfrm>
+              <a:off x="5863671" y="5104790"/>
+              <a:ext cx="981147" cy="246608"/>
             </a:xfrm>
             <a:prstGeom prst="rect">
               <a:avLst/>
@@ -4236,14 +4860,14 @@
         </p:sp>
         <p:sp>
           <p:nvSpPr>
-            <p:cNvPr id="70" name="rc70"/>
-            <p:cNvSpPr/>
-            <p:nvPr/>
-          </p:nvSpPr>
-          <p:spPr>
-            <a:xfrm>
-              <a:off x="5465029" y="4556772"/>
-              <a:ext cx="1212859" cy="246608"/>
+            <p:cNvPr id="94" name="rc94"/>
+            <p:cNvSpPr/>
+            <p:nvPr/>
+          </p:nvSpPr>
+          <p:spPr>
+            <a:xfrm>
+              <a:off x="4921769" y="5104790"/>
+              <a:ext cx="941901" cy="246608"/>
             </a:xfrm>
             <a:prstGeom prst="rect">
               <a:avLst/>
@@ -4262,14 +4886,14 @@
         </p:sp>
         <p:sp>
           <p:nvSpPr>
-            <p:cNvPr id="71" name="rc71"/>
-            <p:cNvSpPr/>
-            <p:nvPr/>
-          </p:nvSpPr>
-          <p:spPr>
-            <a:xfrm>
-              <a:off x="3986857" y="4556772"/>
-              <a:ext cx="1478172" cy="246608"/>
+            <p:cNvPr id="95" name="rc95"/>
+            <p:cNvSpPr/>
+            <p:nvPr/>
+          </p:nvSpPr>
+          <p:spPr>
+            <a:xfrm>
+              <a:off x="3783638" y="5104790"/>
+              <a:ext cx="1138131" cy="246608"/>
             </a:xfrm>
             <a:prstGeom prst="rect">
               <a:avLst/>
@@ -4288,14 +4912,14 @@
         </p:sp>
         <p:sp>
           <p:nvSpPr>
-            <p:cNvPr id="72" name="rc72"/>
-            <p:cNvSpPr/>
-            <p:nvPr/>
-          </p:nvSpPr>
-          <p:spPr>
-            <a:xfrm>
-              <a:off x="3077212" y="4556772"/>
-              <a:ext cx="909644" cy="246608"/>
+            <p:cNvPr id="96" name="rc96"/>
+            <p:cNvSpPr/>
+            <p:nvPr/>
+          </p:nvSpPr>
+          <p:spPr>
+            <a:xfrm>
+              <a:off x="3077212" y="5104790"/>
+              <a:ext cx="706426" cy="246608"/>
             </a:xfrm>
             <a:prstGeom prst="rect">
               <a:avLst/>
@@ -4314,14 +4938,14 @@
         </p:sp>
         <p:sp>
           <p:nvSpPr>
-            <p:cNvPr id="73" name="rc73"/>
-            <p:cNvSpPr/>
-            <p:nvPr/>
-          </p:nvSpPr>
-          <p:spPr>
-            <a:xfrm>
-              <a:off x="8421375" y="3734744"/>
-              <a:ext cx="189509" cy="246608"/>
+            <p:cNvPr id="97" name="rc97"/>
+            <p:cNvSpPr/>
+            <p:nvPr/>
+          </p:nvSpPr>
+          <p:spPr>
+            <a:xfrm>
+              <a:off x="8257671" y="3186726"/>
+              <a:ext cx="353213" cy="246608"/>
             </a:xfrm>
             <a:prstGeom prst="rect">
               <a:avLst/>
@@ -4340,14 +4964,14 @@
         </p:sp>
         <p:sp>
           <p:nvSpPr>
-            <p:cNvPr id="74" name="rc74"/>
-            <p:cNvSpPr/>
-            <p:nvPr/>
-          </p:nvSpPr>
-          <p:spPr>
-            <a:xfrm>
-              <a:off x="7625436" y="3734744"/>
-              <a:ext cx="795939" cy="246608"/>
+            <p:cNvPr id="98" name="rc98"/>
+            <p:cNvSpPr/>
+            <p:nvPr/>
+          </p:nvSpPr>
+          <p:spPr>
+            <a:xfrm>
+              <a:off x="7982950" y="3186726"/>
+              <a:ext cx="274721" cy="246608"/>
             </a:xfrm>
             <a:prstGeom prst="rect">
               <a:avLst/>
@@ -4366,14 +4990,14 @@
         </p:sp>
         <p:sp>
           <p:nvSpPr>
-            <p:cNvPr id="75" name="rc75"/>
-            <p:cNvSpPr/>
-            <p:nvPr/>
-          </p:nvSpPr>
-          <p:spPr>
-            <a:xfrm>
-              <a:off x="6488380" y="3734744"/>
-              <a:ext cx="1137055" cy="246608"/>
+            <p:cNvPr id="99" name="rc99"/>
+            <p:cNvSpPr/>
+            <p:nvPr/>
+          </p:nvSpPr>
+          <p:spPr>
+            <a:xfrm>
+              <a:off x="7119540" y="3186726"/>
+              <a:ext cx="863409" cy="246608"/>
             </a:xfrm>
             <a:prstGeom prst="rect">
               <a:avLst/>
@@ -4392,14 +5016,14 @@
         </p:sp>
         <p:sp>
           <p:nvSpPr>
-            <p:cNvPr id="76" name="rc76"/>
-            <p:cNvSpPr/>
-            <p:nvPr/>
-          </p:nvSpPr>
-          <p:spPr>
-            <a:xfrm>
-              <a:off x="5540833" y="3734744"/>
-              <a:ext cx="947546" cy="246608"/>
+            <p:cNvPr id="100" name="rc100"/>
+            <p:cNvSpPr/>
+            <p:nvPr/>
+          </p:nvSpPr>
+          <p:spPr>
+            <a:xfrm>
+              <a:off x="5981409" y="3186726"/>
+              <a:ext cx="1138131" cy="246608"/>
             </a:xfrm>
             <a:prstGeom prst="rect">
               <a:avLst/>
@@ -4418,14 +5042,14 @@
         </p:sp>
         <p:sp>
           <p:nvSpPr>
-            <p:cNvPr id="77" name="rc77"/>
-            <p:cNvSpPr/>
-            <p:nvPr/>
-          </p:nvSpPr>
-          <p:spPr>
-            <a:xfrm>
-              <a:off x="4024759" y="3734744"/>
-              <a:ext cx="1516074" cy="246608"/>
+            <p:cNvPr id="101" name="rc101"/>
+            <p:cNvSpPr/>
+            <p:nvPr/>
+          </p:nvSpPr>
+          <p:spPr>
+            <a:xfrm>
+              <a:off x="4647048" y="3186726"/>
+              <a:ext cx="1334360" cy="246608"/>
             </a:xfrm>
             <a:prstGeom prst="rect">
               <a:avLst/>
@@ -4444,14 +5068,14 @@
         </p:sp>
         <p:sp>
           <p:nvSpPr>
-            <p:cNvPr id="78" name="rc78"/>
-            <p:cNvSpPr/>
-            <p:nvPr/>
-          </p:nvSpPr>
-          <p:spPr>
-            <a:xfrm>
-              <a:off x="3077212" y="3734744"/>
-              <a:ext cx="947546" cy="246608"/>
+            <p:cNvPr id="102" name="rc102"/>
+            <p:cNvSpPr/>
+            <p:nvPr/>
+          </p:nvSpPr>
+          <p:spPr>
+            <a:xfrm>
+              <a:off x="3077212" y="3186726"/>
+              <a:ext cx="1569836" cy="246608"/>
             </a:xfrm>
             <a:prstGeom prst="rect">
               <a:avLst/>
@@ -4470,14 +5094,14 @@
         </p:sp>
         <p:sp>
           <p:nvSpPr>
-            <p:cNvPr id="79" name="rc79"/>
-            <p:cNvSpPr/>
-            <p:nvPr/>
-          </p:nvSpPr>
-          <p:spPr>
-            <a:xfrm>
-              <a:off x="7890749" y="4830781"/>
-              <a:ext cx="720135" cy="246608"/>
+            <p:cNvPr id="103" name="rc103"/>
+            <p:cNvSpPr/>
+            <p:nvPr/>
+          </p:nvSpPr>
+          <p:spPr>
+            <a:xfrm>
+              <a:off x="8336163" y="1542670"/>
+              <a:ext cx="274721" cy="246608"/>
             </a:xfrm>
             <a:prstGeom prst="rect">
               <a:avLst/>
@@ -4496,14 +5120,14 @@
         </p:sp>
         <p:sp>
           <p:nvSpPr>
-            <p:cNvPr id="80" name="rc80"/>
-            <p:cNvSpPr/>
-            <p:nvPr/>
-          </p:nvSpPr>
-          <p:spPr>
-            <a:xfrm>
-              <a:off x="6374674" y="4830781"/>
-              <a:ext cx="1516074" cy="246608"/>
+            <p:cNvPr id="104" name="rc104"/>
+            <p:cNvSpPr/>
+            <p:nvPr/>
+          </p:nvSpPr>
+          <p:spPr>
+            <a:xfrm>
+              <a:off x="7982950" y="1542670"/>
+              <a:ext cx="353213" cy="246608"/>
             </a:xfrm>
             <a:prstGeom prst="rect">
               <a:avLst/>
@@ -4522,14 +5146,14 @@
         </p:sp>
         <p:sp>
           <p:nvSpPr>
-            <p:cNvPr id="81" name="rc81"/>
-            <p:cNvSpPr/>
-            <p:nvPr/>
-          </p:nvSpPr>
-          <p:spPr>
-            <a:xfrm>
-              <a:off x="5919852" y="4830781"/>
-              <a:ext cx="454822" cy="246608"/>
+            <p:cNvPr id="105" name="rc105"/>
+            <p:cNvSpPr/>
+            <p:nvPr/>
+          </p:nvSpPr>
+          <p:spPr>
+            <a:xfrm>
+              <a:off x="7433507" y="1542670"/>
+              <a:ext cx="549442" cy="246608"/>
             </a:xfrm>
             <a:prstGeom prst="rect">
               <a:avLst/>
@@ -4548,14 +5172,14 @@
         </p:sp>
         <p:sp>
           <p:nvSpPr>
-            <p:cNvPr id="82" name="rc82"/>
-            <p:cNvSpPr/>
-            <p:nvPr/>
-          </p:nvSpPr>
-          <p:spPr>
-            <a:xfrm>
-              <a:off x="5048109" y="4830781"/>
-              <a:ext cx="871742" cy="246608"/>
+            <p:cNvPr id="106" name="rc106"/>
+            <p:cNvSpPr/>
+            <p:nvPr/>
+          </p:nvSpPr>
+          <p:spPr>
+            <a:xfrm>
+              <a:off x="6491605" y="1542670"/>
+              <a:ext cx="941901" cy="246608"/>
             </a:xfrm>
             <a:prstGeom prst="rect">
               <a:avLst/>
@@ -4574,14 +5198,14 @@
         </p:sp>
         <p:sp>
           <p:nvSpPr>
-            <p:cNvPr id="83" name="rc83"/>
-            <p:cNvSpPr/>
-            <p:nvPr/>
-          </p:nvSpPr>
-          <p:spPr>
-            <a:xfrm>
-              <a:off x="4138464" y="4830781"/>
-              <a:ext cx="909644" cy="246608"/>
+            <p:cNvPr id="107" name="rc107"/>
+            <p:cNvSpPr/>
+            <p:nvPr/>
+          </p:nvSpPr>
+          <p:spPr>
+            <a:xfrm>
+              <a:off x="4529310" y="1542670"/>
+              <a:ext cx="1962295" cy="246608"/>
             </a:xfrm>
             <a:prstGeom prst="rect">
               <a:avLst/>
@@ -4600,630 +5224,6 @@
         </p:sp>
         <p:sp>
           <p:nvSpPr>
-            <p:cNvPr id="84" name="rc84"/>
-            <p:cNvSpPr/>
-            <p:nvPr/>
-          </p:nvSpPr>
-          <p:spPr>
-            <a:xfrm>
-              <a:off x="3077212" y="4830781"/>
-              <a:ext cx="1061252" cy="246608"/>
-            </a:xfrm>
-            <a:prstGeom prst="rect">
-              <a:avLst/>
-            </a:prstGeom>
-            <a:solidFill>
-              <a:srgbClr val="F44336">
-                <a:alpha val="100000"/>
-              </a:srgbClr>
-            </a:solidFill>
-          </p:spPr>
-          <p:txBody>
-            <a:bodyPr/>
-            <a:lstStyle/>
-            <a:p/>
-          </p:txBody>
-        </p:sp>
-        <p:sp>
-          <p:nvSpPr>
-            <p:cNvPr id="85" name="rc85"/>
-            <p:cNvSpPr/>
-            <p:nvPr/>
-          </p:nvSpPr>
-          <p:spPr>
-            <a:xfrm>
-              <a:off x="7814945" y="3186726"/>
-              <a:ext cx="795939" cy="246608"/>
-            </a:xfrm>
-            <a:prstGeom prst="rect">
-              <a:avLst/>
-            </a:prstGeom>
-            <a:solidFill>
-              <a:srgbClr val="B0BEC5">
-                <a:alpha val="100000"/>
-              </a:srgbClr>
-            </a:solidFill>
-          </p:spPr>
-          <p:txBody>
-            <a:bodyPr/>
-            <a:lstStyle/>
-            <a:p/>
-          </p:txBody>
-        </p:sp>
-        <p:sp>
-          <p:nvSpPr>
-            <p:cNvPr id="86" name="rc86"/>
-            <p:cNvSpPr/>
-            <p:nvPr/>
-          </p:nvSpPr>
-          <p:spPr>
-            <a:xfrm>
-              <a:off x="6943202" y="3186726"/>
-              <a:ext cx="871742" cy="246608"/>
-            </a:xfrm>
-            <a:prstGeom prst="rect">
-              <a:avLst/>
-            </a:prstGeom>
-            <a:solidFill>
-              <a:srgbClr val="2196F3">
-                <a:alpha val="100000"/>
-              </a:srgbClr>
-            </a:solidFill>
-          </p:spPr>
-          <p:txBody>
-            <a:bodyPr/>
-            <a:lstStyle/>
-            <a:p/>
-          </p:txBody>
-        </p:sp>
-        <p:sp>
-          <p:nvSpPr>
-            <p:cNvPr id="87" name="rc87"/>
-            <p:cNvSpPr/>
-            <p:nvPr/>
-          </p:nvSpPr>
-          <p:spPr>
-            <a:xfrm>
-              <a:off x="6639987" y="3186726"/>
-              <a:ext cx="303214" cy="246608"/>
-            </a:xfrm>
-            <a:prstGeom prst="rect">
-              <a:avLst/>
-            </a:prstGeom>
-            <a:solidFill>
-              <a:srgbClr val="4CAF50">
-                <a:alpha val="100000"/>
-              </a:srgbClr>
-            </a:solidFill>
-          </p:spPr>
-          <p:txBody>
-            <a:bodyPr/>
-            <a:lstStyle/>
-            <a:p/>
-          </p:txBody>
-        </p:sp>
-        <p:sp>
-          <p:nvSpPr>
-            <p:cNvPr id="88" name="rc88"/>
-            <p:cNvSpPr/>
-            <p:nvPr/>
-          </p:nvSpPr>
-          <p:spPr>
-            <a:xfrm>
-              <a:off x="6071459" y="3186726"/>
-              <a:ext cx="568527" cy="246608"/>
-            </a:xfrm>
-            <a:prstGeom prst="rect">
-              <a:avLst/>
-            </a:prstGeom>
-            <a:solidFill>
-              <a:srgbClr val="FFC107">
-                <a:alpha val="100000"/>
-              </a:srgbClr>
-            </a:solidFill>
-          </p:spPr>
-          <p:txBody>
-            <a:bodyPr/>
-            <a:lstStyle/>
-            <a:p/>
-          </p:txBody>
-        </p:sp>
-        <p:sp>
-          <p:nvSpPr>
-            <p:cNvPr id="89" name="rc89"/>
-            <p:cNvSpPr/>
-            <p:nvPr/>
-          </p:nvSpPr>
-          <p:spPr>
-            <a:xfrm>
-              <a:off x="4441679" y="3186726"/>
-              <a:ext cx="1629780" cy="246608"/>
-            </a:xfrm>
-            <a:prstGeom prst="rect">
-              <a:avLst/>
-            </a:prstGeom>
-            <a:solidFill>
-              <a:srgbClr val="FF9800">
-                <a:alpha val="100000"/>
-              </a:srgbClr>
-            </a:solidFill>
-          </p:spPr>
-          <p:txBody>
-            <a:bodyPr/>
-            <a:lstStyle/>
-            <a:p/>
-          </p:txBody>
-        </p:sp>
-        <p:sp>
-          <p:nvSpPr>
-            <p:cNvPr id="90" name="rc90"/>
-            <p:cNvSpPr/>
-            <p:nvPr/>
-          </p:nvSpPr>
-          <p:spPr>
-            <a:xfrm>
-              <a:off x="3077212" y="3186726"/>
-              <a:ext cx="1364467" cy="246608"/>
-            </a:xfrm>
-            <a:prstGeom prst="rect">
-              <a:avLst/>
-            </a:prstGeom>
-            <a:solidFill>
-              <a:srgbClr val="F44336">
-                <a:alpha val="100000"/>
-              </a:srgbClr>
-            </a:solidFill>
-          </p:spPr>
-          <p:txBody>
-            <a:bodyPr/>
-            <a:lstStyle/>
-            <a:p/>
-          </p:txBody>
-        </p:sp>
-        <p:sp>
-          <p:nvSpPr>
-            <p:cNvPr id="91" name="rc91"/>
-            <p:cNvSpPr/>
-            <p:nvPr/>
-          </p:nvSpPr>
-          <p:spPr>
-            <a:xfrm>
-              <a:off x="8042356" y="5104790"/>
-              <a:ext cx="568527" cy="246608"/>
-            </a:xfrm>
-            <a:prstGeom prst="rect">
-              <a:avLst/>
-            </a:prstGeom>
-            <a:solidFill>
-              <a:srgbClr val="B0BEC5">
-                <a:alpha val="100000"/>
-              </a:srgbClr>
-            </a:solidFill>
-          </p:spPr>
-          <p:txBody>
-            <a:bodyPr/>
-            <a:lstStyle/>
-            <a:p/>
-          </p:txBody>
-        </p:sp>
-        <p:sp>
-          <p:nvSpPr>
-            <p:cNvPr id="92" name="rc92"/>
-            <p:cNvSpPr/>
-            <p:nvPr/>
-          </p:nvSpPr>
-          <p:spPr>
-            <a:xfrm>
-              <a:off x="6905300" y="5104790"/>
-              <a:ext cx="1137055" cy="246608"/>
-            </a:xfrm>
-            <a:prstGeom prst="rect">
-              <a:avLst/>
-            </a:prstGeom>
-            <a:solidFill>
-              <a:srgbClr val="2196F3">
-                <a:alpha val="100000"/>
-              </a:srgbClr>
-            </a:solidFill>
-          </p:spPr>
-          <p:txBody>
-            <a:bodyPr/>
-            <a:lstStyle/>
-            <a:p/>
-          </p:txBody>
-        </p:sp>
-        <p:sp>
-          <p:nvSpPr>
-            <p:cNvPr id="93" name="rc93"/>
-            <p:cNvSpPr/>
-            <p:nvPr/>
-          </p:nvSpPr>
-          <p:spPr>
-            <a:xfrm>
-              <a:off x="5919852" y="5104790"/>
-              <a:ext cx="985448" cy="246608"/>
-            </a:xfrm>
-            <a:prstGeom prst="rect">
-              <a:avLst/>
-            </a:prstGeom>
-            <a:solidFill>
-              <a:srgbClr val="4CAF50">
-                <a:alpha val="100000"/>
-              </a:srgbClr>
-            </a:solidFill>
-          </p:spPr>
-          <p:txBody>
-            <a:bodyPr/>
-            <a:lstStyle/>
-            <a:p/>
-          </p:txBody>
-        </p:sp>
-        <p:sp>
-          <p:nvSpPr>
-            <p:cNvPr id="94" name="rc94"/>
-            <p:cNvSpPr/>
-            <p:nvPr/>
-          </p:nvSpPr>
-          <p:spPr>
-            <a:xfrm>
-              <a:off x="4972305" y="5104790"/>
-              <a:ext cx="947546" cy="246608"/>
-            </a:xfrm>
-            <a:prstGeom prst="rect">
-              <a:avLst/>
-            </a:prstGeom>
-            <a:solidFill>
-              <a:srgbClr val="FFC107">
-                <a:alpha val="100000"/>
-              </a:srgbClr>
-            </a:solidFill>
-          </p:spPr>
-          <p:txBody>
-            <a:bodyPr/>
-            <a:lstStyle/>
-            <a:p/>
-          </p:txBody>
-        </p:sp>
-        <p:sp>
-          <p:nvSpPr>
-            <p:cNvPr id="95" name="rc95"/>
-            <p:cNvSpPr/>
-            <p:nvPr/>
-          </p:nvSpPr>
-          <p:spPr>
-            <a:xfrm>
-              <a:off x="3797347" y="5104790"/>
-              <a:ext cx="1174957" cy="246608"/>
-            </a:xfrm>
-            <a:prstGeom prst="rect">
-              <a:avLst/>
-            </a:prstGeom>
-            <a:solidFill>
-              <a:srgbClr val="FF9800">
-                <a:alpha val="100000"/>
-              </a:srgbClr>
-            </a:solidFill>
-          </p:spPr>
-          <p:txBody>
-            <a:bodyPr/>
-            <a:lstStyle/>
-            <a:p/>
-          </p:txBody>
-        </p:sp>
-        <p:sp>
-          <p:nvSpPr>
-            <p:cNvPr id="96" name="rc96"/>
-            <p:cNvSpPr/>
-            <p:nvPr/>
-          </p:nvSpPr>
-          <p:spPr>
-            <a:xfrm>
-              <a:off x="3077212" y="5104790"/>
-              <a:ext cx="720135" cy="246608"/>
-            </a:xfrm>
-            <a:prstGeom prst="rect">
-              <a:avLst/>
-            </a:prstGeom>
-            <a:solidFill>
-              <a:srgbClr val="F44336">
-                <a:alpha val="100000"/>
-              </a:srgbClr>
-            </a:solidFill>
-          </p:spPr>
-          <p:txBody>
-            <a:bodyPr/>
-            <a:lstStyle/>
-            <a:p/>
-          </p:txBody>
-        </p:sp>
-        <p:sp>
-          <p:nvSpPr>
-            <p:cNvPr id="97" name="rc97"/>
-            <p:cNvSpPr/>
-            <p:nvPr/>
-          </p:nvSpPr>
-          <p:spPr>
-            <a:xfrm>
-              <a:off x="8383473" y="2912716"/>
-              <a:ext cx="227411" cy="246608"/>
-            </a:xfrm>
-            <a:prstGeom prst="rect">
-              <a:avLst/>
-            </a:prstGeom>
-            <a:solidFill>
-              <a:srgbClr val="B0BEC5">
-                <a:alpha val="100000"/>
-              </a:srgbClr>
-            </a:solidFill>
-          </p:spPr>
-          <p:txBody>
-            <a:bodyPr/>
-            <a:lstStyle/>
-            <a:p/>
-          </p:txBody>
-        </p:sp>
-        <p:sp>
-          <p:nvSpPr>
-            <p:cNvPr id="98" name="rc98"/>
-            <p:cNvSpPr/>
-            <p:nvPr/>
-          </p:nvSpPr>
-          <p:spPr>
-            <a:xfrm>
-              <a:off x="8156062" y="2912716"/>
-              <a:ext cx="227411" cy="246608"/>
-            </a:xfrm>
-            <a:prstGeom prst="rect">
-              <a:avLst/>
-            </a:prstGeom>
-            <a:solidFill>
-              <a:srgbClr val="2196F3">
-                <a:alpha val="100000"/>
-              </a:srgbClr>
-            </a:solidFill>
-          </p:spPr>
-          <p:txBody>
-            <a:bodyPr/>
-            <a:lstStyle/>
-            <a:p/>
-          </p:txBody>
-        </p:sp>
-        <p:sp>
-          <p:nvSpPr>
-            <p:cNvPr id="99" name="rc99"/>
-            <p:cNvSpPr/>
-            <p:nvPr/>
-          </p:nvSpPr>
-          <p:spPr>
-            <a:xfrm>
-              <a:off x="7284319" y="2912716"/>
-              <a:ext cx="871742" cy="246608"/>
-            </a:xfrm>
-            <a:prstGeom prst="rect">
-              <a:avLst/>
-            </a:prstGeom>
-            <a:solidFill>
-              <a:srgbClr val="4CAF50">
-                <a:alpha val="100000"/>
-              </a:srgbClr>
-            </a:solidFill>
-          </p:spPr>
-          <p:txBody>
-            <a:bodyPr/>
-            <a:lstStyle/>
-            <a:p/>
-          </p:txBody>
-        </p:sp>
-        <p:sp>
-          <p:nvSpPr>
-            <p:cNvPr id="100" name="rc100"/>
-            <p:cNvSpPr/>
-            <p:nvPr/>
-          </p:nvSpPr>
-          <p:spPr>
-            <a:xfrm>
-              <a:off x="6109361" y="2912716"/>
-              <a:ext cx="1174957" cy="246608"/>
-            </a:xfrm>
-            <a:prstGeom prst="rect">
-              <a:avLst/>
-            </a:prstGeom>
-            <a:solidFill>
-              <a:srgbClr val="FFC107">
-                <a:alpha val="100000"/>
-              </a:srgbClr>
-            </a:solidFill>
-          </p:spPr>
-          <p:txBody>
-            <a:bodyPr/>
-            <a:lstStyle/>
-            <a:p/>
-          </p:txBody>
-        </p:sp>
-        <p:sp>
-          <p:nvSpPr>
-            <p:cNvPr id="101" name="rc101"/>
-            <p:cNvSpPr/>
-            <p:nvPr/>
-          </p:nvSpPr>
-          <p:spPr>
-            <a:xfrm>
-              <a:off x="4669090" y="2912716"/>
-              <a:ext cx="1440270" cy="246608"/>
-            </a:xfrm>
-            <a:prstGeom prst="rect">
-              <a:avLst/>
-            </a:prstGeom>
-            <a:solidFill>
-              <a:srgbClr val="FF9800">
-                <a:alpha val="100000"/>
-              </a:srgbClr>
-            </a:solidFill>
-          </p:spPr>
-          <p:txBody>
-            <a:bodyPr/>
-            <a:lstStyle/>
-            <a:p/>
-          </p:txBody>
-        </p:sp>
-        <p:sp>
-          <p:nvSpPr>
-            <p:cNvPr id="102" name="rc102"/>
-            <p:cNvSpPr/>
-            <p:nvPr/>
-          </p:nvSpPr>
-          <p:spPr>
-            <a:xfrm>
-              <a:off x="3077212" y="2912716"/>
-              <a:ext cx="1591878" cy="246608"/>
-            </a:xfrm>
-            <a:prstGeom prst="rect">
-              <a:avLst/>
-            </a:prstGeom>
-            <a:solidFill>
-              <a:srgbClr val="F44336">
-                <a:alpha val="100000"/>
-              </a:srgbClr>
-            </a:solidFill>
-          </p:spPr>
-          <p:txBody>
-            <a:bodyPr/>
-            <a:lstStyle/>
-            <a:p/>
-          </p:txBody>
-        </p:sp>
-        <p:sp>
-          <p:nvSpPr>
-            <p:cNvPr id="103" name="rc103"/>
-            <p:cNvSpPr/>
-            <p:nvPr/>
-          </p:nvSpPr>
-          <p:spPr>
-            <a:xfrm>
-              <a:off x="8383473" y="1542670"/>
-              <a:ext cx="227411" cy="246608"/>
-            </a:xfrm>
-            <a:prstGeom prst="rect">
-              <a:avLst/>
-            </a:prstGeom>
-            <a:solidFill>
-              <a:srgbClr val="B0BEC5">
-                <a:alpha val="100000"/>
-              </a:srgbClr>
-            </a:solidFill>
-          </p:spPr>
-          <p:txBody>
-            <a:bodyPr/>
-            <a:lstStyle/>
-            <a:p/>
-          </p:txBody>
-        </p:sp>
-        <p:sp>
-          <p:nvSpPr>
-            <p:cNvPr id="104" name="rc104"/>
-            <p:cNvSpPr/>
-            <p:nvPr/>
-          </p:nvSpPr>
-          <p:spPr>
-            <a:xfrm>
-              <a:off x="8080258" y="1542670"/>
-              <a:ext cx="303214" cy="246608"/>
-            </a:xfrm>
-            <a:prstGeom prst="rect">
-              <a:avLst/>
-            </a:prstGeom>
-            <a:solidFill>
-              <a:srgbClr val="2196F3">
-                <a:alpha val="100000"/>
-              </a:srgbClr>
-            </a:solidFill>
-          </p:spPr>
-          <p:txBody>
-            <a:bodyPr/>
-            <a:lstStyle/>
-            <a:p/>
-          </p:txBody>
-        </p:sp>
-        <p:sp>
-          <p:nvSpPr>
-            <p:cNvPr id="105" name="rc105"/>
-            <p:cNvSpPr/>
-            <p:nvPr/>
-          </p:nvSpPr>
-          <p:spPr>
-            <a:xfrm>
-              <a:off x="7587534" y="1542670"/>
-              <a:ext cx="492724" cy="246608"/>
-            </a:xfrm>
-            <a:prstGeom prst="rect">
-              <a:avLst/>
-            </a:prstGeom>
-            <a:solidFill>
-              <a:srgbClr val="4CAF50">
-                <a:alpha val="100000"/>
-              </a:srgbClr>
-            </a:solidFill>
-          </p:spPr>
-          <p:txBody>
-            <a:bodyPr/>
-            <a:lstStyle/>
-            <a:p/>
-          </p:txBody>
-        </p:sp>
-        <p:sp>
-          <p:nvSpPr>
-            <p:cNvPr id="106" name="rc106"/>
-            <p:cNvSpPr/>
-            <p:nvPr/>
-          </p:nvSpPr>
-          <p:spPr>
-            <a:xfrm>
-              <a:off x="6602085" y="1542670"/>
-              <a:ext cx="985448" cy="246608"/>
-            </a:xfrm>
-            <a:prstGeom prst="rect">
-              <a:avLst/>
-            </a:prstGeom>
-            <a:solidFill>
-              <a:srgbClr val="FFC107">
-                <a:alpha val="100000"/>
-              </a:srgbClr>
-            </a:solidFill>
-          </p:spPr>
-          <p:txBody>
-            <a:bodyPr/>
-            <a:lstStyle/>
-            <a:p/>
-          </p:txBody>
-        </p:sp>
-        <p:sp>
-          <p:nvSpPr>
-            <p:cNvPr id="107" name="rc107"/>
-            <p:cNvSpPr/>
-            <p:nvPr/>
-          </p:nvSpPr>
-          <p:spPr>
-            <a:xfrm>
-              <a:off x="4669090" y="1542670"/>
-              <a:ext cx="1932995" cy="246608"/>
-            </a:xfrm>
-            <a:prstGeom prst="rect">
-              <a:avLst/>
-            </a:prstGeom>
-            <a:solidFill>
-              <a:srgbClr val="FF9800">
-                <a:alpha val="100000"/>
-              </a:srgbClr>
-            </a:solidFill>
-          </p:spPr>
-          <p:txBody>
-            <a:bodyPr/>
-            <a:lstStyle/>
-            <a:p/>
-          </p:txBody>
-        </p:sp>
-        <p:sp>
-          <p:nvSpPr>
             <p:cNvPr id="108" name="rc108"/>
             <p:cNvSpPr/>
             <p:nvPr/>
@@ -5231,7 +5231,7 @@
           <p:spPr>
             <a:xfrm>
               <a:off x="3077212" y="1542670"/>
-              <a:ext cx="1591878" cy="246608"/>
+              <a:ext cx="1452098" cy="246608"/>
             </a:xfrm>
             <a:prstGeom prst="rect">
               <a:avLst/>
@@ -5480,7 +5480,99 @@
           </p:nvSpPr>
           <p:spPr>
             <a:xfrm>
-              <a:off x="1329532" y="4606406"/>
+              <a:off x="1213319" y="4606406"/>
+              <a:ext cx="1793400" cy="120423"/>
+            </a:xfrm>
+            <a:prstGeom prst="rect">
+              <a:avLst/>
+            </a:prstGeom>
+            <a:noFill/>
+          </p:spPr>
+          <p:txBody>
+            <a:bodyPr lIns="0" rIns="0" tIns="0" bIns="0" anchorCtr="1" anchor="ctr" wrap="none"/>
+            <a:lstStyle/>
+            <a:p>
+              <a:pPr algn="l" marL="0" marR="0" indent="0">
+                <a:lnSpc>
+                  <a:spcPts val="1028"/>
+                </a:lnSpc>
+                <a:spcBef>
+                  <a:spcPts val="0"/>
+                </a:spcBef>
+                <a:spcAft>
+                  <a:spcPts val="0"/>
+                </a:spcAft>
+              </a:pPr>
+              <a:r>
+                <a:rPr sz="1028">
+                  <a:solidFill>
+                    <a:srgbClr val="000000">
+                      <a:alpha val="100000"/>
+                    </a:srgbClr>
+                  </a:solidFill>
+                  <a:latin typeface="Arial"/>
+                  <a:cs typeface="Arial"/>
+                </a:rPr>
+                <a:t>L’impact sur l’espérance de vie</a:t>
+              </a:r>
+            </a:p>
+          </p:txBody>
+        </p:sp>
+        <p:sp>
+          <p:nvSpPr>
+            <p:cNvPr id="115" name="tx115"/>
+            <p:cNvSpPr/>
+            <p:nvPr/>
+          </p:nvSpPr>
+          <p:spPr>
+            <a:xfrm>
+              <a:off x="1510805" y="4332843"/>
+              <a:ext cx="1495914" cy="119976"/>
+            </a:xfrm>
+            <a:prstGeom prst="rect">
+              <a:avLst/>
+            </a:prstGeom>
+            <a:noFill/>
+          </p:spPr>
+          <p:txBody>
+            <a:bodyPr lIns="0" rIns="0" tIns="0" bIns="0" anchorCtr="1" anchor="ctr" wrap="none"/>
+            <a:lstStyle/>
+            <a:p>
+              <a:pPr algn="l" marL="0" marR="0" indent="0">
+                <a:lnSpc>
+                  <a:spcPts val="1028"/>
+                </a:lnSpc>
+                <a:spcBef>
+                  <a:spcPts val="0"/>
+                </a:spcBef>
+                <a:spcAft>
+                  <a:spcPts val="0"/>
+                </a:spcAft>
+              </a:pPr>
+              <a:r>
+                <a:rPr sz="1028">
+                  <a:solidFill>
+                    <a:srgbClr val="000000">
+                      <a:alpha val="100000"/>
+                    </a:srgbClr>
+                  </a:solidFill>
+                  <a:latin typeface="Arial"/>
+                  <a:cs typeface="Arial"/>
+                </a:rPr>
+                <a:t>La pénibilité du traitement</a:t>
+              </a:r>
+            </a:p>
+          </p:txBody>
+        </p:sp>
+        <p:sp>
+          <p:nvSpPr>
+            <p:cNvPr id="116" name="tx116"/>
+            <p:cNvSpPr/>
+            <p:nvPr/>
+          </p:nvSpPr>
+          <p:spPr>
+            <a:xfrm>
+              <a:off x="1329532" y="4058387"/>
               <a:ext cx="1677186" cy="120423"/>
             </a:xfrm>
             <a:prstGeom prst="rect">
@@ -5520,98 +5612,6 @@
         </p:sp>
         <p:sp>
           <p:nvSpPr>
-            <p:cNvPr id="115" name="tx115"/>
-            <p:cNvSpPr/>
-            <p:nvPr/>
-          </p:nvSpPr>
-          <p:spPr>
-            <a:xfrm>
-              <a:off x="1510805" y="4332843"/>
-              <a:ext cx="1495914" cy="119976"/>
-            </a:xfrm>
-            <a:prstGeom prst="rect">
-              <a:avLst/>
-            </a:prstGeom>
-            <a:noFill/>
-          </p:spPr>
-          <p:txBody>
-            <a:bodyPr lIns="0" rIns="0" tIns="0" bIns="0" anchorCtr="1" anchor="ctr" wrap="none"/>
-            <a:lstStyle/>
-            <a:p>
-              <a:pPr algn="l" marL="0" marR="0" indent="0">
-                <a:lnSpc>
-                  <a:spcPts val="1028"/>
-                </a:lnSpc>
-                <a:spcBef>
-                  <a:spcPts val="0"/>
-                </a:spcBef>
-                <a:spcAft>
-                  <a:spcPts val="0"/>
-                </a:spcAft>
-              </a:pPr>
-              <a:r>
-                <a:rPr sz="1028">
-                  <a:solidFill>
-                    <a:srgbClr val="000000">
-                      <a:alpha val="100000"/>
-                    </a:srgbClr>
-                  </a:solidFill>
-                  <a:latin typeface="Arial"/>
-                  <a:cs typeface="Arial"/>
-                </a:rPr>
-                <a:t>La pénibilité du traitement</a:t>
-              </a:r>
-            </a:p>
-          </p:txBody>
-        </p:sp>
-        <p:sp>
-          <p:nvSpPr>
-            <p:cNvPr id="116" name="tx116"/>
-            <p:cNvSpPr/>
-            <p:nvPr/>
-          </p:nvSpPr>
-          <p:spPr>
-            <a:xfrm>
-              <a:off x="1213319" y="4058387"/>
-              <a:ext cx="1793400" cy="120423"/>
-            </a:xfrm>
-            <a:prstGeom prst="rect">
-              <a:avLst/>
-            </a:prstGeom>
-            <a:noFill/>
-          </p:spPr>
-          <p:txBody>
-            <a:bodyPr lIns="0" rIns="0" tIns="0" bIns="0" anchorCtr="1" anchor="ctr" wrap="none"/>
-            <a:lstStyle/>
-            <a:p>
-              <a:pPr algn="l" marL="0" marR="0" indent="0">
-                <a:lnSpc>
-                  <a:spcPts val="1028"/>
-                </a:lnSpc>
-                <a:spcBef>
-                  <a:spcPts val="0"/>
-                </a:spcBef>
-                <a:spcAft>
-                  <a:spcPts val="0"/>
-                </a:spcAft>
-              </a:pPr>
-              <a:r>
-                <a:rPr sz="1028">
-                  <a:solidFill>
-                    <a:srgbClr val="000000">
-                      <a:alpha val="100000"/>
-                    </a:srgbClr>
-                  </a:solidFill>
-                  <a:latin typeface="Arial"/>
-                  <a:cs typeface="Arial"/>
-                </a:rPr>
-                <a:t>L’impact sur l’espérance de vie</a:t>
-              </a:r>
-            </a:p>
-          </p:txBody>
-        </p:sp>
-        <p:sp>
-          <p:nvSpPr>
             <p:cNvPr id="117" name="tx117"/>
             <p:cNvSpPr/>
             <p:nvPr/>
@@ -5756,7 +5756,53 @@
           </p:nvSpPr>
           <p:spPr>
             <a:xfrm>
-              <a:off x="1591109" y="3236360"/>
+              <a:off x="1329660" y="3236360"/>
+              <a:ext cx="1677059" cy="120423"/>
+            </a:xfrm>
+            <a:prstGeom prst="rect">
+              <a:avLst/>
+            </a:prstGeom>
+            <a:noFill/>
+          </p:spPr>
+          <p:txBody>
+            <a:bodyPr lIns="0" rIns="0" tIns="0" bIns="0" anchorCtr="1" anchor="ctr" wrap="none"/>
+            <a:lstStyle/>
+            <a:p>
+              <a:pPr algn="l" marL="0" marR="0" indent="0">
+                <a:lnSpc>
+                  <a:spcPts val="1028"/>
+                </a:lnSpc>
+                <a:spcBef>
+                  <a:spcPts val="0"/>
+                </a:spcBef>
+                <a:spcAft>
+                  <a:spcPts val="0"/>
+                </a:spcAft>
+              </a:pPr>
+              <a:r>
+                <a:rPr sz="1028">
+                  <a:solidFill>
+                    <a:srgbClr val="000000">
+                      <a:alpha val="100000"/>
+                    </a:srgbClr>
+                  </a:solidFill>
+                  <a:latin typeface="Arial"/>
+                  <a:cs typeface="Arial"/>
+                </a:rPr>
+                <a:t>L’impact sur votre vie sociale</a:t>
+              </a:r>
+            </a:p>
+          </p:txBody>
+        </p:sp>
+        <p:sp>
+          <p:nvSpPr>
+            <p:cNvPr id="121" name="tx121"/>
+            <p:cNvSpPr/>
+            <p:nvPr/>
+          </p:nvSpPr>
+          <p:spPr>
+            <a:xfrm>
+              <a:off x="1591109" y="2962351"/>
               <a:ext cx="1415610" cy="120423"/>
             </a:xfrm>
             <a:prstGeom prst="rect">
@@ -5796,14 +5842,14 @@
         </p:sp>
         <p:sp>
           <p:nvSpPr>
-            <p:cNvPr id="121" name="tx121"/>
-            <p:cNvSpPr/>
-            <p:nvPr/>
-          </p:nvSpPr>
-          <p:spPr>
-            <a:xfrm>
-              <a:off x="1329660" y="2962351"/>
-              <a:ext cx="1677059" cy="120423"/>
+            <p:cNvPr id="122" name="tx122"/>
+            <p:cNvSpPr/>
+            <p:nvPr/>
+          </p:nvSpPr>
+          <p:spPr>
+            <a:xfrm>
+              <a:off x="995179" y="2687257"/>
+              <a:ext cx="2011539" cy="121507"/>
             </a:xfrm>
             <a:prstGeom prst="rect">
               <a:avLst/>
@@ -5835,20 +5881,66 @@
                   <a:latin typeface="Arial"/>
                   <a:cs typeface="Arial"/>
                 </a:rPr>
-                <a:t>L’impact sur votre vie sociale</a:t>
+                <a:t>La qualité de votre prise en charge</a:t>
               </a:r>
             </a:p>
           </p:txBody>
         </p:sp>
         <p:sp>
           <p:nvSpPr>
-            <p:cNvPr id="122" name="tx122"/>
-            <p:cNvSpPr/>
-            <p:nvPr/>
-          </p:nvSpPr>
-          <p:spPr>
-            <a:xfrm>
-              <a:off x="1990266" y="2687704"/>
+            <p:cNvPr id="123" name="tx123"/>
+            <p:cNvSpPr/>
+            <p:nvPr/>
+          </p:nvSpPr>
+          <p:spPr>
+            <a:xfrm>
+              <a:off x="1140542" y="2413694"/>
+              <a:ext cx="1866177" cy="121061"/>
+            </a:xfrm>
+            <a:prstGeom prst="rect">
+              <a:avLst/>
+            </a:prstGeom>
+            <a:noFill/>
+          </p:spPr>
+          <p:txBody>
+            <a:bodyPr lIns="0" rIns="0" tIns="0" bIns="0" anchorCtr="1" anchor="ctr" wrap="none"/>
+            <a:lstStyle/>
+            <a:p>
+              <a:pPr algn="l" marL="0" marR="0" indent="0">
+                <a:lnSpc>
+                  <a:spcPts val="1028"/>
+                </a:lnSpc>
+                <a:spcBef>
+                  <a:spcPts val="0"/>
+                </a:spcBef>
+                <a:spcAft>
+                  <a:spcPts val="0"/>
+                </a:spcAft>
+              </a:pPr>
+              <a:r>
+                <a:rPr sz="1028">
+                  <a:solidFill>
+                    <a:srgbClr val="000000">
+                      <a:alpha val="100000"/>
+                    </a:srgbClr>
+                  </a:solidFill>
+                  <a:latin typeface="Arial"/>
+                  <a:cs typeface="Arial"/>
+                </a:rPr>
+                <a:t>Les connaissances scientifiques</a:t>
+              </a:r>
+            </a:p>
+          </p:txBody>
+        </p:sp>
+        <p:sp>
+          <p:nvSpPr>
+            <p:cNvPr id="124" name="tx124"/>
+            <p:cNvSpPr/>
+            <p:nvPr/>
+          </p:nvSpPr>
+          <p:spPr>
+            <a:xfrm>
+              <a:off x="1990266" y="2139685"/>
               <a:ext cx="1016453" cy="121061"/>
             </a:xfrm>
             <a:prstGeom prst="rect">
@@ -5888,98 +5980,6 @@
         </p:sp>
         <p:sp>
           <p:nvSpPr>
-            <p:cNvPr id="123" name="tx123"/>
-            <p:cNvSpPr/>
-            <p:nvPr/>
-          </p:nvSpPr>
-          <p:spPr>
-            <a:xfrm>
-              <a:off x="995179" y="2413248"/>
-              <a:ext cx="2011539" cy="121507"/>
-            </a:xfrm>
-            <a:prstGeom prst="rect">
-              <a:avLst/>
-            </a:prstGeom>
-            <a:noFill/>
-          </p:spPr>
-          <p:txBody>
-            <a:bodyPr lIns="0" rIns="0" tIns="0" bIns="0" anchorCtr="1" anchor="ctr" wrap="none"/>
-            <a:lstStyle/>
-            <a:p>
-              <a:pPr algn="l" marL="0" marR="0" indent="0">
-                <a:lnSpc>
-                  <a:spcPts val="1028"/>
-                </a:lnSpc>
-                <a:spcBef>
-                  <a:spcPts val="0"/>
-                </a:spcBef>
-                <a:spcAft>
-                  <a:spcPts val="0"/>
-                </a:spcAft>
-              </a:pPr>
-              <a:r>
-                <a:rPr sz="1028">
-                  <a:solidFill>
-                    <a:srgbClr val="000000">
-                      <a:alpha val="100000"/>
-                    </a:srgbClr>
-                  </a:solidFill>
-                  <a:latin typeface="Arial"/>
-                  <a:cs typeface="Arial"/>
-                </a:rPr>
-                <a:t>La qualité de votre prise en charge</a:t>
-              </a:r>
-            </a:p>
-          </p:txBody>
-        </p:sp>
-        <p:sp>
-          <p:nvSpPr>
-            <p:cNvPr id="124" name="tx124"/>
-            <p:cNvSpPr/>
-            <p:nvPr/>
-          </p:nvSpPr>
-          <p:spPr>
-            <a:xfrm>
-              <a:off x="1140542" y="2139685"/>
-              <a:ext cx="1866177" cy="121061"/>
-            </a:xfrm>
-            <a:prstGeom prst="rect">
-              <a:avLst/>
-            </a:prstGeom>
-            <a:noFill/>
-          </p:spPr>
-          <p:txBody>
-            <a:bodyPr lIns="0" rIns="0" tIns="0" bIns="0" anchorCtr="1" anchor="ctr" wrap="none"/>
-            <a:lstStyle/>
-            <a:p>
-              <a:pPr algn="l" marL="0" marR="0" indent="0">
-                <a:lnSpc>
-                  <a:spcPts val="1028"/>
-                </a:lnSpc>
-                <a:spcBef>
-                  <a:spcPts val="0"/>
-                </a:spcBef>
-                <a:spcAft>
-                  <a:spcPts val="0"/>
-                </a:spcAft>
-              </a:pPr>
-              <a:r>
-                <a:rPr sz="1028">
-                  <a:solidFill>
-                    <a:srgbClr val="000000">
-                      <a:alpha val="100000"/>
-                    </a:srgbClr>
-                  </a:solidFill>
-                  <a:latin typeface="Arial"/>
-                  <a:cs typeface="Arial"/>
-                </a:rPr>
-                <a:t>Les connaissances scientifiques</a:t>
-              </a:r>
-            </a:p>
-          </p:txBody>
-        </p:sp>
-        <p:sp>
-          <p:nvSpPr>
             <p:cNvPr id="125" name="tx125"/>
             <p:cNvSpPr/>
             <p:nvPr/>
@@ -6804,7 +6804,7 @@
           </p:nvSpPr>
           <p:spPr>
             <a:xfrm>
-              <a:off x="3456231" y="5392500"/>
+              <a:off x="3469671" y="5392500"/>
               <a:ext cx="0" cy="37957"/>
             </a:xfrm>
             <a:custGeom>
@@ -6844,7 +6844,7 @@
           </p:nvSpPr>
           <p:spPr>
             <a:xfrm>
-              <a:off x="3835249" y="5392500"/>
+              <a:off x="3862130" y="5392500"/>
               <a:ext cx="0" cy="37957"/>
             </a:xfrm>
             <a:custGeom>
@@ -6884,7 +6884,7 @@
           </p:nvSpPr>
           <p:spPr>
             <a:xfrm>
-              <a:off x="4214268" y="5392500"/>
+              <a:off x="4254589" y="5392500"/>
               <a:ext cx="0" cy="37957"/>
             </a:xfrm>
             <a:custGeom>
@@ -6924,7 +6924,7 @@
           </p:nvSpPr>
           <p:spPr>
             <a:xfrm>
-              <a:off x="4593287" y="5392500"/>
+              <a:off x="4647048" y="5392500"/>
               <a:ext cx="0" cy="37957"/>
             </a:xfrm>
             <a:custGeom>
@@ -6964,7 +6964,7 @@
           </p:nvSpPr>
           <p:spPr>
             <a:xfrm>
-              <a:off x="4972305" y="5392500"/>
+              <a:off x="5039507" y="5392500"/>
               <a:ext cx="0" cy="37957"/>
             </a:xfrm>
             <a:custGeom>
@@ -7004,7 +7004,7 @@
           </p:nvSpPr>
           <p:spPr>
             <a:xfrm>
-              <a:off x="5351324" y="5392500"/>
+              <a:off x="5431966" y="5392500"/>
               <a:ext cx="0" cy="37957"/>
             </a:xfrm>
             <a:custGeom>
@@ -7044,7 +7044,7 @@
           </p:nvSpPr>
           <p:spPr>
             <a:xfrm>
-              <a:off x="5730342" y="5392500"/>
+              <a:off x="5824425" y="5392500"/>
               <a:ext cx="0" cy="37957"/>
             </a:xfrm>
             <a:custGeom>
@@ -7084,7 +7084,7 @@
           </p:nvSpPr>
           <p:spPr>
             <a:xfrm>
-              <a:off x="6109361" y="5392500"/>
+              <a:off x="6216884" y="5392500"/>
               <a:ext cx="0" cy="37957"/>
             </a:xfrm>
             <a:custGeom>
@@ -7124,7 +7124,7 @@
           </p:nvSpPr>
           <p:spPr>
             <a:xfrm>
-              <a:off x="6488380" y="5392500"/>
+              <a:off x="6609343" y="5392500"/>
               <a:ext cx="0" cy="37957"/>
             </a:xfrm>
             <a:custGeom>
@@ -7164,7 +7164,7 @@
           </p:nvSpPr>
           <p:spPr>
             <a:xfrm>
-              <a:off x="6867398" y="5392500"/>
+              <a:off x="7001802" y="5392500"/>
               <a:ext cx="0" cy="37957"/>
             </a:xfrm>
             <a:custGeom>
@@ -7204,7 +7204,7 @@
           </p:nvSpPr>
           <p:spPr>
             <a:xfrm>
-              <a:off x="7246417" y="5392500"/>
+              <a:off x="7394261" y="5392500"/>
               <a:ext cx="0" cy="37957"/>
             </a:xfrm>
             <a:custGeom>
@@ -7244,7 +7244,7 @@
           </p:nvSpPr>
           <p:spPr>
             <a:xfrm>
-              <a:off x="7625436" y="5392500"/>
+              <a:off x="7786720" y="5392500"/>
               <a:ext cx="0" cy="37957"/>
             </a:xfrm>
             <a:custGeom>
@@ -7284,7 +7284,7 @@
           </p:nvSpPr>
           <p:spPr>
             <a:xfrm>
-              <a:off x="8004454" y="5392500"/>
+              <a:off x="8179179" y="5392500"/>
               <a:ext cx="0" cy="37957"/>
             </a:xfrm>
             <a:custGeom>
@@ -7324,7 +7324,7 @@
           </p:nvSpPr>
           <p:spPr>
             <a:xfrm>
-              <a:off x="8383473" y="5392500"/>
+              <a:off x="8571638" y="5392500"/>
               <a:ext cx="0" cy="37957"/>
             </a:xfrm>
             <a:custGeom>
@@ -7410,7 +7410,7 @@
           </p:nvSpPr>
           <p:spPr>
             <a:xfrm>
-              <a:off x="3383581" y="5461015"/>
+              <a:off x="3397022" y="5461015"/>
               <a:ext cx="145298" cy="95483"/>
             </a:xfrm>
             <a:prstGeom prst="rect">
@@ -7456,7 +7456,7 @@
           </p:nvSpPr>
           <p:spPr>
             <a:xfrm>
-              <a:off x="3762600" y="5461015"/>
+              <a:off x="3789481" y="5461015"/>
               <a:ext cx="145298" cy="95483"/>
             </a:xfrm>
             <a:prstGeom prst="rect">
@@ -7502,7 +7502,7 @@
           </p:nvSpPr>
           <p:spPr>
             <a:xfrm>
-              <a:off x="4141619" y="5460951"/>
+              <a:off x="4181940" y="5460951"/>
               <a:ext cx="145298" cy="95547"/>
             </a:xfrm>
             <a:prstGeom prst="rect">
@@ -7548,7 +7548,7 @@
           </p:nvSpPr>
           <p:spPr>
             <a:xfrm>
-              <a:off x="4520637" y="5461015"/>
+              <a:off x="4574399" y="5461015"/>
               <a:ext cx="145298" cy="95483"/>
             </a:xfrm>
             <a:prstGeom prst="rect">
@@ -7594,7 +7594,7 @@
           </p:nvSpPr>
           <p:spPr>
             <a:xfrm>
-              <a:off x="4899656" y="5461015"/>
+              <a:off x="4966858" y="5461015"/>
               <a:ext cx="145298" cy="95483"/>
             </a:xfrm>
             <a:prstGeom prst="rect">
@@ -7640,7 +7640,7 @@
           </p:nvSpPr>
           <p:spPr>
             <a:xfrm>
-              <a:off x="5278674" y="5461015"/>
+              <a:off x="5359317" y="5461015"/>
               <a:ext cx="145298" cy="95483"/>
             </a:xfrm>
             <a:prstGeom prst="rect">
@@ -7686,7 +7686,7 @@
           </p:nvSpPr>
           <p:spPr>
             <a:xfrm>
-              <a:off x="5657693" y="5461015"/>
+              <a:off x="5751776" y="5461015"/>
               <a:ext cx="145298" cy="95483"/>
             </a:xfrm>
             <a:prstGeom prst="rect">
@@ -7732,7 +7732,7 @@
           </p:nvSpPr>
           <p:spPr>
             <a:xfrm>
-              <a:off x="6036712" y="5461015"/>
+              <a:off x="6144235" y="5461015"/>
               <a:ext cx="145298" cy="95483"/>
             </a:xfrm>
             <a:prstGeom prst="rect">
@@ -7778,7 +7778,7 @@
           </p:nvSpPr>
           <p:spPr>
             <a:xfrm>
-              <a:off x="6415730" y="5461015"/>
+              <a:off x="6536694" y="5461015"/>
               <a:ext cx="145298" cy="95483"/>
             </a:xfrm>
             <a:prstGeom prst="rect">
@@ -7824,7 +7824,7 @@
           </p:nvSpPr>
           <p:spPr>
             <a:xfrm>
-              <a:off x="6758424" y="5461015"/>
+              <a:off x="6892828" y="5461015"/>
               <a:ext cx="217948" cy="95483"/>
             </a:xfrm>
             <a:prstGeom prst="rect">
@@ -7870,7 +7870,7 @@
           </p:nvSpPr>
           <p:spPr>
             <a:xfrm>
-              <a:off x="7137443" y="5461015"/>
+              <a:off x="7285287" y="5461015"/>
               <a:ext cx="217948" cy="95483"/>
             </a:xfrm>
             <a:prstGeom prst="rect">
@@ -7916,7 +7916,7 @@
           </p:nvSpPr>
           <p:spPr>
             <a:xfrm>
-              <a:off x="7516462" y="5461015"/>
+              <a:off x="7677746" y="5461015"/>
               <a:ext cx="217948" cy="95483"/>
             </a:xfrm>
             <a:prstGeom prst="rect">
@@ -7962,7 +7962,7 @@
           </p:nvSpPr>
           <p:spPr>
             <a:xfrm>
-              <a:off x="7895480" y="5460951"/>
+              <a:off x="8070205" y="5460951"/>
               <a:ext cx="217948" cy="95547"/>
             </a:xfrm>
             <a:prstGeom prst="rect">
@@ -8008,7 +8008,7 @@
           </p:nvSpPr>
           <p:spPr>
             <a:xfrm>
-              <a:off x="8274499" y="5461015"/>
+              <a:off x="8462664" y="5461015"/>
               <a:ext cx="217948" cy="95483"/>
             </a:xfrm>
             <a:prstGeom prst="rect">
@@ -8565,7 +8565,7 @@
                   <a:latin typeface="Arial"/>
                   <a:cs typeface="Arial"/>
                 </a:rPr>
-                <a:t>Priority rating of need categories (N=146).</a:t>
+                <a:t>Priority rating of need categories (N=141).</a:t>
               </a:r>
             </a:p>
           </p:txBody>
